--- a/受控文档/00-PPT/PRD2018-G11-UML基础4综合应用和问题解答.pptx
+++ b/受控文档/00-PPT/PRD2018-G11-UML基础4综合应用和问题解答.pptx
@@ -5,10 +5,10 @@
     <p:sldMasterId id="2147483648" r:id="rId1"/>
   </p:sldMasterIdLst>
   <p:notesMasterIdLst>
-    <p:notesMasterId r:id="rId22"/>
+    <p:notesMasterId r:id="rId24"/>
   </p:notesMasterIdLst>
   <p:handoutMasterIdLst>
-    <p:handoutMasterId r:id="rId23"/>
+    <p:handoutMasterId r:id="rId25"/>
   </p:handoutMasterIdLst>
   <p:sldIdLst>
     <p:sldId id="370" r:id="rId2"/>
@@ -28,9 +28,11 @@
     <p:sldId id="638" r:id="rId16"/>
     <p:sldId id="639" r:id="rId17"/>
     <p:sldId id="641" r:id="rId18"/>
-    <p:sldId id="455" r:id="rId19"/>
-    <p:sldId id="532" r:id="rId20"/>
-    <p:sldId id="436" r:id="rId21"/>
+    <p:sldId id="648" r:id="rId19"/>
+    <p:sldId id="649" r:id="rId20"/>
+    <p:sldId id="455" r:id="rId21"/>
+    <p:sldId id="532" r:id="rId22"/>
+    <p:sldId id="436" r:id="rId23"/>
   </p:sldIdLst>
   <p:sldSz cx="12190413" cy="6859588"/>
   <p:notesSz cx="6858000" cy="9144000"/>
@@ -131,7 +133,7 @@
   </p:defaultTextStyle>
   <p:extLst>
     <p:ext uri="{EFAFB233-063F-42B5-8137-9DF3F51BA10A}">
-      <p15:sldGuideLst xmlns:p15="http://schemas.microsoft.com/office/powerpoint/2012/main" xmlns="">
+      <p15:sldGuideLst xmlns:p15="http://schemas.microsoft.com/office/powerpoint/2012/main">
         <p15:guide id="1" orient="horz" pos="2228">
           <p15:clr>
             <a:srgbClr val="A4A3A4"/>
@@ -160,7 +162,7 @@
       </p15:sldGuideLst>
     </p:ext>
     <p:ext uri="{2D200454-40CA-4A62-9FC3-DE9A4176ACB9}">
-      <p15:notesGuideLst xmlns:p15="http://schemas.microsoft.com/office/powerpoint/2012/main" xmlns="">
+      <p15:notesGuideLst xmlns:p15="http://schemas.microsoft.com/office/powerpoint/2012/main">
         <p15:guide id="1" orient="horz" pos="2969">
           <p15:clr>
             <a:srgbClr val="A4A3A4"/>
@@ -915,7 +917,7 @@
           <a:p>
             <a:fld id="{74AC173A-3DA8-4893-B28A-1E15F55C330A}" type="slidenum">
               <a:rPr lang="zh-CN" altLang="en-US" smtClean="0"/>
-              <a:t>18</a:t>
+              <a:t>20</a:t>
             </a:fld>
             <a:endParaRPr lang="zh-CN" altLang="en-US"/>
           </a:p>
@@ -994,7 +996,7 @@
           <a:p>
             <a:fld id="{74AC173A-3DA8-4893-B28A-1E15F55C330A}" type="slidenum">
               <a:rPr lang="zh-CN" altLang="en-US" smtClean="0"/>
-              <a:t>19</a:t>
+              <a:t>21</a:t>
             </a:fld>
             <a:endParaRPr lang="zh-CN" altLang="en-US"/>
           </a:p>
@@ -1073,7 +1075,7 @@
           <a:p>
             <a:fld id="{74AC173A-3DA8-4893-B28A-1E15F55C330A}" type="slidenum">
               <a:rPr lang="zh-CN" altLang="en-US" smtClean="0"/>
-              <a:t>20</a:t>
+              <a:t>22</a:t>
             </a:fld>
             <a:endParaRPr lang="zh-CN" altLang="en-US"/>
           </a:p>
@@ -6972,72 +6974,117 @@
       </p:grpSpPr>
       <p:sp>
         <p:nvSpPr>
-          <p:cNvPr id="36" name="矩形 35"/>
+          <p:cNvPr id="2" name="矩形 1"/>
           <p:cNvSpPr/>
           <p:nvPr/>
         </p:nvSpPr>
         <p:spPr>
           <a:xfrm>
-            <a:off x="-106680" y="0"/>
-            <a:ext cx="2938780" cy="6859270"/>
+            <a:off x="237030" y="1171"/>
+            <a:ext cx="1608415" cy="135446"/>
           </a:xfrm>
           <a:prstGeom prst="rect">
             <a:avLst/>
           </a:prstGeom>
           <a:solidFill>
-            <a:srgbClr val="38B1BF"/>
+            <a:srgbClr val="183A5D"/>
           </a:solidFill>
           <a:ln>
             <a:noFill/>
           </a:ln>
-          <a:effectLst>
-            <a:outerShdw blurRad="50800" dist="38100" dir="2700000" algn="tl" rotWithShape="0">
-              <a:prstClr val="black">
-                <a:alpha val="40000"/>
-              </a:prstClr>
-            </a:outerShdw>
-          </a:effectLst>
-          <a:scene3d>
-            <a:camera prst="orthographicFront"/>
-            <a:lightRig rig="threePt" dir="t"/>
-          </a:scene3d>
-          <a:sp3d/>
         </p:spPr>
         <p:style>
-          <a:lnRef idx="1">
-            <a:schemeClr val="accent1"/>
+          <a:lnRef idx="2">
+            <a:schemeClr val="accent1">
+              <a:shade val="50000"/>
+            </a:schemeClr>
           </a:lnRef>
-          <a:fillRef idx="0">
+          <a:fillRef idx="1">
             <a:schemeClr val="accent1"/>
           </a:fillRef>
           <a:effectRef idx="0">
             <a:schemeClr val="accent1"/>
           </a:effectRef>
           <a:fontRef idx="minor">
-            <a:schemeClr val="tx1"/>
+            <a:schemeClr val="lt1"/>
           </a:fontRef>
         </p:style>
         <p:txBody>
-          <a:bodyPr rot="0" spcFirstLastPara="0" vertOverflow="overflow" horzOverflow="overflow" vert="horz" wrap="square" lIns="91440" tIns="45720" rIns="91440" bIns="45720" numCol="1" spcCol="0" rtlCol="0" fromWordArt="0" anchor="ctr" anchorCtr="0" forceAA="0" compatLnSpc="1">
-            <a:noAutofit/>
-          </a:bodyPr>
+          <a:bodyPr rtlCol="0" anchor="ctr"/>
           <a:lstStyle/>
           <a:p>
             <a:pPr algn="ctr"/>
-            <a:endParaRPr lang="zh-CN" altLang="en-US"/>
+            <a:endParaRPr lang="zh-CN" altLang="en-US" sz="2800">
+              <a:solidFill>
+                <a:prstClr val="white"/>
+              </a:solidFill>
+            </a:endParaRPr>
           </a:p>
         </p:txBody>
       </p:sp>
       <p:sp>
         <p:nvSpPr>
-          <p:cNvPr id="37" name="TextBox 36"/>
+          <p:cNvPr id="3" name="矩形 2"/>
+          <p:cNvSpPr/>
+          <p:nvPr/>
+        </p:nvSpPr>
+        <p:spPr>
+          <a:xfrm>
+            <a:off x="237030" y="255131"/>
+            <a:ext cx="1608415" cy="406336"/>
+          </a:xfrm>
+          <a:prstGeom prst="rect">
+            <a:avLst/>
+          </a:prstGeom>
+          <a:solidFill>
+            <a:srgbClr val="183A5D"/>
+          </a:solidFill>
+          <a:ln>
+            <a:noFill/>
+          </a:ln>
+        </p:spPr>
+        <p:style>
+          <a:lnRef idx="2">
+            <a:schemeClr val="accent1">
+              <a:shade val="50000"/>
+            </a:schemeClr>
+          </a:lnRef>
+          <a:fillRef idx="1">
+            <a:schemeClr val="accent1"/>
+          </a:fillRef>
+          <a:effectRef idx="0">
+            <a:schemeClr val="accent1"/>
+          </a:effectRef>
+          <a:fontRef idx="minor">
+            <a:schemeClr val="lt1"/>
+          </a:fontRef>
+        </p:style>
+        <p:txBody>
+          <a:bodyPr rtlCol="0" anchor="ctr"/>
+          <a:lstStyle/>
+          <a:p>
+            <a:pPr algn="ctr"/>
+            <a:r>
+              <a:rPr lang="en-US" sz="2400" dirty="0">
+                <a:solidFill>
+                  <a:prstClr val="white"/>
+                </a:solidFill>
+              </a:rPr>
+              <a:t>3</a:t>
+            </a:r>
+          </a:p>
+        </p:txBody>
+      </p:sp>
+      <p:sp>
+        <p:nvSpPr>
+          <p:cNvPr id="4" name="文本框 3"/>
           <p:cNvSpPr txBox="1"/>
           <p:nvPr/>
         </p:nvSpPr>
         <p:spPr>
           <a:xfrm>
-            <a:off x="-276651" y="2922512"/>
-            <a:ext cx="2808312" cy="614045"/>
+            <a:off x="2236548" y="136356"/>
+            <a:ext cx="6052718" cy="501650"/>
           </a:xfrm>
           <a:prstGeom prst="rect">
             <a:avLst/>
@@ -7045,27 +7092,14 @@
           <a:noFill/>
         </p:spPr>
         <p:txBody>
-          <a:bodyPr wrap="square" lIns="121948" tIns="60973" rIns="121948" bIns="60973">
+          <a:bodyPr wrap="square" rtlCol="0">
             <a:spAutoFit/>
           </a:bodyPr>
           <a:lstStyle/>
           <a:p>
-            <a:pPr algn="r">
-              <a:defRPr/>
-            </a:pPr>
-            <a:r>
-              <a:rPr lang="zh-CN" altLang="en-US" sz="3200" b="1" dirty="0" smtClean="0">
-                <a:solidFill>
-                  <a:schemeClr val="bg1"/>
-                </a:solidFill>
-                <a:latin typeface="微软雅黑" panose="020B0503020204020204" pitchFamily="34" charset="-122"/>
-                <a:ea typeface="微软雅黑" panose="020B0503020204020204" pitchFamily="34" charset="-122"/>
-              </a:rPr>
-              <a:t>参考文献</a:t>
-            </a:r>
-            <a:endParaRPr lang="zh-CN" sz="3200" b="1" dirty="0">
+            <a:endParaRPr lang="zh-CN" altLang="en-US" sz="2665" dirty="0">
               <a:solidFill>
-                <a:schemeClr val="bg1"/>
+                <a:srgbClr val="183A5D"/>
               </a:solidFill>
               <a:latin typeface="微软雅黑" panose="020B0503020204020204" pitchFamily="34" charset="-122"/>
               <a:ea typeface="微软雅黑" panose="020B0503020204020204" pitchFamily="34" charset="-122"/>
@@ -7075,14 +7109,14 @@
       </p:sp>
       <p:sp>
         <p:nvSpPr>
-          <p:cNvPr id="2" name="文本框 1"/>
+          <p:cNvPr id="6" name="文本框 5"/>
           <p:cNvSpPr txBox="1"/>
           <p:nvPr/>
         </p:nvSpPr>
         <p:spPr>
           <a:xfrm>
-            <a:off x="3048606" y="693490"/>
-            <a:ext cx="9141807" cy="2861310"/>
+            <a:off x="2226388" y="159851"/>
+            <a:ext cx="6052718" cy="501650"/>
           </a:xfrm>
           <a:prstGeom prst="rect">
             <a:avLst/>
@@ -7096,464 +7130,130 @@
           <a:lstStyle/>
           <a:p>
             <a:r>
-              <a:rPr lang="en-US" altLang="zh-CN" sz="1800" dirty="0" smtClean="0"/>
-              <a:t>[1]</a:t>
+              <a:rPr lang="zh-CN" altLang="en-US" sz="2665" dirty="0">
+                <a:solidFill>
+                  <a:srgbClr val="183A5D"/>
+                </a:solidFill>
+                <a:latin typeface="微软雅黑" panose="020B0503020204020204" pitchFamily="34" charset="-122"/>
+                <a:ea typeface="微软雅黑" panose="020B0503020204020204" pitchFamily="34" charset="-122"/>
+              </a:rPr>
+              <a:t>工具</a:t>
             </a:r>
             <a:r>
-              <a:rPr lang="zh-CN" altLang="en-US" sz="1800" dirty="0" smtClean="0"/>
-              <a:t> </a:t>
+              <a:rPr lang="zh-CN" altLang="en-US" sz="2665" dirty="0" smtClean="0">
+                <a:solidFill>
+                  <a:srgbClr val="183A5D"/>
+                </a:solidFill>
+                <a:latin typeface="微软雅黑" panose="020B0503020204020204" pitchFamily="34" charset="-122"/>
+                <a:ea typeface="微软雅黑" panose="020B0503020204020204" pitchFamily="34" charset="-122"/>
+              </a:rPr>
+              <a:t>的使用情况</a:t>
             </a:r>
             <a:r>
-              <a:rPr lang="en-US" altLang="zh-CN" sz="1800" dirty="0" smtClean="0"/>
+              <a:rPr lang="en-US" altLang="zh-CN" sz="2665" dirty="0" smtClean="0">
+                <a:solidFill>
+                  <a:srgbClr val="183A5D"/>
+                </a:solidFill>
+                <a:latin typeface="微软雅黑" panose="020B0503020204020204" pitchFamily="34" charset="-122"/>
+                <a:ea typeface="微软雅黑" panose="020B0503020204020204" pitchFamily="34" charset="-122"/>
+              </a:rPr>
+              <a:t>——RSA</a:t>
+            </a:r>
+            <a:endParaRPr lang="zh-CN" altLang="en-US" sz="2665" dirty="0">
+              <a:solidFill>
+                <a:srgbClr val="183A5D"/>
+              </a:solidFill>
+              <a:latin typeface="微软雅黑" panose="020B0503020204020204" pitchFamily="34" charset="-122"/>
+              <a:ea typeface="微软雅黑" panose="020B0503020204020204" pitchFamily="34" charset="-122"/>
+            </a:endParaRPr>
+          </a:p>
+        </p:txBody>
+      </p:sp>
+      <p:sp>
+        <p:nvSpPr>
+          <p:cNvPr id="5" name="TextBox 4"/>
+          <p:cNvSpPr txBox="1"/>
+          <p:nvPr/>
+        </p:nvSpPr>
+        <p:spPr>
+          <a:xfrm>
+            <a:off x="2236548" y="6094090"/>
+            <a:ext cx="7675082" cy="415498"/>
+          </a:xfrm>
+          <a:prstGeom prst="rect">
+            <a:avLst/>
+          </a:prstGeom>
+          <a:noFill/>
+        </p:spPr>
+        <p:txBody>
+          <a:bodyPr wrap="square" rtlCol="0">
+            <a:spAutoFit/>
+          </a:bodyPr>
+          <a:lstStyle/>
+          <a:p>
+            <a:r>
+              <a:rPr lang="en-US" altLang="zh-CN" dirty="0" smtClean="0"/>
+              <a:t>RSA</a:t>
+            </a:r>
+            <a:r>
+              <a:rPr lang="zh-CN" altLang="en-US" dirty="0" smtClean="0"/>
+              <a:t>同样能方便快捷地构建</a:t>
+            </a:r>
+            <a:r>
+              <a:rPr lang="en-US" altLang="zh-CN" dirty="0" smtClean="0"/>
               <a:t>UML</a:t>
             </a:r>
             <a:r>
-              <a:rPr lang="zh-CN" altLang="en-US" sz="1800" dirty="0" smtClean="0"/>
-              <a:t>用户指南</a:t>
+              <a:rPr lang="zh-CN" altLang="en-US" dirty="0" smtClean="0"/>
+              <a:t>图</a:t>
             </a:r>
-            <a:r>
-              <a:rPr lang="en-US" altLang="zh-CN" sz="1800" dirty="0" smtClean="0"/>
-              <a:t>(</a:t>
-            </a:r>
-            <a:r>
-              <a:rPr lang="zh-CN" altLang="en-US" sz="1800" dirty="0" smtClean="0"/>
-              <a:t>第</a:t>
-            </a:r>
-            <a:r>
-              <a:rPr lang="en-US" altLang="zh-CN" sz="1800" dirty="0" smtClean="0"/>
-              <a:t>2</a:t>
-            </a:r>
-            <a:r>
-              <a:rPr lang="zh-CN" altLang="en-US" sz="1800" dirty="0" smtClean="0"/>
-              <a:t>版</a:t>
-            </a:r>
-            <a:r>
-              <a:rPr lang="en-US" altLang="zh-CN" sz="1800" dirty="0" smtClean="0"/>
-              <a:t>·</a:t>
-            </a:r>
-            <a:r>
-              <a:rPr lang="zh-CN" altLang="en-US" sz="1800" dirty="0" smtClean="0"/>
-              <a:t>修订版</a:t>
-            </a:r>
-            <a:r>
-              <a:rPr lang="en-US" altLang="zh-CN" sz="1800" dirty="0" smtClean="0"/>
-              <a:t>)(</a:t>
-            </a:r>
-            <a:r>
-              <a:rPr lang="zh-CN" altLang="en-US" sz="1800" dirty="0" smtClean="0"/>
-              <a:t>作者</a:t>
-            </a:r>
-            <a:r>
-              <a:rPr lang="en-US" altLang="zh-CN" sz="1800" dirty="0"/>
-              <a:t>:Grady </a:t>
-            </a:r>
-            <a:r>
-              <a:rPr lang="en-US" altLang="zh-CN" sz="1800" dirty="0" err="1" smtClean="0"/>
-              <a:t>Booch</a:t>
-            </a:r>
-            <a:r>
-              <a:rPr lang="zh-CN" altLang="en-US" sz="1800" dirty="0" smtClean="0"/>
-              <a:t>等</a:t>
-            </a:r>
-            <a:r>
-              <a:rPr lang="en-US" altLang="zh-CN" sz="1800" dirty="0" smtClean="0"/>
-              <a:t>)	</a:t>
-            </a:r>
-            <a:r>
-              <a:rPr lang="zh-CN" altLang="en-US" sz="1800" dirty="0" smtClean="0"/>
-              <a:t>人民</a:t>
-            </a:r>
-            <a:r>
-              <a:rPr lang="zh-CN" altLang="en-US" sz="1800" dirty="0"/>
-              <a:t>邮电</a:t>
-            </a:r>
-            <a:r>
-              <a:rPr lang="zh-CN" altLang="en-US" sz="1800" dirty="0" smtClean="0"/>
-              <a:t>出版社</a:t>
-            </a:r>
-            <a:endParaRPr lang="en-US" altLang="zh-CN" sz="1800" dirty="0" smtClean="0"/>
-          </a:p>
-          <a:p>
-            <a:endParaRPr lang="en-US" altLang="zh-CN" sz="1800" dirty="0" smtClean="0"/>
-          </a:p>
-          <a:p>
-            <a:r>
-              <a:rPr lang="en-US" altLang="zh-CN" sz="1800" dirty="0" smtClean="0"/>
-              <a:t>[2]</a:t>
-            </a:r>
-            <a:r>
-              <a:rPr lang="zh-CN" altLang="en-US" sz="1800" dirty="0"/>
-              <a:t> </a:t>
-            </a:r>
-            <a:r>
-              <a:rPr lang="en-US" altLang="zh-CN" sz="1800" dirty="0"/>
-              <a:t>UML2</a:t>
-            </a:r>
-            <a:r>
-              <a:rPr lang="zh-CN" altLang="en-US" sz="1800" dirty="0"/>
-              <a:t>基础、建模与设计</a:t>
-            </a:r>
-            <a:r>
-              <a:rPr lang="zh-CN" altLang="en-US" sz="1800" dirty="0" smtClean="0"/>
-              <a:t>教程</a:t>
-            </a:r>
-            <a:r>
-              <a:rPr lang="en-US" altLang="zh-CN" sz="1800" dirty="0"/>
-              <a:t>(</a:t>
-            </a:r>
-            <a:r>
-              <a:rPr lang="zh-CN" altLang="en-US" sz="1800" dirty="0" smtClean="0"/>
-              <a:t>作者</a:t>
-            </a:r>
-            <a:r>
-              <a:rPr lang="en-US" altLang="zh-CN" sz="1800" dirty="0" smtClean="0"/>
-              <a:t>:</a:t>
-            </a:r>
-            <a:r>
-              <a:rPr lang="zh-CN" altLang="en-US" sz="1800" dirty="0" smtClean="0"/>
-              <a:t>杨弘平等</a:t>
-            </a:r>
-            <a:r>
-              <a:rPr lang="en-US" altLang="zh-CN" sz="1800" dirty="0" smtClean="0"/>
-              <a:t>)	</a:t>
-            </a:r>
-            <a:r>
-              <a:rPr lang="zh-CN" altLang="en-US" sz="1800" dirty="0" smtClean="0"/>
-              <a:t>清华大学出版社</a:t>
-            </a:r>
-            <a:endParaRPr lang="en-US" altLang="zh-CN" sz="1800" dirty="0"/>
-          </a:p>
-          <a:p>
-            <a:endParaRPr lang="zh-CN" altLang="en-US" sz="1800" dirty="0"/>
-          </a:p>
-          <a:p>
-            <a:r>
-              <a:rPr lang="en-US" altLang="zh-CN" sz="1800" dirty="0" smtClean="0">
-                <a:sym typeface="+mn-ea"/>
-              </a:rPr>
-              <a:t>[3]</a:t>
-            </a:r>
-            <a:r>
-              <a:rPr lang="zh-CN" altLang="en-US" sz="1800" dirty="0">
-                <a:sym typeface="+mn-ea"/>
-              </a:rPr>
-              <a:t>《软件需求（第三版）》美</a:t>
-            </a:r>
-            <a:r>
-              <a:rPr lang="en-US" altLang="zh-CN" sz="1800" dirty="0">
-                <a:sym typeface="+mn-ea"/>
-              </a:rPr>
-              <a:t>KARL WIEGERS ,JOY BEATTY</a:t>
-            </a:r>
-            <a:endParaRPr lang="en-US" altLang="zh-CN" sz="1800" dirty="0" smtClean="0">
-              <a:sym typeface="+mn-ea"/>
-            </a:endParaRPr>
-          </a:p>
-          <a:p>
-            <a:endParaRPr lang="en-US" altLang="zh-CN" sz="1800" dirty="0" smtClean="0">
-              <a:sym typeface="+mn-ea"/>
-            </a:endParaRPr>
-          </a:p>
-          <a:p>
-            <a:endParaRPr lang="zh-CN" altLang="en-US" sz="1800" dirty="0"/>
-          </a:p>
-          <a:p>
-            <a:endParaRPr lang="en-US" altLang="zh-CN" sz="1800" dirty="0">
-              <a:solidFill>
-                <a:schemeClr val="tx1"/>
-              </a:solidFill>
-              <a:effectLst>
-                <a:outerShdw blurRad="38100" dist="19050" dir="2700000" algn="tl" rotWithShape="0">
-                  <a:schemeClr val="dk1">
-                    <a:alpha val="40000"/>
-                  </a:schemeClr>
-                </a:outerShdw>
-              </a:effectLst>
-            </a:endParaRPr>
-          </a:p>
-          <a:p>
-            <a:endParaRPr lang="en-US" altLang="zh-CN" sz="1800" dirty="0" smtClean="0"/>
-          </a:p>
-          <a:p>
-            <a:endParaRPr lang="zh-CN" altLang="en-US" sz="1800" dirty="0"/>
+            <a:endParaRPr lang="zh-CN" altLang="en-US" dirty="0"/>
           </a:p>
         </p:txBody>
       </p:sp>
+      <p:pic>
+        <p:nvPicPr>
+          <p:cNvPr id="7" name="图片 6"/>
+          <p:cNvPicPr>
+            <a:picLocks noChangeAspect="1"/>
+          </p:cNvPicPr>
+          <p:nvPr/>
+        </p:nvPicPr>
+        <p:blipFill>
+          <a:blip r:embed="rId2"/>
+          <a:stretch>
+            <a:fillRect/>
+          </a:stretch>
+        </p:blipFill>
+        <p:spPr>
+          <a:xfrm>
+            <a:off x="93069" y="837506"/>
+            <a:ext cx="12097344" cy="5086892"/>
+          </a:xfrm>
+          <a:prstGeom prst="rect">
+            <a:avLst/>
+          </a:prstGeom>
+        </p:spPr>
+      </p:pic>
     </p:spTree>
+    <p:extLst>
+      <p:ext uri="{BB962C8B-B14F-4D97-AF65-F5344CB8AC3E}">
+        <p14:creationId xmlns:p14="http://schemas.microsoft.com/office/powerpoint/2010/main" val="3862331665"/>
+      </p:ext>
+    </p:extLst>
   </p:cSld>
   <p:clrMapOvr>
     <a:masterClrMapping/>
   </p:clrMapOvr>
-  <mc:AlternateContent xmlns:mc="http://schemas.openxmlformats.org/markup-compatibility/2006" xmlns:p14="http://schemas.microsoft.com/office/powerpoint/2010/main">
-    <mc:Choice Requires="p14">
-      <p:transition spd="slow" p14:dur="1200" advClick="0" advTm="0">
-        <p14:prism/>
-      </p:transition>
-    </mc:Choice>
-    <mc:Fallback xmlns="">
-      <p:transition spd="slow" advClick="0" advTm="0">
-        <p:fade/>
-      </p:transition>
-    </mc:Fallback>
-  </mc:AlternateContent>
+  <p:transition spd="slow" advClick="0" advTm="0">
+    <p:wipe/>
+  </p:transition>
   <p:timing>
     <p:tnLst>
       <p:par>
-        <p:cTn id="1" dur="indefinite" restart="never" nodeType="tmRoot">
-          <p:childTnLst>
-            <p:seq concurrent="1" nextAc="seek">
-              <p:cTn id="2" dur="indefinite" nodeType="mainSeq">
-                <p:childTnLst>
-                  <p:par>
-                    <p:cTn id="3" fill="hold">
-                      <p:stCondLst>
-                        <p:cond delay="indefinite"/>
-                        <p:cond evt="onBegin" delay="0">
-                          <p:tn val="2"/>
-                        </p:cond>
-                      </p:stCondLst>
-                      <p:childTnLst>
-                        <p:par>
-                          <p:cTn id="4" fill="hold">
-                            <p:stCondLst>
-                              <p:cond delay="0"/>
-                            </p:stCondLst>
-                            <p:childTnLst>
-                              <p:par>
-                                <p:cTn id="5" presetID="2" presetClass="entr" presetSubtype="8" fill="hold" grpId="0" nodeType="afterEffect">
-                                  <p:stCondLst>
-                                    <p:cond delay="0"/>
-                                  </p:stCondLst>
-                                  <p:childTnLst>
-                                    <p:set>
-                                      <p:cBhvr>
-                                        <p:cTn id="6" dur="1" fill="hold">
-                                          <p:stCondLst>
-                                            <p:cond delay="0"/>
-                                          </p:stCondLst>
-                                        </p:cTn>
-                                        <p:tgtEl>
-                                          <p:spTgt spid="36"/>
-                                        </p:tgtEl>
-                                        <p:attrNameLst>
-                                          <p:attrName>style.visibility</p:attrName>
-                                        </p:attrNameLst>
-                                      </p:cBhvr>
-                                      <p:to>
-                                        <p:strVal val="visible"/>
-                                      </p:to>
-                                    </p:set>
-                                    <p:anim calcmode="lin" valueType="num">
-                                      <p:cBhvr additive="base">
-                                        <p:cTn id="7" dur="500" fill="hold"/>
-                                        <p:tgtEl>
-                                          <p:spTgt spid="36"/>
-                                        </p:tgtEl>
-                                        <p:attrNameLst>
-                                          <p:attrName>ppt_x</p:attrName>
-                                        </p:attrNameLst>
-                                      </p:cBhvr>
-                                      <p:tavLst>
-                                        <p:tav tm="0">
-                                          <p:val>
-                                            <p:strVal val="0-#ppt_w/2"/>
-                                          </p:val>
-                                        </p:tav>
-                                        <p:tav tm="100000">
-                                          <p:val>
-                                            <p:strVal val="#ppt_x"/>
-                                          </p:val>
-                                        </p:tav>
-                                      </p:tavLst>
-                                    </p:anim>
-                                    <p:anim calcmode="lin" valueType="num">
-                                      <p:cBhvr additive="base">
-                                        <p:cTn id="8" dur="500" fill="hold"/>
-                                        <p:tgtEl>
-                                          <p:spTgt spid="36"/>
-                                        </p:tgtEl>
-                                        <p:attrNameLst>
-                                          <p:attrName>ppt_y</p:attrName>
-                                        </p:attrNameLst>
-                                      </p:cBhvr>
-                                      <p:tavLst>
-                                        <p:tav tm="0">
-                                          <p:val>
-                                            <p:strVal val="#ppt_y"/>
-                                          </p:val>
-                                        </p:tav>
-                                        <p:tav tm="100000">
-                                          <p:val>
-                                            <p:strVal val="#ppt_y"/>
-                                          </p:val>
-                                        </p:tav>
-                                      </p:tavLst>
-                                    </p:anim>
-                                  </p:childTnLst>
-                                </p:cTn>
-                              </p:par>
-                            </p:childTnLst>
-                          </p:cTn>
-                        </p:par>
-                        <p:par>
-                          <p:cTn id="9" fill="hold">
-                            <p:stCondLst>
-                              <p:cond delay="500"/>
-                            </p:stCondLst>
-                            <p:childTnLst>
-                              <p:par>
-                                <p:cTn id="10" presetID="17" presetClass="entr" presetSubtype="1" fill="hold" grpId="0" nodeType="afterEffect">
-                                  <p:stCondLst>
-                                    <p:cond delay="0"/>
-                                  </p:stCondLst>
-                                  <p:iterate type="lt">
-                                    <p:tmPct val="40000"/>
-                                  </p:iterate>
-                                  <p:childTnLst>
-                                    <p:set>
-                                      <p:cBhvr>
-                                        <p:cTn id="11" dur="1" fill="hold">
-                                          <p:stCondLst>
-                                            <p:cond delay="0"/>
-                                          </p:stCondLst>
-                                        </p:cTn>
-                                        <p:tgtEl>
-                                          <p:spTgt spid="37"/>
-                                        </p:tgtEl>
-                                        <p:attrNameLst>
-                                          <p:attrName>style.visibility</p:attrName>
-                                        </p:attrNameLst>
-                                      </p:cBhvr>
-                                      <p:to>
-                                        <p:strVal val="visible"/>
-                                      </p:to>
-                                    </p:set>
-                                    <p:anim calcmode="lin" valueType="num">
-                                      <p:cBhvr>
-                                        <p:cTn id="12" dur="250" fill="hold"/>
-                                        <p:tgtEl>
-                                          <p:spTgt spid="37"/>
-                                        </p:tgtEl>
-                                        <p:attrNameLst>
-                                          <p:attrName>ppt_x</p:attrName>
-                                        </p:attrNameLst>
-                                      </p:cBhvr>
-                                      <p:tavLst>
-                                        <p:tav tm="0">
-                                          <p:val>
-                                            <p:strVal val="#ppt_x"/>
-                                          </p:val>
-                                        </p:tav>
-                                        <p:tav tm="100000">
-                                          <p:val>
-                                            <p:strVal val="#ppt_x"/>
-                                          </p:val>
-                                        </p:tav>
-                                      </p:tavLst>
-                                    </p:anim>
-                                    <p:anim calcmode="lin" valueType="num">
-                                      <p:cBhvr>
-                                        <p:cTn id="13" dur="250" fill="hold"/>
-                                        <p:tgtEl>
-                                          <p:spTgt spid="37"/>
-                                        </p:tgtEl>
-                                        <p:attrNameLst>
-                                          <p:attrName>ppt_y</p:attrName>
-                                        </p:attrNameLst>
-                                      </p:cBhvr>
-                                      <p:tavLst>
-                                        <p:tav tm="0">
-                                          <p:val>
-                                            <p:strVal val="#ppt_y-#ppt_h/2"/>
-                                          </p:val>
-                                        </p:tav>
-                                        <p:tav tm="100000">
-                                          <p:val>
-                                            <p:strVal val="#ppt_y"/>
-                                          </p:val>
-                                        </p:tav>
-                                      </p:tavLst>
-                                    </p:anim>
-                                    <p:anim calcmode="lin" valueType="num">
-                                      <p:cBhvr>
-                                        <p:cTn id="14" dur="250" fill="hold"/>
-                                        <p:tgtEl>
-                                          <p:spTgt spid="37"/>
-                                        </p:tgtEl>
-                                        <p:attrNameLst>
-                                          <p:attrName>ppt_w</p:attrName>
-                                        </p:attrNameLst>
-                                      </p:cBhvr>
-                                      <p:tavLst>
-                                        <p:tav tm="0">
-                                          <p:val>
-                                            <p:strVal val="#ppt_w"/>
-                                          </p:val>
-                                        </p:tav>
-                                        <p:tav tm="100000">
-                                          <p:val>
-                                            <p:strVal val="#ppt_w"/>
-                                          </p:val>
-                                        </p:tav>
-                                      </p:tavLst>
-                                    </p:anim>
-                                    <p:anim calcmode="lin" valueType="num">
-                                      <p:cBhvr>
-                                        <p:cTn id="15" dur="250" fill="hold"/>
-                                        <p:tgtEl>
-                                          <p:spTgt spid="37"/>
-                                        </p:tgtEl>
-                                        <p:attrNameLst>
-                                          <p:attrName>ppt_h</p:attrName>
-                                        </p:attrNameLst>
-                                      </p:cBhvr>
-                                      <p:tavLst>
-                                        <p:tav tm="0">
-                                          <p:val>
-                                            <p:fltVal val="0"/>
-                                          </p:val>
-                                        </p:tav>
-                                        <p:tav tm="100000">
-                                          <p:val>
-                                            <p:strVal val="#ppt_h"/>
-                                          </p:val>
-                                        </p:tav>
-                                      </p:tavLst>
-                                    </p:anim>
-                                  </p:childTnLst>
-                                </p:cTn>
-                              </p:par>
-                            </p:childTnLst>
-                          </p:cTn>
-                        </p:par>
-                      </p:childTnLst>
-                    </p:cTn>
-                  </p:par>
-                </p:childTnLst>
-              </p:cTn>
-              <p:prevCondLst>
-                <p:cond evt="onPrev" delay="0">
-                  <p:tgtEl>
-                    <p:sldTgt/>
-                  </p:tgtEl>
-                </p:cond>
-              </p:prevCondLst>
-              <p:nextCondLst>
-                <p:cond evt="onNext" delay="0">
-                  <p:tgtEl>
-                    <p:sldTgt/>
-                  </p:tgtEl>
-                </p:cond>
-              </p:nextCondLst>
-            </p:seq>
-          </p:childTnLst>
-        </p:cTn>
+        <p:cTn id="1" dur="indefinite" restart="never" nodeType="tmRoot"/>
       </p:par>
     </p:tnLst>
-    <p:bldLst>
-      <p:bldP spid="36" grpId="0" bldLvl="0" animBg="1"/>
-      <p:bldP spid="37" grpId="0"/>
-    </p:bldLst>
   </p:timing>
 </p:sld>
 </file>
@@ -7577,72 +7277,117 @@
       </p:grpSpPr>
       <p:sp>
         <p:nvSpPr>
-          <p:cNvPr id="36" name="矩形 35"/>
+          <p:cNvPr id="2" name="矩形 1"/>
           <p:cNvSpPr/>
           <p:nvPr/>
         </p:nvSpPr>
         <p:spPr>
           <a:xfrm>
-            <a:off x="-106680" y="0"/>
-            <a:ext cx="2938780" cy="6859270"/>
+            <a:off x="237030" y="1171"/>
+            <a:ext cx="1608415" cy="135446"/>
           </a:xfrm>
           <a:prstGeom prst="rect">
             <a:avLst/>
           </a:prstGeom>
           <a:solidFill>
-            <a:srgbClr val="38B1BF"/>
+            <a:srgbClr val="183A5D"/>
           </a:solidFill>
           <a:ln>
             <a:noFill/>
           </a:ln>
-          <a:effectLst>
-            <a:outerShdw blurRad="50800" dist="38100" dir="2700000" algn="tl" rotWithShape="0">
-              <a:prstClr val="black">
-                <a:alpha val="40000"/>
-              </a:prstClr>
-            </a:outerShdw>
-          </a:effectLst>
-          <a:scene3d>
-            <a:camera prst="orthographicFront"/>
-            <a:lightRig rig="threePt" dir="t"/>
-          </a:scene3d>
-          <a:sp3d/>
         </p:spPr>
         <p:style>
-          <a:lnRef idx="1">
-            <a:schemeClr val="accent1"/>
+          <a:lnRef idx="2">
+            <a:schemeClr val="accent1">
+              <a:shade val="50000"/>
+            </a:schemeClr>
           </a:lnRef>
-          <a:fillRef idx="0">
+          <a:fillRef idx="1">
             <a:schemeClr val="accent1"/>
           </a:fillRef>
           <a:effectRef idx="0">
             <a:schemeClr val="accent1"/>
           </a:effectRef>
           <a:fontRef idx="minor">
-            <a:schemeClr val="tx1"/>
+            <a:schemeClr val="lt1"/>
           </a:fontRef>
         </p:style>
         <p:txBody>
-          <a:bodyPr rot="0" spcFirstLastPara="0" vertOverflow="overflow" horzOverflow="overflow" vert="horz" wrap="square" lIns="91440" tIns="45720" rIns="91440" bIns="45720" numCol="1" spcCol="0" rtlCol="0" fromWordArt="0" anchor="ctr" anchorCtr="0" forceAA="0" compatLnSpc="1">
-            <a:noAutofit/>
-          </a:bodyPr>
+          <a:bodyPr rtlCol="0" anchor="ctr"/>
           <a:lstStyle/>
           <a:p>
             <a:pPr algn="ctr"/>
-            <a:endParaRPr lang="zh-CN" altLang="en-US"/>
+            <a:endParaRPr lang="zh-CN" altLang="en-US" sz="2800">
+              <a:solidFill>
+                <a:prstClr val="white"/>
+              </a:solidFill>
+            </a:endParaRPr>
           </a:p>
         </p:txBody>
       </p:sp>
       <p:sp>
         <p:nvSpPr>
-          <p:cNvPr id="37" name="TextBox 36"/>
+          <p:cNvPr id="3" name="矩形 2"/>
+          <p:cNvSpPr/>
+          <p:nvPr/>
+        </p:nvSpPr>
+        <p:spPr>
+          <a:xfrm>
+            <a:off x="237030" y="255131"/>
+            <a:ext cx="1608415" cy="406336"/>
+          </a:xfrm>
+          <a:prstGeom prst="rect">
+            <a:avLst/>
+          </a:prstGeom>
+          <a:solidFill>
+            <a:srgbClr val="183A5D"/>
+          </a:solidFill>
+          <a:ln>
+            <a:noFill/>
+          </a:ln>
+        </p:spPr>
+        <p:style>
+          <a:lnRef idx="2">
+            <a:schemeClr val="accent1">
+              <a:shade val="50000"/>
+            </a:schemeClr>
+          </a:lnRef>
+          <a:fillRef idx="1">
+            <a:schemeClr val="accent1"/>
+          </a:fillRef>
+          <a:effectRef idx="0">
+            <a:schemeClr val="accent1"/>
+          </a:effectRef>
+          <a:fontRef idx="minor">
+            <a:schemeClr val="lt1"/>
+          </a:fontRef>
+        </p:style>
+        <p:txBody>
+          <a:bodyPr rtlCol="0" anchor="ctr"/>
+          <a:lstStyle/>
+          <a:p>
+            <a:pPr algn="ctr"/>
+            <a:r>
+              <a:rPr lang="en-US" sz="2400" dirty="0">
+                <a:solidFill>
+                  <a:prstClr val="white"/>
+                </a:solidFill>
+              </a:rPr>
+              <a:t>3</a:t>
+            </a:r>
+          </a:p>
+        </p:txBody>
+      </p:sp>
+      <p:sp>
+        <p:nvSpPr>
+          <p:cNvPr id="4" name="文本框 3"/>
           <p:cNvSpPr txBox="1"/>
           <p:nvPr/>
         </p:nvSpPr>
         <p:spPr>
           <a:xfrm>
-            <a:off x="311150" y="2922270"/>
-            <a:ext cx="2220595" cy="1106805"/>
+            <a:off x="2236548" y="136356"/>
+            <a:ext cx="6052718" cy="501650"/>
           </a:xfrm>
           <a:prstGeom prst="rect">
             <a:avLst/>
@@ -7650,905 +7395,168 @@
           <a:noFill/>
         </p:spPr>
         <p:txBody>
-          <a:bodyPr wrap="square" lIns="121948" tIns="60973" rIns="121948" bIns="60973">
+          <a:bodyPr wrap="square" rtlCol="0">
             <a:spAutoFit/>
           </a:bodyPr>
           <a:lstStyle/>
           <a:p>
-            <a:pPr algn="r">
-              <a:defRPr/>
-            </a:pPr>
+            <a:endParaRPr lang="zh-CN" altLang="en-US" sz="2665" dirty="0">
+              <a:solidFill>
+                <a:srgbClr val="183A5D"/>
+              </a:solidFill>
+              <a:latin typeface="微软雅黑" panose="020B0503020204020204" pitchFamily="34" charset="-122"/>
+              <a:ea typeface="微软雅黑" panose="020B0503020204020204" pitchFamily="34" charset="-122"/>
+            </a:endParaRPr>
+          </a:p>
+        </p:txBody>
+      </p:sp>
+      <p:sp>
+        <p:nvSpPr>
+          <p:cNvPr id="6" name="文本框 5"/>
+          <p:cNvSpPr txBox="1"/>
+          <p:nvPr/>
+        </p:nvSpPr>
+        <p:spPr>
+          <a:xfrm>
+            <a:off x="2226388" y="159851"/>
+            <a:ext cx="6052718" cy="501650"/>
+          </a:xfrm>
+          <a:prstGeom prst="rect">
+            <a:avLst/>
+          </a:prstGeom>
+          <a:noFill/>
+        </p:spPr>
+        <p:txBody>
+          <a:bodyPr wrap="square" rtlCol="0">
+            <a:spAutoFit/>
+          </a:bodyPr>
+          <a:lstStyle/>
+          <a:p>
             <a:r>
-              <a:rPr lang="zh-CN" altLang="en-US" sz="3200" b="1" dirty="0" smtClean="0">
+              <a:rPr lang="zh-CN" altLang="en-US" sz="2665" dirty="0">
                 <a:solidFill>
-                  <a:schemeClr val="bg1"/>
+                  <a:srgbClr val="183A5D"/>
                 </a:solidFill>
                 <a:latin typeface="微软雅黑" panose="020B0503020204020204" pitchFamily="34" charset="-122"/>
                 <a:ea typeface="微软雅黑" panose="020B0503020204020204" pitchFamily="34" charset="-122"/>
               </a:rPr>
-              <a:t>绩效考评与分工</a:t>
+              <a:t>工具</a:t>
             </a:r>
+            <a:r>
+              <a:rPr lang="zh-CN" altLang="en-US" sz="2665" dirty="0" smtClean="0">
+                <a:solidFill>
+                  <a:srgbClr val="183A5D"/>
+                </a:solidFill>
+                <a:latin typeface="微软雅黑" panose="020B0503020204020204" pitchFamily="34" charset="-122"/>
+                <a:ea typeface="微软雅黑" panose="020B0503020204020204" pitchFamily="34" charset="-122"/>
+              </a:rPr>
+              <a:t>的使用情况</a:t>
+            </a:r>
+            <a:r>
+              <a:rPr lang="en-US" altLang="zh-CN" sz="2665" dirty="0" smtClean="0">
+                <a:solidFill>
+                  <a:srgbClr val="183A5D"/>
+                </a:solidFill>
+                <a:latin typeface="微软雅黑" panose="020B0503020204020204" pitchFamily="34" charset="-122"/>
+                <a:ea typeface="微软雅黑" panose="020B0503020204020204" pitchFamily="34" charset="-122"/>
+              </a:rPr>
+              <a:t>——RSA</a:t>
+            </a:r>
+            <a:endParaRPr lang="zh-CN" altLang="en-US" sz="2665" dirty="0">
+              <a:solidFill>
+                <a:srgbClr val="183A5D"/>
+              </a:solidFill>
+              <a:latin typeface="微软雅黑" panose="020B0503020204020204" pitchFamily="34" charset="-122"/>
+              <a:ea typeface="微软雅黑" panose="020B0503020204020204" pitchFamily="34" charset="-122"/>
+            </a:endParaRPr>
           </a:p>
         </p:txBody>
       </p:sp>
-      <p:graphicFrame>
-        <p:nvGraphicFramePr>
-          <p:cNvPr id="3" name="表格 2"/>
-          <p:cNvGraphicFramePr/>
-          <p:nvPr>
-            <p:extLst>
-              <p:ext uri="{D42A27DB-BD31-4B8C-83A1-F6EECF244321}">
-                <p14:modId xmlns:p14="http://schemas.microsoft.com/office/powerpoint/2010/main" val="3716479658"/>
-              </p:ext>
-            </p:extLst>
-          </p:nvPr>
-        </p:nvGraphicFramePr>
-        <p:xfrm>
-          <a:off x="3214886" y="1773610"/>
-          <a:ext cx="7771130" cy="3702685"/>
-        </p:xfrm>
-        <a:graphic>
-          <a:graphicData uri="http://schemas.openxmlformats.org/drawingml/2006/table">
-            <a:tbl>
-              <a:tblPr firstRow="1" bandRow="1">
-                <a:tableStyleId>{5C22544A-7EE6-4342-B048-85BDC9FD1C3A}</a:tableStyleId>
-              </a:tblPr>
-              <a:tblGrid>
-                <a:gridCol w="1895475">
-                  <a:extLst>
-                    <a:ext uri="{9D8B030D-6E8A-4147-A177-3AD203B41FA5}">
-                      <a16:colId xmlns:a16="http://schemas.microsoft.com/office/drawing/2014/main" xmlns="" val="20000"/>
-                    </a:ext>
-                  </a:extLst>
-                </a:gridCol>
-                <a:gridCol w="2937510">
-                  <a:extLst>
-                    <a:ext uri="{9D8B030D-6E8A-4147-A177-3AD203B41FA5}">
-                      <a16:colId xmlns:a16="http://schemas.microsoft.com/office/drawing/2014/main" xmlns="" val="20001"/>
-                    </a:ext>
-                  </a:extLst>
-                </a:gridCol>
-                <a:gridCol w="2938145">
-                  <a:extLst>
-                    <a:ext uri="{9D8B030D-6E8A-4147-A177-3AD203B41FA5}">
-                      <a16:colId xmlns:a16="http://schemas.microsoft.com/office/drawing/2014/main" xmlns="" val="20002"/>
-                    </a:ext>
-                  </a:extLst>
-                </a:gridCol>
-              </a:tblGrid>
-              <a:tr h="713740">
-                <a:tc>
-                  <a:txBody>
-                    <a:bodyPr/>
-                    <a:lstStyle/>
-                    <a:p>
-                      <a:pPr algn="l">
-                        <a:buNone/>
-                      </a:pPr>
-                      <a:r>
-                        <a:rPr lang="zh-CN" altLang="en-US" b="0" dirty="0">
-                          <a:solidFill>
-                            <a:schemeClr val="tx1"/>
-                          </a:solidFill>
-                        </a:rPr>
-                        <a:t>黄为波</a:t>
-                      </a:r>
-                    </a:p>
-                  </a:txBody>
-                  <a:tcPr>
-                    <a:solidFill>
-                      <a:schemeClr val="accent1">
-                        <a:lumMod val="40000"/>
-                        <a:lumOff val="60000"/>
-                      </a:schemeClr>
-                    </a:solidFill>
-                  </a:tcPr>
-                </a:tc>
-                <a:tc>
-                  <a:txBody>
-                    <a:bodyPr/>
-                    <a:lstStyle/>
-                    <a:p>
-                      <a:pPr algn="l"/>
-                      <a:r>
-                        <a:rPr lang="zh-CN" altLang="en-US" sz="2400" b="0" dirty="0" smtClean="0">
-                          <a:solidFill>
-                            <a:schemeClr val="tx1"/>
-                          </a:solidFill>
-                        </a:rPr>
-                        <a:t>负责</a:t>
-                      </a:r>
-                      <a:r>
-                        <a:rPr lang="zh-CN" sz="2400" b="0" dirty="0" smtClean="0">
-                          <a:solidFill>
-                            <a:schemeClr val="tx1"/>
-                          </a:solidFill>
-                        </a:rPr>
-                        <a:t>制作</a:t>
-                      </a:r>
-                      <a:r>
-                        <a:rPr lang="en-US" altLang="zh-CN" sz="2400" b="0" dirty="0" smtClean="0">
-                          <a:solidFill>
-                            <a:schemeClr val="tx1"/>
-                          </a:solidFill>
-                        </a:rPr>
-                        <a:t>PPT</a:t>
-                      </a:r>
-                      <a:r>
-                        <a:rPr lang="zh-CN" altLang="en-US" sz="2400" b="0" dirty="0" smtClean="0">
-                          <a:solidFill>
-                            <a:schemeClr val="tx1"/>
-                          </a:solidFill>
-                        </a:rPr>
-                        <a:t>模板</a:t>
-                      </a:r>
-                      <a:endParaRPr lang="zh-CN" altLang="en-US" sz="2400" b="0" dirty="0" smtClean="0">
-                        <a:solidFill>
-                          <a:schemeClr val="tx1"/>
-                        </a:solidFill>
-                      </a:endParaRPr>
-                    </a:p>
-                  </a:txBody>
-                  <a:tcPr>
-                    <a:solidFill>
-                      <a:schemeClr val="accent1">
-                        <a:lumMod val="40000"/>
-                        <a:lumOff val="60000"/>
-                      </a:schemeClr>
-                    </a:solidFill>
-                  </a:tcPr>
-                </a:tc>
-                <a:tc>
-                  <a:txBody>
-                    <a:bodyPr/>
-                    <a:lstStyle/>
-                    <a:p>
-                      <a:pPr algn="l">
-                        <a:buNone/>
-                      </a:pPr>
-                      <a:r>
-                        <a:rPr lang="en-US" altLang="zh-CN" sz="2400" b="0" dirty="0" smtClean="0">
-                          <a:solidFill>
-                            <a:schemeClr val="tx1"/>
-                          </a:solidFill>
-                        </a:rPr>
-                        <a:t>9.5</a:t>
-                      </a:r>
-                      <a:endParaRPr lang="en-US" altLang="zh-CN" sz="2400" b="0" dirty="0" smtClean="0">
-                        <a:solidFill>
-                          <a:schemeClr val="tx1"/>
-                        </a:solidFill>
-                      </a:endParaRPr>
-                    </a:p>
-                  </a:txBody>
-                  <a:tcPr>
-                    <a:solidFill>
-                      <a:schemeClr val="accent1">
-                        <a:lumMod val="40000"/>
-                        <a:lumOff val="60000"/>
-                      </a:schemeClr>
-                    </a:solidFill>
-                  </a:tcPr>
-                </a:tc>
-                <a:extLst>
-                  <a:ext uri="{0D108BD9-81ED-4DB2-BD59-A6C34878D82A}">
-                    <a16:rowId xmlns:a16="http://schemas.microsoft.com/office/drawing/2014/main" xmlns="" val="10000"/>
-                  </a:ext>
-                </a:extLst>
-              </a:tr>
-              <a:tr h="716915">
-                <a:tc>
-                  <a:txBody>
-                    <a:bodyPr/>
-                    <a:lstStyle/>
-                    <a:p>
-                      <a:pPr algn="l">
-                        <a:buNone/>
-                      </a:pPr>
-                      <a:r>
-                        <a:rPr lang="zh-CN" altLang="en-US" dirty="0" smtClean="0">
-                          <a:solidFill>
-                            <a:schemeClr val="tx1"/>
-                          </a:solidFill>
-                        </a:rPr>
-                        <a:t>苏雨豪</a:t>
-                      </a:r>
-                    </a:p>
-                  </a:txBody>
-                  <a:tcPr/>
-                </a:tc>
-                <a:tc>
-                  <a:txBody>
-                    <a:bodyPr/>
-                    <a:lstStyle/>
-                    <a:p>
-                      <a:pPr algn="l">
-                        <a:buNone/>
-                      </a:pPr>
-                      <a:r>
-                        <a:rPr lang="zh-CN" dirty="0" smtClean="0">
-                          <a:solidFill>
-                            <a:schemeClr val="tx1"/>
-                          </a:solidFill>
-                        </a:rPr>
-                        <a:t>负责</a:t>
-                      </a:r>
-                      <a:r>
-                        <a:rPr lang="en-US" altLang="zh-CN" dirty="0" smtClean="0">
-                          <a:solidFill>
-                            <a:schemeClr val="tx1"/>
-                          </a:solidFill>
-                        </a:rPr>
-                        <a:t>PPT</a:t>
-                      </a:r>
-                      <a:r>
-                        <a:rPr lang="zh-CN" altLang="en-US" dirty="0" smtClean="0">
-                          <a:solidFill>
-                            <a:schemeClr val="tx1"/>
-                          </a:solidFill>
-                        </a:rPr>
-                        <a:t>审核</a:t>
-                      </a:r>
-                    </a:p>
-                  </a:txBody>
-                  <a:tcPr/>
-                </a:tc>
-                <a:tc>
-                  <a:txBody>
-                    <a:bodyPr/>
-                    <a:lstStyle/>
-                    <a:p>
-                      <a:pPr algn="l">
-                        <a:buNone/>
-                      </a:pPr>
-                      <a:r>
-                        <a:rPr lang="en-US" altLang="zh-CN" dirty="0" smtClean="0">
-                          <a:solidFill>
-                            <a:schemeClr val="tx1"/>
-                          </a:solidFill>
-                        </a:rPr>
-                        <a:t>9.3</a:t>
-                      </a:r>
-                      <a:endParaRPr lang="en-US" altLang="zh-CN" dirty="0" smtClean="0">
-                        <a:solidFill>
-                          <a:schemeClr val="tx1"/>
-                        </a:solidFill>
-                      </a:endParaRPr>
-                    </a:p>
-                  </a:txBody>
-                  <a:tcPr/>
-                </a:tc>
-                <a:extLst>
-                  <a:ext uri="{0D108BD9-81ED-4DB2-BD59-A6C34878D82A}">
-                    <a16:rowId xmlns:a16="http://schemas.microsoft.com/office/drawing/2014/main" xmlns="" val="10001"/>
-                  </a:ext>
-                </a:extLst>
-              </a:tr>
-              <a:tr h="805815">
-                <a:tc>
-                  <a:txBody>
-                    <a:bodyPr/>
-                    <a:lstStyle/>
-                    <a:p>
-                      <a:pPr algn="l">
-                        <a:buNone/>
-                      </a:pPr>
-                      <a:r>
-                        <a:rPr lang="zh-CN" dirty="0" smtClean="0">
-                          <a:solidFill>
-                            <a:schemeClr val="tx1"/>
-                          </a:solidFill>
-                        </a:rPr>
-                        <a:t>陈子卿</a:t>
-                      </a:r>
-                    </a:p>
-                  </a:txBody>
-                  <a:tcPr>
-                    <a:solidFill>
-                      <a:schemeClr val="accent1">
-                        <a:lumMod val="40000"/>
-                        <a:lumOff val="60000"/>
-                      </a:schemeClr>
-                    </a:solidFill>
-                  </a:tcPr>
-                </a:tc>
-                <a:tc>
-                  <a:txBody>
-                    <a:bodyPr/>
-                    <a:lstStyle/>
-                    <a:p>
-                      <a:pPr algn="l">
-                        <a:buNone/>
-                      </a:pPr>
-                      <a:r>
-                        <a:rPr lang="zh-CN" altLang="en-US" dirty="0" smtClean="0">
-                          <a:solidFill>
-                            <a:schemeClr val="tx1"/>
-                          </a:solidFill>
-                        </a:rPr>
-                        <a:t>项目概述部分</a:t>
-                      </a:r>
-                      <a:r>
-                        <a:rPr lang="en-US" altLang="zh-CN" dirty="0" smtClean="0">
-                          <a:solidFill>
-                            <a:schemeClr val="tx1"/>
-                          </a:solidFill>
-                        </a:rPr>
-                        <a:t>PPT</a:t>
-                      </a:r>
-                      <a:r>
-                        <a:rPr lang="zh-CN" altLang="en-US" dirty="0" smtClean="0">
-                          <a:solidFill>
-                            <a:schemeClr val="tx1"/>
-                          </a:solidFill>
-                        </a:rPr>
-                        <a:t>制作</a:t>
-                      </a:r>
-                    </a:p>
-                  </a:txBody>
-                  <a:tcPr>
-                    <a:solidFill>
-                      <a:schemeClr val="accent1">
-                        <a:lumMod val="40000"/>
-                        <a:lumOff val="60000"/>
-                      </a:schemeClr>
-                    </a:solidFill>
-                  </a:tcPr>
-                </a:tc>
-                <a:tc>
-                  <a:txBody>
-                    <a:bodyPr/>
-                    <a:lstStyle/>
-                    <a:p>
-                      <a:pPr algn="l">
-                        <a:buNone/>
-                      </a:pPr>
-                      <a:r>
-                        <a:rPr lang="en-US" altLang="zh-CN" dirty="0" smtClean="0">
-                          <a:solidFill>
-                            <a:schemeClr val="tx1"/>
-                          </a:solidFill>
-                        </a:rPr>
-                        <a:t>9.4</a:t>
-                      </a:r>
-                      <a:endParaRPr lang="en-US" altLang="zh-CN" dirty="0" smtClean="0">
-                        <a:solidFill>
-                          <a:schemeClr val="tx1"/>
-                        </a:solidFill>
-                      </a:endParaRPr>
-                    </a:p>
-                  </a:txBody>
-                  <a:tcPr>
-                    <a:solidFill>
-                      <a:schemeClr val="accent1">
-                        <a:lumMod val="40000"/>
-                        <a:lumOff val="60000"/>
-                      </a:schemeClr>
-                    </a:solidFill>
-                  </a:tcPr>
-                </a:tc>
-                <a:extLst>
-                  <a:ext uri="{0D108BD9-81ED-4DB2-BD59-A6C34878D82A}">
-                    <a16:rowId xmlns:a16="http://schemas.microsoft.com/office/drawing/2014/main" xmlns="" val="10002"/>
-                  </a:ext>
-                </a:extLst>
-              </a:tr>
-              <a:tr h="733425">
-                <a:tc>
-                  <a:txBody>
-                    <a:bodyPr/>
-                    <a:lstStyle/>
-                    <a:p>
-                      <a:pPr algn="l">
-                        <a:buNone/>
-                      </a:pPr>
-                      <a:r>
-                        <a:rPr lang="zh-CN" altLang="en-US" dirty="0" smtClean="0">
-                          <a:solidFill>
-                            <a:schemeClr val="tx1"/>
-                          </a:solidFill>
-                        </a:rPr>
-                        <a:t>蔡峰</a:t>
-                      </a:r>
-                    </a:p>
-                  </a:txBody>
-                  <a:tcPr>
-                    <a:solidFill>
-                      <a:schemeClr val="accent1">
-                        <a:lumMod val="40000"/>
-                        <a:lumOff val="60000"/>
-                      </a:schemeClr>
-                    </a:solidFill>
-                  </a:tcPr>
-                </a:tc>
-                <a:tc>
-                  <a:txBody>
-                    <a:bodyPr/>
-                    <a:lstStyle/>
-                    <a:p>
-                      <a:pPr algn="l">
-                        <a:buNone/>
-                      </a:pPr>
-                      <a:r>
-                        <a:rPr lang="zh-CN" altLang="en-US" dirty="0" smtClean="0">
-                          <a:solidFill>
-                            <a:schemeClr val="tx1"/>
-                          </a:solidFill>
-                        </a:rPr>
-                        <a:t>工具使用情况部分</a:t>
-                      </a:r>
-                      <a:r>
-                        <a:rPr lang="en-US" altLang="zh-CN" dirty="0" smtClean="0">
-                          <a:solidFill>
-                            <a:schemeClr val="tx1"/>
-                          </a:solidFill>
-                        </a:rPr>
-                        <a:t>PPT</a:t>
-                      </a:r>
-                      <a:r>
-                        <a:rPr lang="zh-CN" altLang="en-US" dirty="0" smtClean="0">
-                          <a:solidFill>
-                            <a:schemeClr val="tx1"/>
-                          </a:solidFill>
-                        </a:rPr>
-                        <a:t>制作</a:t>
-                      </a:r>
-                    </a:p>
-                  </a:txBody>
-                  <a:tcPr>
-                    <a:solidFill>
-                      <a:schemeClr val="accent1">
-                        <a:lumMod val="40000"/>
-                        <a:lumOff val="60000"/>
-                      </a:schemeClr>
-                    </a:solidFill>
-                  </a:tcPr>
-                </a:tc>
-                <a:tc>
-                  <a:txBody>
-                    <a:bodyPr/>
-                    <a:lstStyle/>
-                    <a:p>
-                      <a:pPr algn="l">
-                        <a:buNone/>
-                      </a:pPr>
-                      <a:r>
-                        <a:rPr lang="en-US" altLang="zh-CN" sz="2100" dirty="0" smtClean="0">
-                          <a:solidFill>
-                            <a:schemeClr val="tx1"/>
-                          </a:solidFill>
-                          <a:sym typeface="+mn-ea"/>
-                        </a:rPr>
-                        <a:t>9.7</a:t>
-                      </a:r>
-                      <a:endParaRPr lang="en-US" altLang="zh-CN" sz="2100" b="0" dirty="0" smtClean="0">
-                        <a:solidFill>
-                          <a:schemeClr val="tx1"/>
-                        </a:solidFill>
-                        <a:sym typeface="+mn-ea"/>
-                      </a:endParaRPr>
-                    </a:p>
-                    <a:p>
-                      <a:pPr algn="l">
-                        <a:buNone/>
-                      </a:pPr>
-                      <a:endParaRPr lang="zh-CN" altLang="en-US" dirty="0" smtClean="0">
-                        <a:solidFill>
-                          <a:schemeClr val="tx1"/>
-                        </a:solidFill>
-                      </a:endParaRPr>
-                    </a:p>
-                  </a:txBody>
-                  <a:tcPr>
-                    <a:solidFill>
-                      <a:schemeClr val="accent1">
-                        <a:lumMod val="40000"/>
-                        <a:lumOff val="60000"/>
-                      </a:schemeClr>
-                    </a:solidFill>
-                  </a:tcPr>
-                </a:tc>
-                <a:extLst>
-                  <a:ext uri="{0D108BD9-81ED-4DB2-BD59-A6C34878D82A}">
-                    <a16:rowId xmlns:a16="http://schemas.microsoft.com/office/drawing/2014/main" xmlns="" val="10003"/>
-                  </a:ext>
-                </a:extLst>
-              </a:tr>
-              <a:tr h="732790">
-                <a:tc>
-                  <a:txBody>
-                    <a:bodyPr/>
-                    <a:lstStyle/>
-                    <a:p>
-                      <a:pPr algn="l">
-                        <a:buNone/>
-                      </a:pPr>
-                      <a:r>
-                        <a:rPr lang="zh-CN" altLang="en-US" dirty="0" smtClean="0">
-                          <a:solidFill>
-                            <a:schemeClr val="tx1"/>
-                          </a:solidFill>
-                        </a:rPr>
-                        <a:t>江亮儒</a:t>
-                      </a:r>
-                    </a:p>
-                  </a:txBody>
-                  <a:tcPr>
-                    <a:solidFill>
-                      <a:schemeClr val="accent1">
-                        <a:lumMod val="40000"/>
-                        <a:lumOff val="60000"/>
-                      </a:schemeClr>
-                    </a:solidFill>
-                  </a:tcPr>
-                </a:tc>
-                <a:tc>
-                  <a:txBody>
-                    <a:bodyPr/>
-                    <a:lstStyle/>
-                    <a:p>
-                      <a:pPr algn="l">
-                        <a:buNone/>
-                      </a:pPr>
-                      <a:r>
-                        <a:rPr lang="en-US" altLang="zh-CN" sz="2100" dirty="0" smtClean="0">
-                          <a:solidFill>
-                            <a:schemeClr val="tx1"/>
-                          </a:solidFill>
-                          <a:sym typeface="+mn-ea"/>
-                        </a:rPr>
-                        <a:t>UML</a:t>
-                      </a:r>
-                      <a:r>
-                        <a:rPr lang="zh-CN" altLang="en-US" sz="2100" dirty="0" smtClean="0">
-                          <a:solidFill>
-                            <a:schemeClr val="tx1"/>
-                          </a:solidFill>
-                          <a:sym typeface="+mn-ea"/>
-                        </a:rPr>
-                        <a:t>使用情况部分</a:t>
-                      </a:r>
-                      <a:r>
-                        <a:rPr lang="en-US" altLang="zh-CN" sz="2100" dirty="0" smtClean="0">
-                          <a:solidFill>
-                            <a:schemeClr val="tx1"/>
-                          </a:solidFill>
-                          <a:sym typeface="+mn-ea"/>
-                        </a:rPr>
-                        <a:t>PPT</a:t>
-                      </a:r>
-                      <a:r>
-                        <a:rPr lang="zh-CN" altLang="en-US" sz="2100" dirty="0" smtClean="0">
-                          <a:solidFill>
-                            <a:schemeClr val="tx1"/>
-                          </a:solidFill>
-                          <a:sym typeface="+mn-ea"/>
-                        </a:rPr>
-                        <a:t>制作</a:t>
-                      </a:r>
-                    </a:p>
-                  </a:txBody>
-                  <a:tcPr>
-                    <a:solidFill>
-                      <a:schemeClr val="accent1">
-                        <a:lumMod val="40000"/>
-                        <a:lumOff val="60000"/>
-                      </a:schemeClr>
-                    </a:solidFill>
-                  </a:tcPr>
-                </a:tc>
-                <a:tc>
-                  <a:txBody>
-                    <a:bodyPr/>
-                    <a:lstStyle/>
-                    <a:p>
-                      <a:pPr algn="l">
-                        <a:buNone/>
-                      </a:pPr>
-                      <a:r>
-                        <a:rPr lang="en-US" altLang="zh-CN" dirty="0" smtClean="0">
-                          <a:solidFill>
-                            <a:schemeClr val="tx1"/>
-                          </a:solidFill>
-                        </a:rPr>
-                        <a:t>9.6</a:t>
-                      </a:r>
-                    </a:p>
-                  </a:txBody>
-                  <a:tcPr>
-                    <a:solidFill>
-                      <a:schemeClr val="accent1">
-                        <a:lumMod val="40000"/>
-                        <a:lumOff val="60000"/>
-                      </a:schemeClr>
-                    </a:solidFill>
-                  </a:tcPr>
-                </a:tc>
-                <a:extLst>
-                  <a:ext uri="{0D108BD9-81ED-4DB2-BD59-A6C34878D82A}">
-                    <a16:rowId xmlns:a16="http://schemas.microsoft.com/office/drawing/2014/main" xmlns="" val="10004"/>
-                  </a:ext>
-                </a:extLst>
-              </a:tr>
-            </a:tbl>
-          </a:graphicData>
-        </a:graphic>
-      </p:graphicFrame>
+      <p:sp>
+        <p:nvSpPr>
+          <p:cNvPr id="5" name="TextBox 4"/>
+          <p:cNvSpPr txBox="1"/>
+          <p:nvPr/>
+        </p:nvSpPr>
+        <p:spPr>
+          <a:xfrm>
+            <a:off x="2236548" y="6094090"/>
+            <a:ext cx="7675082" cy="415498"/>
+          </a:xfrm>
+          <a:prstGeom prst="rect">
+            <a:avLst/>
+          </a:prstGeom>
+          <a:noFill/>
+        </p:spPr>
+        <p:txBody>
+          <a:bodyPr wrap="square" rtlCol="0">
+            <a:spAutoFit/>
+          </a:bodyPr>
+          <a:lstStyle/>
+          <a:p>
+            <a:r>
+              <a:rPr lang="en-US" altLang="zh-CN" dirty="0" smtClean="0"/>
+              <a:t>RSA</a:t>
+            </a:r>
+            <a:r>
+              <a:rPr lang="zh-CN" altLang="en-US" dirty="0" smtClean="0"/>
+              <a:t>支持多种图的创建，如用</a:t>
+            </a:r>
+            <a:r>
+              <a:rPr lang="zh-CN" altLang="en-US" smtClean="0"/>
+              <a:t>例图，时序图</a:t>
+            </a:r>
+            <a:r>
+              <a:rPr lang="en-US" altLang="zh-CN" dirty="0" smtClean="0"/>
+              <a:t>…</a:t>
+            </a:r>
+            <a:endParaRPr lang="zh-CN" altLang="en-US" dirty="0"/>
+          </a:p>
+        </p:txBody>
+      </p:sp>
+      <p:pic>
+        <p:nvPicPr>
+          <p:cNvPr id="8" name="图片 7"/>
+          <p:cNvPicPr>
+            <a:picLocks noChangeAspect="1"/>
+          </p:cNvPicPr>
+          <p:nvPr/>
+        </p:nvPicPr>
+        <p:blipFill>
+          <a:blip r:embed="rId2"/>
+          <a:stretch>
+            <a:fillRect/>
+          </a:stretch>
+        </p:blipFill>
+        <p:spPr>
+          <a:xfrm>
+            <a:off x="1184874" y="1058225"/>
+            <a:ext cx="9778429" cy="4639140"/>
+          </a:xfrm>
+          <a:prstGeom prst="rect">
+            <a:avLst/>
+          </a:prstGeom>
+        </p:spPr>
+      </p:pic>
     </p:spTree>
+    <p:extLst>
+      <p:ext uri="{BB962C8B-B14F-4D97-AF65-F5344CB8AC3E}">
+        <p14:creationId xmlns:p14="http://schemas.microsoft.com/office/powerpoint/2010/main" val="3153745234"/>
+      </p:ext>
+    </p:extLst>
   </p:cSld>
   <p:clrMapOvr>
     <a:masterClrMapping/>
   </p:clrMapOvr>
-  <mc:AlternateContent xmlns:mc="http://schemas.openxmlformats.org/markup-compatibility/2006" xmlns:p14="http://schemas.microsoft.com/office/powerpoint/2010/main">
-    <mc:Choice Requires="p14">
-      <p:transition spd="slow" p14:dur="1200" advClick="0" advTm="0">
-        <p14:prism/>
-      </p:transition>
-    </mc:Choice>
-    <mc:Fallback xmlns="">
-      <p:transition spd="slow" advClick="0" advTm="0">
-        <p:fade/>
-      </p:transition>
-    </mc:Fallback>
-  </mc:AlternateContent>
+  <p:transition spd="slow" advClick="0" advTm="0">
+    <p:wipe/>
+  </p:transition>
   <p:timing>
     <p:tnLst>
       <p:par>
-        <p:cTn id="1" dur="indefinite" restart="never" nodeType="tmRoot">
-          <p:childTnLst>
-            <p:seq concurrent="1" nextAc="seek">
-              <p:cTn id="2" dur="indefinite" nodeType="mainSeq">
-                <p:childTnLst>
-                  <p:par>
-                    <p:cTn id="3" fill="hold">
-                      <p:stCondLst>
-                        <p:cond delay="indefinite"/>
-                        <p:cond evt="onBegin" delay="0">
-                          <p:tn val="2"/>
-                        </p:cond>
-                      </p:stCondLst>
-                      <p:childTnLst>
-                        <p:par>
-                          <p:cTn id="4" fill="hold">
-                            <p:stCondLst>
-                              <p:cond delay="0"/>
-                            </p:stCondLst>
-                            <p:childTnLst>
-                              <p:par>
-                                <p:cTn id="5" presetID="2" presetClass="entr" presetSubtype="8" fill="hold" grpId="0" nodeType="afterEffect">
-                                  <p:stCondLst>
-                                    <p:cond delay="0"/>
-                                  </p:stCondLst>
-                                  <p:childTnLst>
-                                    <p:set>
-                                      <p:cBhvr>
-                                        <p:cTn id="6" dur="1" fill="hold">
-                                          <p:stCondLst>
-                                            <p:cond delay="0"/>
-                                          </p:stCondLst>
-                                        </p:cTn>
-                                        <p:tgtEl>
-                                          <p:spTgt spid="36"/>
-                                        </p:tgtEl>
-                                        <p:attrNameLst>
-                                          <p:attrName>style.visibility</p:attrName>
-                                        </p:attrNameLst>
-                                      </p:cBhvr>
-                                      <p:to>
-                                        <p:strVal val="visible"/>
-                                      </p:to>
-                                    </p:set>
-                                    <p:anim calcmode="lin" valueType="num">
-                                      <p:cBhvr additive="base">
-                                        <p:cTn id="7" dur="500" fill="hold"/>
-                                        <p:tgtEl>
-                                          <p:spTgt spid="36"/>
-                                        </p:tgtEl>
-                                        <p:attrNameLst>
-                                          <p:attrName>ppt_x</p:attrName>
-                                        </p:attrNameLst>
-                                      </p:cBhvr>
-                                      <p:tavLst>
-                                        <p:tav tm="0">
-                                          <p:val>
-                                            <p:strVal val="0-#ppt_w/2"/>
-                                          </p:val>
-                                        </p:tav>
-                                        <p:tav tm="100000">
-                                          <p:val>
-                                            <p:strVal val="#ppt_x"/>
-                                          </p:val>
-                                        </p:tav>
-                                      </p:tavLst>
-                                    </p:anim>
-                                    <p:anim calcmode="lin" valueType="num">
-                                      <p:cBhvr additive="base">
-                                        <p:cTn id="8" dur="500" fill="hold"/>
-                                        <p:tgtEl>
-                                          <p:spTgt spid="36"/>
-                                        </p:tgtEl>
-                                        <p:attrNameLst>
-                                          <p:attrName>ppt_y</p:attrName>
-                                        </p:attrNameLst>
-                                      </p:cBhvr>
-                                      <p:tavLst>
-                                        <p:tav tm="0">
-                                          <p:val>
-                                            <p:strVal val="#ppt_y"/>
-                                          </p:val>
-                                        </p:tav>
-                                        <p:tav tm="100000">
-                                          <p:val>
-                                            <p:strVal val="#ppt_y"/>
-                                          </p:val>
-                                        </p:tav>
-                                      </p:tavLst>
-                                    </p:anim>
-                                  </p:childTnLst>
-                                </p:cTn>
-                              </p:par>
-                            </p:childTnLst>
-                          </p:cTn>
-                        </p:par>
-                        <p:par>
-                          <p:cTn id="9" fill="hold">
-                            <p:stCondLst>
-                              <p:cond delay="500"/>
-                            </p:stCondLst>
-                            <p:childTnLst>
-                              <p:par>
-                                <p:cTn id="10" presetID="17" presetClass="entr" presetSubtype="1" fill="hold" grpId="0" nodeType="afterEffect">
-                                  <p:stCondLst>
-                                    <p:cond delay="0"/>
-                                  </p:stCondLst>
-                                  <p:iterate type="lt">
-                                    <p:tmPct val="40000"/>
-                                  </p:iterate>
-                                  <p:childTnLst>
-                                    <p:set>
-                                      <p:cBhvr>
-                                        <p:cTn id="11" dur="1" fill="hold">
-                                          <p:stCondLst>
-                                            <p:cond delay="0"/>
-                                          </p:stCondLst>
-                                        </p:cTn>
-                                        <p:tgtEl>
-                                          <p:spTgt spid="37"/>
-                                        </p:tgtEl>
-                                        <p:attrNameLst>
-                                          <p:attrName>style.visibility</p:attrName>
-                                        </p:attrNameLst>
-                                      </p:cBhvr>
-                                      <p:to>
-                                        <p:strVal val="visible"/>
-                                      </p:to>
-                                    </p:set>
-                                    <p:anim calcmode="lin" valueType="num">
-                                      <p:cBhvr>
-                                        <p:cTn id="12" dur="250" fill="hold"/>
-                                        <p:tgtEl>
-                                          <p:spTgt spid="37"/>
-                                        </p:tgtEl>
-                                        <p:attrNameLst>
-                                          <p:attrName>ppt_x</p:attrName>
-                                        </p:attrNameLst>
-                                      </p:cBhvr>
-                                      <p:tavLst>
-                                        <p:tav tm="0">
-                                          <p:val>
-                                            <p:strVal val="#ppt_x"/>
-                                          </p:val>
-                                        </p:tav>
-                                        <p:tav tm="100000">
-                                          <p:val>
-                                            <p:strVal val="#ppt_x"/>
-                                          </p:val>
-                                        </p:tav>
-                                      </p:tavLst>
-                                    </p:anim>
-                                    <p:anim calcmode="lin" valueType="num">
-                                      <p:cBhvr>
-                                        <p:cTn id="13" dur="250" fill="hold"/>
-                                        <p:tgtEl>
-                                          <p:spTgt spid="37"/>
-                                        </p:tgtEl>
-                                        <p:attrNameLst>
-                                          <p:attrName>ppt_y</p:attrName>
-                                        </p:attrNameLst>
-                                      </p:cBhvr>
-                                      <p:tavLst>
-                                        <p:tav tm="0">
-                                          <p:val>
-                                            <p:strVal val="#ppt_y-#ppt_h/2"/>
-                                          </p:val>
-                                        </p:tav>
-                                        <p:tav tm="100000">
-                                          <p:val>
-                                            <p:strVal val="#ppt_y"/>
-                                          </p:val>
-                                        </p:tav>
-                                      </p:tavLst>
-                                    </p:anim>
-                                    <p:anim calcmode="lin" valueType="num">
-                                      <p:cBhvr>
-                                        <p:cTn id="14" dur="250" fill="hold"/>
-                                        <p:tgtEl>
-                                          <p:spTgt spid="37"/>
-                                        </p:tgtEl>
-                                        <p:attrNameLst>
-                                          <p:attrName>ppt_w</p:attrName>
-                                        </p:attrNameLst>
-                                      </p:cBhvr>
-                                      <p:tavLst>
-                                        <p:tav tm="0">
-                                          <p:val>
-                                            <p:strVal val="#ppt_w"/>
-                                          </p:val>
-                                        </p:tav>
-                                        <p:tav tm="100000">
-                                          <p:val>
-                                            <p:strVal val="#ppt_w"/>
-                                          </p:val>
-                                        </p:tav>
-                                      </p:tavLst>
-                                    </p:anim>
-                                    <p:anim calcmode="lin" valueType="num">
-                                      <p:cBhvr>
-                                        <p:cTn id="15" dur="250" fill="hold"/>
-                                        <p:tgtEl>
-                                          <p:spTgt spid="37"/>
-                                        </p:tgtEl>
-                                        <p:attrNameLst>
-                                          <p:attrName>ppt_h</p:attrName>
-                                        </p:attrNameLst>
-                                      </p:cBhvr>
-                                      <p:tavLst>
-                                        <p:tav tm="0">
-                                          <p:val>
-                                            <p:fltVal val="0"/>
-                                          </p:val>
-                                        </p:tav>
-                                        <p:tav tm="100000">
-                                          <p:val>
-                                            <p:strVal val="#ppt_h"/>
-                                          </p:val>
-                                        </p:tav>
-                                      </p:tavLst>
-                                    </p:anim>
-                                  </p:childTnLst>
-                                </p:cTn>
-                              </p:par>
-                            </p:childTnLst>
-                          </p:cTn>
-                        </p:par>
-                      </p:childTnLst>
-                    </p:cTn>
-                  </p:par>
-                </p:childTnLst>
-              </p:cTn>
-              <p:prevCondLst>
-                <p:cond evt="onPrev" delay="0">
-                  <p:tgtEl>
-                    <p:sldTgt/>
-                  </p:tgtEl>
-                </p:cond>
-              </p:prevCondLst>
-              <p:nextCondLst>
-                <p:cond evt="onNext" delay="0">
-                  <p:tgtEl>
-                    <p:sldTgt/>
-                  </p:tgtEl>
-                </p:cond>
-              </p:nextCondLst>
-            </p:seq>
-          </p:childTnLst>
-        </p:cTn>
+        <p:cTn id="1" dur="indefinite" restart="never" nodeType="tmRoot"/>
       </p:par>
     </p:tnLst>
-    <p:bldLst>
-      <p:bldP spid="36" grpId="0" bldLvl="0" animBg="1"/>
-      <p:bldP spid="37" grpId="0"/>
-    </p:bldLst>
   </p:timing>
 </p:sld>
 </file>
@@ -10119,6 +9127,1586 @@
 </file>
 
 <file path=ppt/slides/slide20.xml><?xml version="1.0" encoding="utf-8"?>
+<p:sld xmlns:a="http://schemas.openxmlformats.org/drawingml/2006/main" xmlns:r="http://schemas.openxmlformats.org/officeDocument/2006/relationships" xmlns:p="http://schemas.openxmlformats.org/presentationml/2006/main">
+  <p:cSld>
+    <p:spTree>
+      <p:nvGrpSpPr>
+        <p:cNvPr id="1" name=""/>
+        <p:cNvGrpSpPr/>
+        <p:nvPr/>
+      </p:nvGrpSpPr>
+      <p:grpSpPr>
+        <a:xfrm>
+          <a:off x="0" y="0"/>
+          <a:ext cx="0" cy="0"/>
+          <a:chOff x="0" y="0"/>
+          <a:chExt cx="0" cy="0"/>
+        </a:xfrm>
+      </p:grpSpPr>
+      <p:sp>
+        <p:nvSpPr>
+          <p:cNvPr id="36" name="矩形 35"/>
+          <p:cNvSpPr/>
+          <p:nvPr/>
+        </p:nvSpPr>
+        <p:spPr>
+          <a:xfrm>
+            <a:off x="-106680" y="0"/>
+            <a:ext cx="2938780" cy="6859270"/>
+          </a:xfrm>
+          <a:prstGeom prst="rect">
+            <a:avLst/>
+          </a:prstGeom>
+          <a:solidFill>
+            <a:srgbClr val="38B1BF"/>
+          </a:solidFill>
+          <a:ln>
+            <a:noFill/>
+          </a:ln>
+          <a:effectLst>
+            <a:outerShdw blurRad="50800" dist="38100" dir="2700000" algn="tl" rotWithShape="0">
+              <a:prstClr val="black">
+                <a:alpha val="40000"/>
+              </a:prstClr>
+            </a:outerShdw>
+          </a:effectLst>
+          <a:scene3d>
+            <a:camera prst="orthographicFront"/>
+            <a:lightRig rig="threePt" dir="t"/>
+          </a:scene3d>
+          <a:sp3d/>
+        </p:spPr>
+        <p:style>
+          <a:lnRef idx="1">
+            <a:schemeClr val="accent1"/>
+          </a:lnRef>
+          <a:fillRef idx="0">
+            <a:schemeClr val="accent1"/>
+          </a:fillRef>
+          <a:effectRef idx="0">
+            <a:schemeClr val="accent1"/>
+          </a:effectRef>
+          <a:fontRef idx="minor">
+            <a:schemeClr val="tx1"/>
+          </a:fontRef>
+        </p:style>
+        <p:txBody>
+          <a:bodyPr rot="0" spcFirstLastPara="0" vertOverflow="overflow" horzOverflow="overflow" vert="horz" wrap="square" lIns="91440" tIns="45720" rIns="91440" bIns="45720" numCol="1" spcCol="0" rtlCol="0" fromWordArt="0" anchor="ctr" anchorCtr="0" forceAA="0" compatLnSpc="1">
+            <a:noAutofit/>
+          </a:bodyPr>
+          <a:lstStyle/>
+          <a:p>
+            <a:pPr algn="ctr"/>
+            <a:endParaRPr lang="zh-CN" altLang="en-US"/>
+          </a:p>
+        </p:txBody>
+      </p:sp>
+      <p:sp>
+        <p:nvSpPr>
+          <p:cNvPr id="37" name="TextBox 36"/>
+          <p:cNvSpPr txBox="1"/>
+          <p:nvPr/>
+        </p:nvSpPr>
+        <p:spPr>
+          <a:xfrm>
+            <a:off x="-276651" y="2922512"/>
+            <a:ext cx="2808312" cy="614045"/>
+          </a:xfrm>
+          <a:prstGeom prst="rect">
+            <a:avLst/>
+          </a:prstGeom>
+          <a:noFill/>
+        </p:spPr>
+        <p:txBody>
+          <a:bodyPr wrap="square" lIns="121948" tIns="60973" rIns="121948" bIns="60973">
+            <a:spAutoFit/>
+          </a:bodyPr>
+          <a:lstStyle/>
+          <a:p>
+            <a:pPr algn="r">
+              <a:defRPr/>
+            </a:pPr>
+            <a:r>
+              <a:rPr lang="zh-CN" altLang="en-US" sz="3200" b="1" dirty="0" smtClean="0">
+                <a:solidFill>
+                  <a:schemeClr val="bg1"/>
+                </a:solidFill>
+                <a:latin typeface="微软雅黑" panose="020B0503020204020204" pitchFamily="34" charset="-122"/>
+                <a:ea typeface="微软雅黑" panose="020B0503020204020204" pitchFamily="34" charset="-122"/>
+              </a:rPr>
+              <a:t>参考文献</a:t>
+            </a:r>
+            <a:endParaRPr lang="zh-CN" sz="3200" b="1" dirty="0">
+              <a:solidFill>
+                <a:schemeClr val="bg1"/>
+              </a:solidFill>
+              <a:latin typeface="微软雅黑" panose="020B0503020204020204" pitchFamily="34" charset="-122"/>
+              <a:ea typeface="微软雅黑" panose="020B0503020204020204" pitchFamily="34" charset="-122"/>
+            </a:endParaRPr>
+          </a:p>
+        </p:txBody>
+      </p:sp>
+      <p:sp>
+        <p:nvSpPr>
+          <p:cNvPr id="2" name="文本框 1"/>
+          <p:cNvSpPr txBox="1"/>
+          <p:nvPr/>
+        </p:nvSpPr>
+        <p:spPr>
+          <a:xfrm>
+            <a:off x="3048606" y="693490"/>
+            <a:ext cx="9141807" cy="2861310"/>
+          </a:xfrm>
+          <a:prstGeom prst="rect">
+            <a:avLst/>
+          </a:prstGeom>
+          <a:noFill/>
+        </p:spPr>
+        <p:txBody>
+          <a:bodyPr wrap="square" rtlCol="0">
+            <a:spAutoFit/>
+          </a:bodyPr>
+          <a:lstStyle/>
+          <a:p>
+            <a:r>
+              <a:rPr lang="en-US" altLang="zh-CN" sz="1800" dirty="0" smtClean="0"/>
+              <a:t>[1]</a:t>
+            </a:r>
+            <a:r>
+              <a:rPr lang="zh-CN" altLang="en-US" sz="1800" dirty="0" smtClean="0"/>
+              <a:t> </a:t>
+            </a:r>
+            <a:r>
+              <a:rPr lang="en-US" altLang="zh-CN" sz="1800" dirty="0" smtClean="0"/>
+              <a:t>UML</a:t>
+            </a:r>
+            <a:r>
+              <a:rPr lang="zh-CN" altLang="en-US" sz="1800" dirty="0" smtClean="0"/>
+              <a:t>用户指南</a:t>
+            </a:r>
+            <a:r>
+              <a:rPr lang="en-US" altLang="zh-CN" sz="1800" dirty="0" smtClean="0"/>
+              <a:t>(</a:t>
+            </a:r>
+            <a:r>
+              <a:rPr lang="zh-CN" altLang="en-US" sz="1800" dirty="0" smtClean="0"/>
+              <a:t>第</a:t>
+            </a:r>
+            <a:r>
+              <a:rPr lang="en-US" altLang="zh-CN" sz="1800" dirty="0" smtClean="0"/>
+              <a:t>2</a:t>
+            </a:r>
+            <a:r>
+              <a:rPr lang="zh-CN" altLang="en-US" sz="1800" dirty="0" smtClean="0"/>
+              <a:t>版</a:t>
+            </a:r>
+            <a:r>
+              <a:rPr lang="en-US" altLang="zh-CN" sz="1800" dirty="0" smtClean="0"/>
+              <a:t>·</a:t>
+            </a:r>
+            <a:r>
+              <a:rPr lang="zh-CN" altLang="en-US" sz="1800" dirty="0" smtClean="0"/>
+              <a:t>修订版</a:t>
+            </a:r>
+            <a:r>
+              <a:rPr lang="en-US" altLang="zh-CN" sz="1800" dirty="0" smtClean="0"/>
+              <a:t>)(</a:t>
+            </a:r>
+            <a:r>
+              <a:rPr lang="zh-CN" altLang="en-US" sz="1800" dirty="0" smtClean="0"/>
+              <a:t>作者</a:t>
+            </a:r>
+            <a:r>
+              <a:rPr lang="en-US" altLang="zh-CN" sz="1800" dirty="0"/>
+              <a:t>:Grady </a:t>
+            </a:r>
+            <a:r>
+              <a:rPr lang="en-US" altLang="zh-CN" sz="1800" dirty="0" err="1" smtClean="0"/>
+              <a:t>Booch</a:t>
+            </a:r>
+            <a:r>
+              <a:rPr lang="zh-CN" altLang="en-US" sz="1800" dirty="0" smtClean="0"/>
+              <a:t>等</a:t>
+            </a:r>
+            <a:r>
+              <a:rPr lang="en-US" altLang="zh-CN" sz="1800" dirty="0" smtClean="0"/>
+              <a:t>)	</a:t>
+            </a:r>
+            <a:r>
+              <a:rPr lang="zh-CN" altLang="en-US" sz="1800" dirty="0" smtClean="0"/>
+              <a:t>人民</a:t>
+            </a:r>
+            <a:r>
+              <a:rPr lang="zh-CN" altLang="en-US" sz="1800" dirty="0"/>
+              <a:t>邮电</a:t>
+            </a:r>
+            <a:r>
+              <a:rPr lang="zh-CN" altLang="en-US" sz="1800" dirty="0" smtClean="0"/>
+              <a:t>出版社</a:t>
+            </a:r>
+            <a:endParaRPr lang="en-US" altLang="zh-CN" sz="1800" dirty="0" smtClean="0"/>
+          </a:p>
+          <a:p>
+            <a:endParaRPr lang="en-US" altLang="zh-CN" sz="1800" dirty="0" smtClean="0"/>
+          </a:p>
+          <a:p>
+            <a:r>
+              <a:rPr lang="en-US" altLang="zh-CN" sz="1800" dirty="0" smtClean="0"/>
+              <a:t>[2]</a:t>
+            </a:r>
+            <a:r>
+              <a:rPr lang="zh-CN" altLang="en-US" sz="1800" dirty="0"/>
+              <a:t> </a:t>
+            </a:r>
+            <a:r>
+              <a:rPr lang="en-US" altLang="zh-CN" sz="1800" dirty="0"/>
+              <a:t>UML2</a:t>
+            </a:r>
+            <a:r>
+              <a:rPr lang="zh-CN" altLang="en-US" sz="1800" dirty="0"/>
+              <a:t>基础、建模与设计</a:t>
+            </a:r>
+            <a:r>
+              <a:rPr lang="zh-CN" altLang="en-US" sz="1800" dirty="0" smtClean="0"/>
+              <a:t>教程</a:t>
+            </a:r>
+            <a:r>
+              <a:rPr lang="en-US" altLang="zh-CN" sz="1800" dirty="0"/>
+              <a:t>(</a:t>
+            </a:r>
+            <a:r>
+              <a:rPr lang="zh-CN" altLang="en-US" sz="1800" dirty="0" smtClean="0"/>
+              <a:t>作者</a:t>
+            </a:r>
+            <a:r>
+              <a:rPr lang="en-US" altLang="zh-CN" sz="1800" dirty="0" smtClean="0"/>
+              <a:t>:</a:t>
+            </a:r>
+            <a:r>
+              <a:rPr lang="zh-CN" altLang="en-US" sz="1800" dirty="0" smtClean="0"/>
+              <a:t>杨弘平等</a:t>
+            </a:r>
+            <a:r>
+              <a:rPr lang="en-US" altLang="zh-CN" sz="1800" dirty="0" smtClean="0"/>
+              <a:t>)	</a:t>
+            </a:r>
+            <a:r>
+              <a:rPr lang="zh-CN" altLang="en-US" sz="1800" dirty="0" smtClean="0"/>
+              <a:t>清华大学出版社</a:t>
+            </a:r>
+            <a:endParaRPr lang="en-US" altLang="zh-CN" sz="1800" dirty="0"/>
+          </a:p>
+          <a:p>
+            <a:endParaRPr lang="zh-CN" altLang="en-US" sz="1800" dirty="0"/>
+          </a:p>
+          <a:p>
+            <a:r>
+              <a:rPr lang="en-US" altLang="zh-CN" sz="1800" dirty="0" smtClean="0">
+                <a:sym typeface="+mn-ea"/>
+              </a:rPr>
+              <a:t>[3]</a:t>
+            </a:r>
+            <a:r>
+              <a:rPr lang="zh-CN" altLang="en-US" sz="1800" dirty="0">
+                <a:sym typeface="+mn-ea"/>
+              </a:rPr>
+              <a:t>《软件需求（第三版）》美</a:t>
+            </a:r>
+            <a:r>
+              <a:rPr lang="en-US" altLang="zh-CN" sz="1800" dirty="0">
+                <a:sym typeface="+mn-ea"/>
+              </a:rPr>
+              <a:t>KARL WIEGERS ,JOY BEATTY</a:t>
+            </a:r>
+            <a:endParaRPr lang="en-US" altLang="zh-CN" sz="1800" dirty="0" smtClean="0">
+              <a:sym typeface="+mn-ea"/>
+            </a:endParaRPr>
+          </a:p>
+          <a:p>
+            <a:endParaRPr lang="en-US" altLang="zh-CN" sz="1800" dirty="0" smtClean="0">
+              <a:sym typeface="+mn-ea"/>
+            </a:endParaRPr>
+          </a:p>
+          <a:p>
+            <a:endParaRPr lang="zh-CN" altLang="en-US" sz="1800" dirty="0"/>
+          </a:p>
+          <a:p>
+            <a:endParaRPr lang="en-US" altLang="zh-CN" sz="1800" dirty="0">
+              <a:solidFill>
+                <a:schemeClr val="tx1"/>
+              </a:solidFill>
+              <a:effectLst>
+                <a:outerShdw blurRad="38100" dist="19050" dir="2700000" algn="tl" rotWithShape="0">
+                  <a:schemeClr val="dk1">
+                    <a:alpha val="40000"/>
+                  </a:schemeClr>
+                </a:outerShdw>
+              </a:effectLst>
+            </a:endParaRPr>
+          </a:p>
+          <a:p>
+            <a:endParaRPr lang="en-US" altLang="zh-CN" sz="1800" dirty="0" smtClean="0"/>
+          </a:p>
+          <a:p>
+            <a:endParaRPr lang="zh-CN" altLang="en-US" sz="1800" dirty="0"/>
+          </a:p>
+        </p:txBody>
+      </p:sp>
+    </p:spTree>
+  </p:cSld>
+  <p:clrMapOvr>
+    <a:masterClrMapping/>
+  </p:clrMapOvr>
+  <mc:AlternateContent xmlns:mc="http://schemas.openxmlformats.org/markup-compatibility/2006" xmlns:p14="http://schemas.microsoft.com/office/powerpoint/2010/main">
+    <mc:Choice Requires="p14">
+      <p:transition spd="slow" p14:dur="1200" advClick="0" advTm="0">
+        <p14:prism/>
+      </p:transition>
+    </mc:Choice>
+    <mc:Fallback xmlns="">
+      <p:transition spd="slow" advClick="0" advTm="0">
+        <p:fade/>
+      </p:transition>
+    </mc:Fallback>
+  </mc:AlternateContent>
+  <p:timing>
+    <p:tnLst>
+      <p:par>
+        <p:cTn id="1" dur="indefinite" restart="never" nodeType="tmRoot">
+          <p:childTnLst>
+            <p:seq concurrent="1" nextAc="seek">
+              <p:cTn id="2" dur="indefinite" nodeType="mainSeq">
+                <p:childTnLst>
+                  <p:par>
+                    <p:cTn id="3" fill="hold">
+                      <p:stCondLst>
+                        <p:cond delay="indefinite"/>
+                        <p:cond evt="onBegin" delay="0">
+                          <p:tn val="2"/>
+                        </p:cond>
+                      </p:stCondLst>
+                      <p:childTnLst>
+                        <p:par>
+                          <p:cTn id="4" fill="hold">
+                            <p:stCondLst>
+                              <p:cond delay="0"/>
+                            </p:stCondLst>
+                            <p:childTnLst>
+                              <p:par>
+                                <p:cTn id="5" presetID="2" presetClass="entr" presetSubtype="8" fill="hold" grpId="0" nodeType="afterEffect">
+                                  <p:stCondLst>
+                                    <p:cond delay="0"/>
+                                  </p:stCondLst>
+                                  <p:childTnLst>
+                                    <p:set>
+                                      <p:cBhvr>
+                                        <p:cTn id="6" dur="1" fill="hold">
+                                          <p:stCondLst>
+                                            <p:cond delay="0"/>
+                                          </p:stCondLst>
+                                        </p:cTn>
+                                        <p:tgtEl>
+                                          <p:spTgt spid="36"/>
+                                        </p:tgtEl>
+                                        <p:attrNameLst>
+                                          <p:attrName>style.visibility</p:attrName>
+                                        </p:attrNameLst>
+                                      </p:cBhvr>
+                                      <p:to>
+                                        <p:strVal val="visible"/>
+                                      </p:to>
+                                    </p:set>
+                                    <p:anim calcmode="lin" valueType="num">
+                                      <p:cBhvr additive="base">
+                                        <p:cTn id="7" dur="500" fill="hold"/>
+                                        <p:tgtEl>
+                                          <p:spTgt spid="36"/>
+                                        </p:tgtEl>
+                                        <p:attrNameLst>
+                                          <p:attrName>ppt_x</p:attrName>
+                                        </p:attrNameLst>
+                                      </p:cBhvr>
+                                      <p:tavLst>
+                                        <p:tav tm="0">
+                                          <p:val>
+                                            <p:strVal val="0-#ppt_w/2"/>
+                                          </p:val>
+                                        </p:tav>
+                                        <p:tav tm="100000">
+                                          <p:val>
+                                            <p:strVal val="#ppt_x"/>
+                                          </p:val>
+                                        </p:tav>
+                                      </p:tavLst>
+                                    </p:anim>
+                                    <p:anim calcmode="lin" valueType="num">
+                                      <p:cBhvr additive="base">
+                                        <p:cTn id="8" dur="500" fill="hold"/>
+                                        <p:tgtEl>
+                                          <p:spTgt spid="36"/>
+                                        </p:tgtEl>
+                                        <p:attrNameLst>
+                                          <p:attrName>ppt_y</p:attrName>
+                                        </p:attrNameLst>
+                                      </p:cBhvr>
+                                      <p:tavLst>
+                                        <p:tav tm="0">
+                                          <p:val>
+                                            <p:strVal val="#ppt_y"/>
+                                          </p:val>
+                                        </p:tav>
+                                        <p:tav tm="100000">
+                                          <p:val>
+                                            <p:strVal val="#ppt_y"/>
+                                          </p:val>
+                                        </p:tav>
+                                      </p:tavLst>
+                                    </p:anim>
+                                  </p:childTnLst>
+                                </p:cTn>
+                              </p:par>
+                            </p:childTnLst>
+                          </p:cTn>
+                        </p:par>
+                        <p:par>
+                          <p:cTn id="9" fill="hold">
+                            <p:stCondLst>
+                              <p:cond delay="500"/>
+                            </p:stCondLst>
+                            <p:childTnLst>
+                              <p:par>
+                                <p:cTn id="10" presetID="17" presetClass="entr" presetSubtype="1" fill="hold" grpId="0" nodeType="afterEffect">
+                                  <p:stCondLst>
+                                    <p:cond delay="0"/>
+                                  </p:stCondLst>
+                                  <p:iterate type="lt">
+                                    <p:tmPct val="40000"/>
+                                  </p:iterate>
+                                  <p:childTnLst>
+                                    <p:set>
+                                      <p:cBhvr>
+                                        <p:cTn id="11" dur="1" fill="hold">
+                                          <p:stCondLst>
+                                            <p:cond delay="0"/>
+                                          </p:stCondLst>
+                                        </p:cTn>
+                                        <p:tgtEl>
+                                          <p:spTgt spid="37"/>
+                                        </p:tgtEl>
+                                        <p:attrNameLst>
+                                          <p:attrName>style.visibility</p:attrName>
+                                        </p:attrNameLst>
+                                      </p:cBhvr>
+                                      <p:to>
+                                        <p:strVal val="visible"/>
+                                      </p:to>
+                                    </p:set>
+                                    <p:anim calcmode="lin" valueType="num">
+                                      <p:cBhvr>
+                                        <p:cTn id="12" dur="250" fill="hold"/>
+                                        <p:tgtEl>
+                                          <p:spTgt spid="37"/>
+                                        </p:tgtEl>
+                                        <p:attrNameLst>
+                                          <p:attrName>ppt_x</p:attrName>
+                                        </p:attrNameLst>
+                                      </p:cBhvr>
+                                      <p:tavLst>
+                                        <p:tav tm="0">
+                                          <p:val>
+                                            <p:strVal val="#ppt_x"/>
+                                          </p:val>
+                                        </p:tav>
+                                        <p:tav tm="100000">
+                                          <p:val>
+                                            <p:strVal val="#ppt_x"/>
+                                          </p:val>
+                                        </p:tav>
+                                      </p:tavLst>
+                                    </p:anim>
+                                    <p:anim calcmode="lin" valueType="num">
+                                      <p:cBhvr>
+                                        <p:cTn id="13" dur="250" fill="hold"/>
+                                        <p:tgtEl>
+                                          <p:spTgt spid="37"/>
+                                        </p:tgtEl>
+                                        <p:attrNameLst>
+                                          <p:attrName>ppt_y</p:attrName>
+                                        </p:attrNameLst>
+                                      </p:cBhvr>
+                                      <p:tavLst>
+                                        <p:tav tm="0">
+                                          <p:val>
+                                            <p:strVal val="#ppt_y-#ppt_h/2"/>
+                                          </p:val>
+                                        </p:tav>
+                                        <p:tav tm="100000">
+                                          <p:val>
+                                            <p:strVal val="#ppt_y"/>
+                                          </p:val>
+                                        </p:tav>
+                                      </p:tavLst>
+                                    </p:anim>
+                                    <p:anim calcmode="lin" valueType="num">
+                                      <p:cBhvr>
+                                        <p:cTn id="14" dur="250" fill="hold"/>
+                                        <p:tgtEl>
+                                          <p:spTgt spid="37"/>
+                                        </p:tgtEl>
+                                        <p:attrNameLst>
+                                          <p:attrName>ppt_w</p:attrName>
+                                        </p:attrNameLst>
+                                      </p:cBhvr>
+                                      <p:tavLst>
+                                        <p:tav tm="0">
+                                          <p:val>
+                                            <p:strVal val="#ppt_w"/>
+                                          </p:val>
+                                        </p:tav>
+                                        <p:tav tm="100000">
+                                          <p:val>
+                                            <p:strVal val="#ppt_w"/>
+                                          </p:val>
+                                        </p:tav>
+                                      </p:tavLst>
+                                    </p:anim>
+                                    <p:anim calcmode="lin" valueType="num">
+                                      <p:cBhvr>
+                                        <p:cTn id="15" dur="250" fill="hold"/>
+                                        <p:tgtEl>
+                                          <p:spTgt spid="37"/>
+                                        </p:tgtEl>
+                                        <p:attrNameLst>
+                                          <p:attrName>ppt_h</p:attrName>
+                                        </p:attrNameLst>
+                                      </p:cBhvr>
+                                      <p:tavLst>
+                                        <p:tav tm="0">
+                                          <p:val>
+                                            <p:fltVal val="0"/>
+                                          </p:val>
+                                        </p:tav>
+                                        <p:tav tm="100000">
+                                          <p:val>
+                                            <p:strVal val="#ppt_h"/>
+                                          </p:val>
+                                        </p:tav>
+                                      </p:tavLst>
+                                    </p:anim>
+                                  </p:childTnLst>
+                                </p:cTn>
+                              </p:par>
+                            </p:childTnLst>
+                          </p:cTn>
+                        </p:par>
+                      </p:childTnLst>
+                    </p:cTn>
+                  </p:par>
+                </p:childTnLst>
+              </p:cTn>
+              <p:prevCondLst>
+                <p:cond evt="onPrev" delay="0">
+                  <p:tgtEl>
+                    <p:sldTgt/>
+                  </p:tgtEl>
+                </p:cond>
+              </p:prevCondLst>
+              <p:nextCondLst>
+                <p:cond evt="onNext" delay="0">
+                  <p:tgtEl>
+                    <p:sldTgt/>
+                  </p:tgtEl>
+                </p:cond>
+              </p:nextCondLst>
+            </p:seq>
+          </p:childTnLst>
+        </p:cTn>
+      </p:par>
+    </p:tnLst>
+    <p:bldLst>
+      <p:bldP spid="36" grpId="0" bldLvl="0" animBg="1"/>
+      <p:bldP spid="37" grpId="0"/>
+    </p:bldLst>
+  </p:timing>
+</p:sld>
+</file>
+
+<file path=ppt/slides/slide21.xml><?xml version="1.0" encoding="utf-8"?>
+<p:sld xmlns:a="http://schemas.openxmlformats.org/drawingml/2006/main" xmlns:r="http://schemas.openxmlformats.org/officeDocument/2006/relationships" xmlns:p="http://schemas.openxmlformats.org/presentationml/2006/main">
+  <p:cSld>
+    <p:spTree>
+      <p:nvGrpSpPr>
+        <p:cNvPr id="1" name=""/>
+        <p:cNvGrpSpPr/>
+        <p:nvPr/>
+      </p:nvGrpSpPr>
+      <p:grpSpPr>
+        <a:xfrm>
+          <a:off x="0" y="0"/>
+          <a:ext cx="0" cy="0"/>
+          <a:chOff x="0" y="0"/>
+          <a:chExt cx="0" cy="0"/>
+        </a:xfrm>
+      </p:grpSpPr>
+      <p:sp>
+        <p:nvSpPr>
+          <p:cNvPr id="36" name="矩形 35"/>
+          <p:cNvSpPr/>
+          <p:nvPr/>
+        </p:nvSpPr>
+        <p:spPr>
+          <a:xfrm>
+            <a:off x="-106680" y="0"/>
+            <a:ext cx="2938780" cy="6859270"/>
+          </a:xfrm>
+          <a:prstGeom prst="rect">
+            <a:avLst/>
+          </a:prstGeom>
+          <a:solidFill>
+            <a:srgbClr val="38B1BF"/>
+          </a:solidFill>
+          <a:ln>
+            <a:noFill/>
+          </a:ln>
+          <a:effectLst>
+            <a:outerShdw blurRad="50800" dist="38100" dir="2700000" algn="tl" rotWithShape="0">
+              <a:prstClr val="black">
+                <a:alpha val="40000"/>
+              </a:prstClr>
+            </a:outerShdw>
+          </a:effectLst>
+          <a:scene3d>
+            <a:camera prst="orthographicFront"/>
+            <a:lightRig rig="threePt" dir="t"/>
+          </a:scene3d>
+          <a:sp3d/>
+        </p:spPr>
+        <p:style>
+          <a:lnRef idx="1">
+            <a:schemeClr val="accent1"/>
+          </a:lnRef>
+          <a:fillRef idx="0">
+            <a:schemeClr val="accent1"/>
+          </a:fillRef>
+          <a:effectRef idx="0">
+            <a:schemeClr val="accent1"/>
+          </a:effectRef>
+          <a:fontRef idx="minor">
+            <a:schemeClr val="tx1"/>
+          </a:fontRef>
+        </p:style>
+        <p:txBody>
+          <a:bodyPr rot="0" spcFirstLastPara="0" vertOverflow="overflow" horzOverflow="overflow" vert="horz" wrap="square" lIns="91440" tIns="45720" rIns="91440" bIns="45720" numCol="1" spcCol="0" rtlCol="0" fromWordArt="0" anchor="ctr" anchorCtr="0" forceAA="0" compatLnSpc="1">
+            <a:noAutofit/>
+          </a:bodyPr>
+          <a:lstStyle/>
+          <a:p>
+            <a:pPr algn="ctr"/>
+            <a:endParaRPr lang="zh-CN" altLang="en-US"/>
+          </a:p>
+        </p:txBody>
+      </p:sp>
+      <p:sp>
+        <p:nvSpPr>
+          <p:cNvPr id="37" name="TextBox 36"/>
+          <p:cNvSpPr txBox="1"/>
+          <p:nvPr/>
+        </p:nvSpPr>
+        <p:spPr>
+          <a:xfrm>
+            <a:off x="311150" y="2922270"/>
+            <a:ext cx="2220595" cy="1106805"/>
+          </a:xfrm>
+          <a:prstGeom prst="rect">
+            <a:avLst/>
+          </a:prstGeom>
+          <a:noFill/>
+        </p:spPr>
+        <p:txBody>
+          <a:bodyPr wrap="square" lIns="121948" tIns="60973" rIns="121948" bIns="60973">
+            <a:spAutoFit/>
+          </a:bodyPr>
+          <a:lstStyle/>
+          <a:p>
+            <a:pPr algn="r">
+              <a:defRPr/>
+            </a:pPr>
+            <a:r>
+              <a:rPr lang="zh-CN" altLang="en-US" sz="3200" b="1" dirty="0" smtClean="0">
+                <a:solidFill>
+                  <a:schemeClr val="bg1"/>
+                </a:solidFill>
+                <a:latin typeface="微软雅黑" panose="020B0503020204020204" pitchFamily="34" charset="-122"/>
+                <a:ea typeface="微软雅黑" panose="020B0503020204020204" pitchFamily="34" charset="-122"/>
+              </a:rPr>
+              <a:t>绩效考评与分工</a:t>
+            </a:r>
+          </a:p>
+        </p:txBody>
+      </p:sp>
+      <p:graphicFrame>
+        <p:nvGraphicFramePr>
+          <p:cNvPr id="3" name="表格 2"/>
+          <p:cNvGraphicFramePr/>
+          <p:nvPr>
+            <p:extLst>
+              <p:ext uri="{D42A27DB-BD31-4B8C-83A1-F6EECF244321}">
+                <p14:modId xmlns:p14="http://schemas.microsoft.com/office/powerpoint/2010/main" val="3716479658"/>
+              </p:ext>
+            </p:extLst>
+          </p:nvPr>
+        </p:nvGraphicFramePr>
+        <p:xfrm>
+          <a:off x="3214886" y="1773610"/>
+          <a:ext cx="7771130" cy="3702685"/>
+        </p:xfrm>
+        <a:graphic>
+          <a:graphicData uri="http://schemas.openxmlformats.org/drawingml/2006/table">
+            <a:tbl>
+              <a:tblPr firstRow="1" bandRow="1">
+                <a:tableStyleId>{5C22544A-7EE6-4342-B048-85BDC9FD1C3A}</a:tableStyleId>
+              </a:tblPr>
+              <a:tblGrid>
+                <a:gridCol w="1895475">
+                  <a:extLst>
+                    <a:ext uri="{9D8B030D-6E8A-4147-A177-3AD203B41FA5}">
+                      <a16:colId xmlns:a16="http://schemas.microsoft.com/office/drawing/2014/main" val="20000"/>
+                    </a:ext>
+                  </a:extLst>
+                </a:gridCol>
+                <a:gridCol w="2937510">
+                  <a:extLst>
+                    <a:ext uri="{9D8B030D-6E8A-4147-A177-3AD203B41FA5}">
+                      <a16:colId xmlns:a16="http://schemas.microsoft.com/office/drawing/2014/main" val="20001"/>
+                    </a:ext>
+                  </a:extLst>
+                </a:gridCol>
+                <a:gridCol w="2938145">
+                  <a:extLst>
+                    <a:ext uri="{9D8B030D-6E8A-4147-A177-3AD203B41FA5}">
+                      <a16:colId xmlns:a16="http://schemas.microsoft.com/office/drawing/2014/main" val="20002"/>
+                    </a:ext>
+                  </a:extLst>
+                </a:gridCol>
+              </a:tblGrid>
+              <a:tr h="713740">
+                <a:tc>
+                  <a:txBody>
+                    <a:bodyPr/>
+                    <a:lstStyle/>
+                    <a:p>
+                      <a:pPr algn="l">
+                        <a:buNone/>
+                      </a:pPr>
+                      <a:r>
+                        <a:rPr lang="zh-CN" altLang="en-US" b="0" dirty="0">
+                          <a:solidFill>
+                            <a:schemeClr val="tx1"/>
+                          </a:solidFill>
+                        </a:rPr>
+                        <a:t>黄为波</a:t>
+                      </a:r>
+                    </a:p>
+                  </a:txBody>
+                  <a:tcPr>
+                    <a:solidFill>
+                      <a:schemeClr val="accent1">
+                        <a:lumMod val="40000"/>
+                        <a:lumOff val="60000"/>
+                      </a:schemeClr>
+                    </a:solidFill>
+                  </a:tcPr>
+                </a:tc>
+                <a:tc>
+                  <a:txBody>
+                    <a:bodyPr/>
+                    <a:lstStyle/>
+                    <a:p>
+                      <a:pPr algn="l"/>
+                      <a:r>
+                        <a:rPr lang="zh-CN" altLang="en-US" sz="2400" b="0" dirty="0" smtClean="0">
+                          <a:solidFill>
+                            <a:schemeClr val="tx1"/>
+                          </a:solidFill>
+                        </a:rPr>
+                        <a:t>负责</a:t>
+                      </a:r>
+                      <a:r>
+                        <a:rPr lang="zh-CN" sz="2400" b="0" dirty="0" smtClean="0">
+                          <a:solidFill>
+                            <a:schemeClr val="tx1"/>
+                          </a:solidFill>
+                        </a:rPr>
+                        <a:t>制作</a:t>
+                      </a:r>
+                      <a:r>
+                        <a:rPr lang="en-US" altLang="zh-CN" sz="2400" b="0" dirty="0" smtClean="0">
+                          <a:solidFill>
+                            <a:schemeClr val="tx1"/>
+                          </a:solidFill>
+                        </a:rPr>
+                        <a:t>PPT</a:t>
+                      </a:r>
+                      <a:r>
+                        <a:rPr lang="zh-CN" altLang="en-US" sz="2400" b="0" dirty="0" smtClean="0">
+                          <a:solidFill>
+                            <a:schemeClr val="tx1"/>
+                          </a:solidFill>
+                        </a:rPr>
+                        <a:t>模板</a:t>
+                      </a:r>
+                    </a:p>
+                  </a:txBody>
+                  <a:tcPr>
+                    <a:solidFill>
+                      <a:schemeClr val="accent1">
+                        <a:lumMod val="40000"/>
+                        <a:lumOff val="60000"/>
+                      </a:schemeClr>
+                    </a:solidFill>
+                  </a:tcPr>
+                </a:tc>
+                <a:tc>
+                  <a:txBody>
+                    <a:bodyPr/>
+                    <a:lstStyle/>
+                    <a:p>
+                      <a:pPr algn="l">
+                        <a:buNone/>
+                      </a:pPr>
+                      <a:r>
+                        <a:rPr lang="en-US" altLang="zh-CN" sz="2400" b="0" dirty="0" smtClean="0">
+                          <a:solidFill>
+                            <a:schemeClr val="tx1"/>
+                          </a:solidFill>
+                        </a:rPr>
+                        <a:t>9.5</a:t>
+                      </a:r>
+                    </a:p>
+                  </a:txBody>
+                  <a:tcPr>
+                    <a:solidFill>
+                      <a:schemeClr val="accent1">
+                        <a:lumMod val="40000"/>
+                        <a:lumOff val="60000"/>
+                      </a:schemeClr>
+                    </a:solidFill>
+                  </a:tcPr>
+                </a:tc>
+                <a:extLst>
+                  <a:ext uri="{0D108BD9-81ED-4DB2-BD59-A6C34878D82A}">
+                    <a16:rowId xmlns:a16="http://schemas.microsoft.com/office/drawing/2014/main" val="10000"/>
+                  </a:ext>
+                </a:extLst>
+              </a:tr>
+              <a:tr h="716915">
+                <a:tc>
+                  <a:txBody>
+                    <a:bodyPr/>
+                    <a:lstStyle/>
+                    <a:p>
+                      <a:pPr algn="l">
+                        <a:buNone/>
+                      </a:pPr>
+                      <a:r>
+                        <a:rPr lang="zh-CN" altLang="en-US" dirty="0" smtClean="0">
+                          <a:solidFill>
+                            <a:schemeClr val="tx1"/>
+                          </a:solidFill>
+                        </a:rPr>
+                        <a:t>苏雨豪</a:t>
+                      </a:r>
+                    </a:p>
+                  </a:txBody>
+                  <a:tcPr/>
+                </a:tc>
+                <a:tc>
+                  <a:txBody>
+                    <a:bodyPr/>
+                    <a:lstStyle/>
+                    <a:p>
+                      <a:pPr algn="l">
+                        <a:buNone/>
+                      </a:pPr>
+                      <a:r>
+                        <a:rPr lang="zh-CN" dirty="0" smtClean="0">
+                          <a:solidFill>
+                            <a:schemeClr val="tx1"/>
+                          </a:solidFill>
+                        </a:rPr>
+                        <a:t>负责</a:t>
+                      </a:r>
+                      <a:r>
+                        <a:rPr lang="en-US" altLang="zh-CN" dirty="0" smtClean="0">
+                          <a:solidFill>
+                            <a:schemeClr val="tx1"/>
+                          </a:solidFill>
+                        </a:rPr>
+                        <a:t>PPT</a:t>
+                      </a:r>
+                      <a:r>
+                        <a:rPr lang="zh-CN" altLang="en-US" dirty="0" smtClean="0">
+                          <a:solidFill>
+                            <a:schemeClr val="tx1"/>
+                          </a:solidFill>
+                        </a:rPr>
+                        <a:t>审核</a:t>
+                      </a:r>
+                    </a:p>
+                  </a:txBody>
+                  <a:tcPr/>
+                </a:tc>
+                <a:tc>
+                  <a:txBody>
+                    <a:bodyPr/>
+                    <a:lstStyle/>
+                    <a:p>
+                      <a:pPr algn="l">
+                        <a:buNone/>
+                      </a:pPr>
+                      <a:r>
+                        <a:rPr lang="en-US" altLang="zh-CN" dirty="0" smtClean="0">
+                          <a:solidFill>
+                            <a:schemeClr val="tx1"/>
+                          </a:solidFill>
+                        </a:rPr>
+                        <a:t>9.3</a:t>
+                      </a:r>
+                    </a:p>
+                  </a:txBody>
+                  <a:tcPr/>
+                </a:tc>
+                <a:extLst>
+                  <a:ext uri="{0D108BD9-81ED-4DB2-BD59-A6C34878D82A}">
+                    <a16:rowId xmlns:a16="http://schemas.microsoft.com/office/drawing/2014/main" val="10001"/>
+                  </a:ext>
+                </a:extLst>
+              </a:tr>
+              <a:tr h="805815">
+                <a:tc>
+                  <a:txBody>
+                    <a:bodyPr/>
+                    <a:lstStyle/>
+                    <a:p>
+                      <a:pPr algn="l">
+                        <a:buNone/>
+                      </a:pPr>
+                      <a:r>
+                        <a:rPr lang="zh-CN" dirty="0" smtClean="0">
+                          <a:solidFill>
+                            <a:schemeClr val="tx1"/>
+                          </a:solidFill>
+                        </a:rPr>
+                        <a:t>陈子卿</a:t>
+                      </a:r>
+                    </a:p>
+                  </a:txBody>
+                  <a:tcPr>
+                    <a:solidFill>
+                      <a:schemeClr val="accent1">
+                        <a:lumMod val="40000"/>
+                        <a:lumOff val="60000"/>
+                      </a:schemeClr>
+                    </a:solidFill>
+                  </a:tcPr>
+                </a:tc>
+                <a:tc>
+                  <a:txBody>
+                    <a:bodyPr/>
+                    <a:lstStyle/>
+                    <a:p>
+                      <a:pPr algn="l">
+                        <a:buNone/>
+                      </a:pPr>
+                      <a:r>
+                        <a:rPr lang="zh-CN" altLang="en-US" dirty="0" smtClean="0">
+                          <a:solidFill>
+                            <a:schemeClr val="tx1"/>
+                          </a:solidFill>
+                        </a:rPr>
+                        <a:t>项目概述部分</a:t>
+                      </a:r>
+                      <a:r>
+                        <a:rPr lang="en-US" altLang="zh-CN" dirty="0" smtClean="0">
+                          <a:solidFill>
+                            <a:schemeClr val="tx1"/>
+                          </a:solidFill>
+                        </a:rPr>
+                        <a:t>PPT</a:t>
+                      </a:r>
+                      <a:r>
+                        <a:rPr lang="zh-CN" altLang="en-US" dirty="0" smtClean="0">
+                          <a:solidFill>
+                            <a:schemeClr val="tx1"/>
+                          </a:solidFill>
+                        </a:rPr>
+                        <a:t>制作</a:t>
+                      </a:r>
+                    </a:p>
+                  </a:txBody>
+                  <a:tcPr>
+                    <a:solidFill>
+                      <a:schemeClr val="accent1">
+                        <a:lumMod val="40000"/>
+                        <a:lumOff val="60000"/>
+                      </a:schemeClr>
+                    </a:solidFill>
+                  </a:tcPr>
+                </a:tc>
+                <a:tc>
+                  <a:txBody>
+                    <a:bodyPr/>
+                    <a:lstStyle/>
+                    <a:p>
+                      <a:pPr algn="l">
+                        <a:buNone/>
+                      </a:pPr>
+                      <a:r>
+                        <a:rPr lang="en-US" altLang="zh-CN" dirty="0" smtClean="0">
+                          <a:solidFill>
+                            <a:schemeClr val="tx1"/>
+                          </a:solidFill>
+                        </a:rPr>
+                        <a:t>9.4</a:t>
+                      </a:r>
+                    </a:p>
+                  </a:txBody>
+                  <a:tcPr>
+                    <a:solidFill>
+                      <a:schemeClr val="accent1">
+                        <a:lumMod val="40000"/>
+                        <a:lumOff val="60000"/>
+                      </a:schemeClr>
+                    </a:solidFill>
+                  </a:tcPr>
+                </a:tc>
+                <a:extLst>
+                  <a:ext uri="{0D108BD9-81ED-4DB2-BD59-A6C34878D82A}">
+                    <a16:rowId xmlns:a16="http://schemas.microsoft.com/office/drawing/2014/main" val="10002"/>
+                  </a:ext>
+                </a:extLst>
+              </a:tr>
+              <a:tr h="733425">
+                <a:tc>
+                  <a:txBody>
+                    <a:bodyPr/>
+                    <a:lstStyle/>
+                    <a:p>
+                      <a:pPr algn="l">
+                        <a:buNone/>
+                      </a:pPr>
+                      <a:r>
+                        <a:rPr lang="zh-CN" altLang="en-US" dirty="0" smtClean="0">
+                          <a:solidFill>
+                            <a:schemeClr val="tx1"/>
+                          </a:solidFill>
+                        </a:rPr>
+                        <a:t>蔡峰</a:t>
+                      </a:r>
+                    </a:p>
+                  </a:txBody>
+                  <a:tcPr>
+                    <a:solidFill>
+                      <a:schemeClr val="accent1">
+                        <a:lumMod val="40000"/>
+                        <a:lumOff val="60000"/>
+                      </a:schemeClr>
+                    </a:solidFill>
+                  </a:tcPr>
+                </a:tc>
+                <a:tc>
+                  <a:txBody>
+                    <a:bodyPr/>
+                    <a:lstStyle/>
+                    <a:p>
+                      <a:pPr algn="l">
+                        <a:buNone/>
+                      </a:pPr>
+                      <a:r>
+                        <a:rPr lang="zh-CN" altLang="en-US" dirty="0" smtClean="0">
+                          <a:solidFill>
+                            <a:schemeClr val="tx1"/>
+                          </a:solidFill>
+                        </a:rPr>
+                        <a:t>工具使用情况部分</a:t>
+                      </a:r>
+                      <a:r>
+                        <a:rPr lang="en-US" altLang="zh-CN" dirty="0" smtClean="0">
+                          <a:solidFill>
+                            <a:schemeClr val="tx1"/>
+                          </a:solidFill>
+                        </a:rPr>
+                        <a:t>PPT</a:t>
+                      </a:r>
+                      <a:r>
+                        <a:rPr lang="zh-CN" altLang="en-US" dirty="0" smtClean="0">
+                          <a:solidFill>
+                            <a:schemeClr val="tx1"/>
+                          </a:solidFill>
+                        </a:rPr>
+                        <a:t>制作</a:t>
+                      </a:r>
+                    </a:p>
+                  </a:txBody>
+                  <a:tcPr>
+                    <a:solidFill>
+                      <a:schemeClr val="accent1">
+                        <a:lumMod val="40000"/>
+                        <a:lumOff val="60000"/>
+                      </a:schemeClr>
+                    </a:solidFill>
+                  </a:tcPr>
+                </a:tc>
+                <a:tc>
+                  <a:txBody>
+                    <a:bodyPr/>
+                    <a:lstStyle/>
+                    <a:p>
+                      <a:pPr algn="l">
+                        <a:buNone/>
+                      </a:pPr>
+                      <a:r>
+                        <a:rPr lang="en-US" altLang="zh-CN" sz="2100" dirty="0" smtClean="0">
+                          <a:solidFill>
+                            <a:schemeClr val="tx1"/>
+                          </a:solidFill>
+                          <a:sym typeface="+mn-ea"/>
+                        </a:rPr>
+                        <a:t>9.7</a:t>
+                      </a:r>
+                      <a:endParaRPr lang="en-US" altLang="zh-CN" sz="2100" b="0" dirty="0" smtClean="0">
+                        <a:solidFill>
+                          <a:schemeClr val="tx1"/>
+                        </a:solidFill>
+                        <a:sym typeface="+mn-ea"/>
+                      </a:endParaRPr>
+                    </a:p>
+                    <a:p>
+                      <a:pPr algn="l">
+                        <a:buNone/>
+                      </a:pPr>
+                      <a:endParaRPr lang="zh-CN" altLang="en-US" dirty="0" smtClean="0">
+                        <a:solidFill>
+                          <a:schemeClr val="tx1"/>
+                        </a:solidFill>
+                      </a:endParaRPr>
+                    </a:p>
+                  </a:txBody>
+                  <a:tcPr>
+                    <a:solidFill>
+                      <a:schemeClr val="accent1">
+                        <a:lumMod val="40000"/>
+                        <a:lumOff val="60000"/>
+                      </a:schemeClr>
+                    </a:solidFill>
+                  </a:tcPr>
+                </a:tc>
+                <a:extLst>
+                  <a:ext uri="{0D108BD9-81ED-4DB2-BD59-A6C34878D82A}">
+                    <a16:rowId xmlns:a16="http://schemas.microsoft.com/office/drawing/2014/main" val="10003"/>
+                  </a:ext>
+                </a:extLst>
+              </a:tr>
+              <a:tr h="732790">
+                <a:tc>
+                  <a:txBody>
+                    <a:bodyPr/>
+                    <a:lstStyle/>
+                    <a:p>
+                      <a:pPr algn="l">
+                        <a:buNone/>
+                      </a:pPr>
+                      <a:r>
+                        <a:rPr lang="zh-CN" altLang="en-US" dirty="0" smtClean="0">
+                          <a:solidFill>
+                            <a:schemeClr val="tx1"/>
+                          </a:solidFill>
+                        </a:rPr>
+                        <a:t>江亮儒</a:t>
+                      </a:r>
+                    </a:p>
+                  </a:txBody>
+                  <a:tcPr>
+                    <a:solidFill>
+                      <a:schemeClr val="accent1">
+                        <a:lumMod val="40000"/>
+                        <a:lumOff val="60000"/>
+                      </a:schemeClr>
+                    </a:solidFill>
+                  </a:tcPr>
+                </a:tc>
+                <a:tc>
+                  <a:txBody>
+                    <a:bodyPr/>
+                    <a:lstStyle/>
+                    <a:p>
+                      <a:pPr algn="l">
+                        <a:buNone/>
+                      </a:pPr>
+                      <a:r>
+                        <a:rPr lang="en-US" altLang="zh-CN" sz="2100" dirty="0" smtClean="0">
+                          <a:solidFill>
+                            <a:schemeClr val="tx1"/>
+                          </a:solidFill>
+                          <a:sym typeface="+mn-ea"/>
+                        </a:rPr>
+                        <a:t>UML</a:t>
+                      </a:r>
+                      <a:r>
+                        <a:rPr lang="zh-CN" altLang="en-US" sz="2100" dirty="0" smtClean="0">
+                          <a:solidFill>
+                            <a:schemeClr val="tx1"/>
+                          </a:solidFill>
+                          <a:sym typeface="+mn-ea"/>
+                        </a:rPr>
+                        <a:t>使用情况部分</a:t>
+                      </a:r>
+                      <a:r>
+                        <a:rPr lang="en-US" altLang="zh-CN" sz="2100" dirty="0" smtClean="0">
+                          <a:solidFill>
+                            <a:schemeClr val="tx1"/>
+                          </a:solidFill>
+                          <a:sym typeface="+mn-ea"/>
+                        </a:rPr>
+                        <a:t>PPT</a:t>
+                      </a:r>
+                      <a:r>
+                        <a:rPr lang="zh-CN" altLang="en-US" sz="2100" dirty="0" smtClean="0">
+                          <a:solidFill>
+                            <a:schemeClr val="tx1"/>
+                          </a:solidFill>
+                          <a:sym typeface="+mn-ea"/>
+                        </a:rPr>
+                        <a:t>制作</a:t>
+                      </a:r>
+                    </a:p>
+                  </a:txBody>
+                  <a:tcPr>
+                    <a:solidFill>
+                      <a:schemeClr val="accent1">
+                        <a:lumMod val="40000"/>
+                        <a:lumOff val="60000"/>
+                      </a:schemeClr>
+                    </a:solidFill>
+                  </a:tcPr>
+                </a:tc>
+                <a:tc>
+                  <a:txBody>
+                    <a:bodyPr/>
+                    <a:lstStyle/>
+                    <a:p>
+                      <a:pPr algn="l">
+                        <a:buNone/>
+                      </a:pPr>
+                      <a:r>
+                        <a:rPr lang="en-US" altLang="zh-CN" dirty="0" smtClean="0">
+                          <a:solidFill>
+                            <a:schemeClr val="tx1"/>
+                          </a:solidFill>
+                        </a:rPr>
+                        <a:t>9.6</a:t>
+                      </a:r>
+                    </a:p>
+                  </a:txBody>
+                  <a:tcPr>
+                    <a:solidFill>
+                      <a:schemeClr val="accent1">
+                        <a:lumMod val="40000"/>
+                        <a:lumOff val="60000"/>
+                      </a:schemeClr>
+                    </a:solidFill>
+                  </a:tcPr>
+                </a:tc>
+                <a:extLst>
+                  <a:ext uri="{0D108BD9-81ED-4DB2-BD59-A6C34878D82A}">
+                    <a16:rowId xmlns:a16="http://schemas.microsoft.com/office/drawing/2014/main" val="10004"/>
+                  </a:ext>
+                </a:extLst>
+              </a:tr>
+            </a:tbl>
+          </a:graphicData>
+        </a:graphic>
+      </p:graphicFrame>
+    </p:spTree>
+  </p:cSld>
+  <p:clrMapOvr>
+    <a:masterClrMapping/>
+  </p:clrMapOvr>
+  <mc:AlternateContent xmlns:mc="http://schemas.openxmlformats.org/markup-compatibility/2006" xmlns:p14="http://schemas.microsoft.com/office/powerpoint/2010/main">
+    <mc:Choice Requires="p14">
+      <p:transition spd="slow" p14:dur="1200" advClick="0" advTm="0">
+        <p14:prism/>
+      </p:transition>
+    </mc:Choice>
+    <mc:Fallback xmlns="">
+      <p:transition spd="slow" advClick="0" advTm="0">
+        <p:fade/>
+      </p:transition>
+    </mc:Fallback>
+  </mc:AlternateContent>
+  <p:timing>
+    <p:tnLst>
+      <p:par>
+        <p:cTn id="1" dur="indefinite" restart="never" nodeType="tmRoot">
+          <p:childTnLst>
+            <p:seq concurrent="1" nextAc="seek">
+              <p:cTn id="2" dur="indefinite" nodeType="mainSeq">
+                <p:childTnLst>
+                  <p:par>
+                    <p:cTn id="3" fill="hold">
+                      <p:stCondLst>
+                        <p:cond delay="indefinite"/>
+                        <p:cond evt="onBegin" delay="0">
+                          <p:tn val="2"/>
+                        </p:cond>
+                      </p:stCondLst>
+                      <p:childTnLst>
+                        <p:par>
+                          <p:cTn id="4" fill="hold">
+                            <p:stCondLst>
+                              <p:cond delay="0"/>
+                            </p:stCondLst>
+                            <p:childTnLst>
+                              <p:par>
+                                <p:cTn id="5" presetID="2" presetClass="entr" presetSubtype="8" fill="hold" grpId="0" nodeType="afterEffect">
+                                  <p:stCondLst>
+                                    <p:cond delay="0"/>
+                                  </p:stCondLst>
+                                  <p:childTnLst>
+                                    <p:set>
+                                      <p:cBhvr>
+                                        <p:cTn id="6" dur="1" fill="hold">
+                                          <p:stCondLst>
+                                            <p:cond delay="0"/>
+                                          </p:stCondLst>
+                                        </p:cTn>
+                                        <p:tgtEl>
+                                          <p:spTgt spid="36"/>
+                                        </p:tgtEl>
+                                        <p:attrNameLst>
+                                          <p:attrName>style.visibility</p:attrName>
+                                        </p:attrNameLst>
+                                      </p:cBhvr>
+                                      <p:to>
+                                        <p:strVal val="visible"/>
+                                      </p:to>
+                                    </p:set>
+                                    <p:anim calcmode="lin" valueType="num">
+                                      <p:cBhvr additive="base">
+                                        <p:cTn id="7" dur="500" fill="hold"/>
+                                        <p:tgtEl>
+                                          <p:spTgt spid="36"/>
+                                        </p:tgtEl>
+                                        <p:attrNameLst>
+                                          <p:attrName>ppt_x</p:attrName>
+                                        </p:attrNameLst>
+                                      </p:cBhvr>
+                                      <p:tavLst>
+                                        <p:tav tm="0">
+                                          <p:val>
+                                            <p:strVal val="0-#ppt_w/2"/>
+                                          </p:val>
+                                        </p:tav>
+                                        <p:tav tm="100000">
+                                          <p:val>
+                                            <p:strVal val="#ppt_x"/>
+                                          </p:val>
+                                        </p:tav>
+                                      </p:tavLst>
+                                    </p:anim>
+                                    <p:anim calcmode="lin" valueType="num">
+                                      <p:cBhvr additive="base">
+                                        <p:cTn id="8" dur="500" fill="hold"/>
+                                        <p:tgtEl>
+                                          <p:spTgt spid="36"/>
+                                        </p:tgtEl>
+                                        <p:attrNameLst>
+                                          <p:attrName>ppt_y</p:attrName>
+                                        </p:attrNameLst>
+                                      </p:cBhvr>
+                                      <p:tavLst>
+                                        <p:tav tm="0">
+                                          <p:val>
+                                            <p:strVal val="#ppt_y"/>
+                                          </p:val>
+                                        </p:tav>
+                                        <p:tav tm="100000">
+                                          <p:val>
+                                            <p:strVal val="#ppt_y"/>
+                                          </p:val>
+                                        </p:tav>
+                                      </p:tavLst>
+                                    </p:anim>
+                                  </p:childTnLst>
+                                </p:cTn>
+                              </p:par>
+                            </p:childTnLst>
+                          </p:cTn>
+                        </p:par>
+                        <p:par>
+                          <p:cTn id="9" fill="hold">
+                            <p:stCondLst>
+                              <p:cond delay="500"/>
+                            </p:stCondLst>
+                            <p:childTnLst>
+                              <p:par>
+                                <p:cTn id="10" presetID="17" presetClass="entr" presetSubtype="1" fill="hold" grpId="0" nodeType="afterEffect">
+                                  <p:stCondLst>
+                                    <p:cond delay="0"/>
+                                  </p:stCondLst>
+                                  <p:iterate type="lt">
+                                    <p:tmPct val="40000"/>
+                                  </p:iterate>
+                                  <p:childTnLst>
+                                    <p:set>
+                                      <p:cBhvr>
+                                        <p:cTn id="11" dur="1" fill="hold">
+                                          <p:stCondLst>
+                                            <p:cond delay="0"/>
+                                          </p:stCondLst>
+                                        </p:cTn>
+                                        <p:tgtEl>
+                                          <p:spTgt spid="37"/>
+                                        </p:tgtEl>
+                                        <p:attrNameLst>
+                                          <p:attrName>style.visibility</p:attrName>
+                                        </p:attrNameLst>
+                                      </p:cBhvr>
+                                      <p:to>
+                                        <p:strVal val="visible"/>
+                                      </p:to>
+                                    </p:set>
+                                    <p:anim calcmode="lin" valueType="num">
+                                      <p:cBhvr>
+                                        <p:cTn id="12" dur="250" fill="hold"/>
+                                        <p:tgtEl>
+                                          <p:spTgt spid="37"/>
+                                        </p:tgtEl>
+                                        <p:attrNameLst>
+                                          <p:attrName>ppt_x</p:attrName>
+                                        </p:attrNameLst>
+                                      </p:cBhvr>
+                                      <p:tavLst>
+                                        <p:tav tm="0">
+                                          <p:val>
+                                            <p:strVal val="#ppt_x"/>
+                                          </p:val>
+                                        </p:tav>
+                                        <p:tav tm="100000">
+                                          <p:val>
+                                            <p:strVal val="#ppt_x"/>
+                                          </p:val>
+                                        </p:tav>
+                                      </p:tavLst>
+                                    </p:anim>
+                                    <p:anim calcmode="lin" valueType="num">
+                                      <p:cBhvr>
+                                        <p:cTn id="13" dur="250" fill="hold"/>
+                                        <p:tgtEl>
+                                          <p:spTgt spid="37"/>
+                                        </p:tgtEl>
+                                        <p:attrNameLst>
+                                          <p:attrName>ppt_y</p:attrName>
+                                        </p:attrNameLst>
+                                      </p:cBhvr>
+                                      <p:tavLst>
+                                        <p:tav tm="0">
+                                          <p:val>
+                                            <p:strVal val="#ppt_y-#ppt_h/2"/>
+                                          </p:val>
+                                        </p:tav>
+                                        <p:tav tm="100000">
+                                          <p:val>
+                                            <p:strVal val="#ppt_y"/>
+                                          </p:val>
+                                        </p:tav>
+                                      </p:tavLst>
+                                    </p:anim>
+                                    <p:anim calcmode="lin" valueType="num">
+                                      <p:cBhvr>
+                                        <p:cTn id="14" dur="250" fill="hold"/>
+                                        <p:tgtEl>
+                                          <p:spTgt spid="37"/>
+                                        </p:tgtEl>
+                                        <p:attrNameLst>
+                                          <p:attrName>ppt_w</p:attrName>
+                                        </p:attrNameLst>
+                                      </p:cBhvr>
+                                      <p:tavLst>
+                                        <p:tav tm="0">
+                                          <p:val>
+                                            <p:strVal val="#ppt_w"/>
+                                          </p:val>
+                                        </p:tav>
+                                        <p:tav tm="100000">
+                                          <p:val>
+                                            <p:strVal val="#ppt_w"/>
+                                          </p:val>
+                                        </p:tav>
+                                      </p:tavLst>
+                                    </p:anim>
+                                    <p:anim calcmode="lin" valueType="num">
+                                      <p:cBhvr>
+                                        <p:cTn id="15" dur="250" fill="hold"/>
+                                        <p:tgtEl>
+                                          <p:spTgt spid="37"/>
+                                        </p:tgtEl>
+                                        <p:attrNameLst>
+                                          <p:attrName>ppt_h</p:attrName>
+                                        </p:attrNameLst>
+                                      </p:cBhvr>
+                                      <p:tavLst>
+                                        <p:tav tm="0">
+                                          <p:val>
+                                            <p:fltVal val="0"/>
+                                          </p:val>
+                                        </p:tav>
+                                        <p:tav tm="100000">
+                                          <p:val>
+                                            <p:strVal val="#ppt_h"/>
+                                          </p:val>
+                                        </p:tav>
+                                      </p:tavLst>
+                                    </p:anim>
+                                  </p:childTnLst>
+                                </p:cTn>
+                              </p:par>
+                            </p:childTnLst>
+                          </p:cTn>
+                        </p:par>
+                      </p:childTnLst>
+                    </p:cTn>
+                  </p:par>
+                </p:childTnLst>
+              </p:cTn>
+              <p:prevCondLst>
+                <p:cond evt="onPrev" delay="0">
+                  <p:tgtEl>
+                    <p:sldTgt/>
+                  </p:tgtEl>
+                </p:cond>
+              </p:prevCondLst>
+              <p:nextCondLst>
+                <p:cond evt="onNext" delay="0">
+                  <p:tgtEl>
+                    <p:sldTgt/>
+                  </p:tgtEl>
+                </p:cond>
+              </p:nextCondLst>
+            </p:seq>
+          </p:childTnLst>
+        </p:cTn>
+      </p:par>
+    </p:tnLst>
+    <p:bldLst>
+      <p:bldP spid="36" grpId="0" bldLvl="0" animBg="1"/>
+      <p:bldP spid="37" grpId="0"/>
+    </p:bldLst>
+  </p:timing>
+</p:sld>
+</file>
+
+<file path=ppt/slides/slide22.xml><?xml version="1.0" encoding="utf-8"?>
 <p:sld xmlns:a="http://schemas.openxmlformats.org/drawingml/2006/main" xmlns:r="http://schemas.openxmlformats.org/officeDocument/2006/relationships" xmlns:p="http://schemas.openxmlformats.org/presentationml/2006/main">
   <p:cSld>
     <p:spTree>
@@ -12737,9 +13325,27 @@
             <a:tbl>
               <a:tblPr/>
               <a:tblGrid>
-                <a:gridCol w="3746953"/>
-                <a:gridCol w="3746953"/>
-                <a:gridCol w="3739342"/>
+                <a:gridCol w="3746953">
+                  <a:extLst>
+                    <a:ext uri="{9D8B030D-6E8A-4147-A177-3AD203B41FA5}">
+                      <a16:colId xmlns:a16="http://schemas.microsoft.com/office/drawing/2014/main" val="20000"/>
+                    </a:ext>
+                  </a:extLst>
+                </a:gridCol>
+                <a:gridCol w="3746953">
+                  <a:extLst>
+                    <a:ext uri="{9D8B030D-6E8A-4147-A177-3AD203B41FA5}">
+                      <a16:colId xmlns:a16="http://schemas.microsoft.com/office/drawing/2014/main" val="20001"/>
+                    </a:ext>
+                  </a:extLst>
+                </a:gridCol>
+                <a:gridCol w="3739342">
+                  <a:extLst>
+                    <a:ext uri="{9D8B030D-6E8A-4147-A177-3AD203B41FA5}">
+                      <a16:colId xmlns:a16="http://schemas.microsoft.com/office/drawing/2014/main" val="20002"/>
+                    </a:ext>
+                  </a:extLst>
+                </a:gridCol>
               </a:tblGrid>
               <a:tr h="335440">
                 <a:tc>
@@ -12949,6 +13555,11 @@
                     </a:solidFill>
                   </a:tcPr>
                 </a:tc>
+                <a:extLst>
+                  <a:ext uri="{0D108BD9-81ED-4DB2-BD59-A6C34878D82A}">
+                    <a16:rowId xmlns:a16="http://schemas.microsoft.com/office/drawing/2014/main" val="10000"/>
+                  </a:ext>
+                </a:extLst>
               </a:tr>
               <a:tr h="335440">
                 <a:tc>
@@ -13149,6 +13760,11 @@
                     </a:lnB>
                   </a:tcPr>
                 </a:tc>
+                <a:extLst>
+                  <a:ext uri="{0D108BD9-81ED-4DB2-BD59-A6C34878D82A}">
+                    <a16:rowId xmlns:a16="http://schemas.microsoft.com/office/drawing/2014/main" val="10001"/>
+                  </a:ext>
+                </a:extLst>
               </a:tr>
               <a:tr h="670881">
                 <a:tc>
@@ -13383,6 +13999,11 @@
                     </a:lnB>
                   </a:tcPr>
                 </a:tc>
+                <a:extLst>
+                  <a:ext uri="{0D108BD9-81ED-4DB2-BD59-A6C34878D82A}">
+                    <a16:rowId xmlns:a16="http://schemas.microsoft.com/office/drawing/2014/main" val="10002"/>
+                  </a:ext>
+                </a:extLst>
               </a:tr>
               <a:tr h="335440">
                 <a:tc>
@@ -13583,6 +14204,11 @@
                     </a:lnB>
                   </a:tcPr>
                 </a:tc>
+                <a:extLst>
+                  <a:ext uri="{0D108BD9-81ED-4DB2-BD59-A6C34878D82A}">
+                    <a16:rowId xmlns:a16="http://schemas.microsoft.com/office/drawing/2014/main" val="10003"/>
+                  </a:ext>
+                </a:extLst>
               </a:tr>
               <a:tr h="335440">
                 <a:tc>
@@ -13819,6 +14445,11 @@
                     </a:lnB>
                   </a:tcPr>
                 </a:tc>
+                <a:extLst>
+                  <a:ext uri="{0D108BD9-81ED-4DB2-BD59-A6C34878D82A}">
+                    <a16:rowId xmlns:a16="http://schemas.microsoft.com/office/drawing/2014/main" val="10004"/>
+                  </a:ext>
+                </a:extLst>
               </a:tr>
               <a:tr h="335440">
                 <a:tc>
@@ -14028,6 +14659,11 @@
                     </a:lnB>
                   </a:tcPr>
                 </a:tc>
+                <a:extLst>
+                  <a:ext uri="{0D108BD9-81ED-4DB2-BD59-A6C34878D82A}">
+                    <a16:rowId xmlns:a16="http://schemas.microsoft.com/office/drawing/2014/main" val="10005"/>
+                  </a:ext>
+                </a:extLst>
               </a:tr>
               <a:tr h="670881">
                 <a:tc>
@@ -14262,6 +14898,11 @@
                     </a:lnB>
                   </a:tcPr>
                 </a:tc>
+                <a:extLst>
+                  <a:ext uri="{0D108BD9-81ED-4DB2-BD59-A6C34878D82A}">
+                    <a16:rowId xmlns:a16="http://schemas.microsoft.com/office/drawing/2014/main" val="10006"/>
+                  </a:ext>
+                </a:extLst>
               </a:tr>
               <a:tr h="335440">
                 <a:tc>
@@ -14471,6 +15112,11 @@
                     </a:lnB>
                   </a:tcPr>
                 </a:tc>
+                <a:extLst>
+                  <a:ext uri="{0D108BD9-81ED-4DB2-BD59-A6C34878D82A}">
+                    <a16:rowId xmlns:a16="http://schemas.microsoft.com/office/drawing/2014/main" val="10007"/>
+                  </a:ext>
+                </a:extLst>
               </a:tr>
               <a:tr h="670881">
                 <a:tc>
@@ -14705,6 +15351,11 @@
                     </a:lnB>
                   </a:tcPr>
                 </a:tc>
+                <a:extLst>
+                  <a:ext uri="{0D108BD9-81ED-4DB2-BD59-A6C34878D82A}">
+                    <a16:rowId xmlns:a16="http://schemas.microsoft.com/office/drawing/2014/main" val="10008"/>
+                  </a:ext>
+                </a:extLst>
               </a:tr>
               <a:tr h="335440">
                 <a:tc>
@@ -14914,6 +15565,11 @@
                     </a:lnB>
                   </a:tcPr>
                 </a:tc>
+                <a:extLst>
+                  <a:ext uri="{0D108BD9-81ED-4DB2-BD59-A6C34878D82A}">
+                    <a16:rowId xmlns:a16="http://schemas.microsoft.com/office/drawing/2014/main" val="10009"/>
+                  </a:ext>
+                </a:extLst>
               </a:tr>
             </a:tbl>
           </a:graphicData>
@@ -16257,9 +16913,27 @@
             <a:tbl>
               <a:tblPr/>
               <a:tblGrid>
-                <a:gridCol w="3921620"/>
-                <a:gridCol w="3744260"/>
-                <a:gridCol w="3744260"/>
+                <a:gridCol w="3921620">
+                  <a:extLst>
+                    <a:ext uri="{9D8B030D-6E8A-4147-A177-3AD203B41FA5}">
+                      <a16:colId xmlns:a16="http://schemas.microsoft.com/office/drawing/2014/main" val="20000"/>
+                    </a:ext>
+                  </a:extLst>
+                </a:gridCol>
+                <a:gridCol w="3744260">
+                  <a:extLst>
+                    <a:ext uri="{9D8B030D-6E8A-4147-A177-3AD203B41FA5}">
+                      <a16:colId xmlns:a16="http://schemas.microsoft.com/office/drawing/2014/main" val="20001"/>
+                    </a:ext>
+                  </a:extLst>
+                </a:gridCol>
+                <a:gridCol w="3744260">
+                  <a:extLst>
+                    <a:ext uri="{9D8B030D-6E8A-4147-A177-3AD203B41FA5}">
+                      <a16:colId xmlns:a16="http://schemas.microsoft.com/office/drawing/2014/main" val="20002"/>
+                    </a:ext>
+                  </a:extLst>
+                </a:gridCol>
               </a:tblGrid>
               <a:tr h="750863">
                 <a:tc>
@@ -16440,6 +17114,11 @@
                     </a:solidFill>
                   </a:tcPr>
                 </a:tc>
+                <a:extLst>
+                  <a:ext uri="{0D108BD9-81ED-4DB2-BD59-A6C34878D82A}">
+                    <a16:rowId xmlns:a16="http://schemas.microsoft.com/office/drawing/2014/main" val="10000"/>
+                  </a:ext>
+                </a:extLst>
               </a:tr>
               <a:tr h="1064046">
                 <a:tc rowSpan="2">
@@ -16613,6 +17292,11 @@
                     </a:solidFill>
                   </a:tcPr>
                 </a:tc>
+                <a:extLst>
+                  <a:ext uri="{0D108BD9-81ED-4DB2-BD59-A6C34878D82A}">
+                    <a16:rowId xmlns:a16="http://schemas.microsoft.com/office/drawing/2014/main" val="10001"/>
+                  </a:ext>
+                </a:extLst>
               </a:tr>
               <a:tr h="1064046">
                 <a:tc vMerge="1">
@@ -16739,6 +17423,11 @@
                     </a:solidFill>
                   </a:tcPr>
                 </a:tc>
+                <a:extLst>
+                  <a:ext uri="{0D108BD9-81ED-4DB2-BD59-A6C34878D82A}">
+                    <a16:rowId xmlns:a16="http://schemas.microsoft.com/office/drawing/2014/main" val="10002"/>
+                  </a:ext>
+                </a:extLst>
               </a:tr>
               <a:tr h="750863">
                 <a:tc rowSpan="2">
@@ -16912,6 +17601,11 @@
                     </a:solidFill>
                   </a:tcPr>
                 </a:tc>
+                <a:extLst>
+                  <a:ext uri="{0D108BD9-81ED-4DB2-BD59-A6C34878D82A}">
+                    <a16:rowId xmlns:a16="http://schemas.microsoft.com/office/drawing/2014/main" val="10003"/>
+                  </a:ext>
+                </a:extLst>
               </a:tr>
               <a:tr h="750863">
                 <a:tc vMerge="1">
@@ -17038,6 +17732,11 @@
                     </a:solidFill>
                   </a:tcPr>
                 </a:tc>
+                <a:extLst>
+                  <a:ext uri="{0D108BD9-81ED-4DB2-BD59-A6C34878D82A}">
+                    <a16:rowId xmlns:a16="http://schemas.microsoft.com/office/drawing/2014/main" val="10004"/>
+                  </a:ext>
+                </a:extLst>
               </a:tr>
             </a:tbl>
           </a:graphicData>
@@ -18954,7 +19653,7 @@
           <a:graphicData uri="http://schemas.openxmlformats.org/presentationml/2006/ole">
             <mc:AlternateContent xmlns:mc="http://schemas.openxmlformats.org/markup-compatibility/2006">
               <mc:Choice xmlns:v="urn:schemas-microsoft-com:vml" Requires="v">
-                <p:oleObj spid="_x0000_s12296" name="Visio" r:id="rId3" imgW="2147074" imgH="4707139" progId="Visio.Drawing.15">
+                <p:oleObj spid="_x0000_s12308" name="Visio" r:id="rId3" imgW="2147074" imgH="4707139" progId="Visio.Drawing.15">
                   <p:embed/>
                 </p:oleObj>
               </mc:Choice>
@@ -19011,7 +19710,7 @@
           <a:graphicData uri="http://schemas.openxmlformats.org/presentationml/2006/ole">
             <mc:AlternateContent xmlns:mc="http://schemas.openxmlformats.org/markup-compatibility/2006">
               <mc:Choice xmlns:v="urn:schemas-microsoft-com:vml" Requires="v">
-                <p:oleObj spid="_x0000_s12297" name="Visio" r:id="rId5" imgW="1137000" imgH="3633713" progId="Visio.Drawing.15">
+                <p:oleObj spid="_x0000_s12309" name="Visio" r:id="rId5" imgW="1137000" imgH="3633713" progId="Visio.Drawing.15">
                   <p:embed/>
                 </p:oleObj>
               </mc:Choice>
@@ -19068,7 +19767,7 @@
           <a:graphicData uri="http://schemas.openxmlformats.org/presentationml/2006/ole">
             <mc:AlternateContent xmlns:mc="http://schemas.openxmlformats.org/markup-compatibility/2006">
               <mc:Choice xmlns:v="urn:schemas-microsoft-com:vml" Requires="v">
-                <p:oleObj spid="_x0000_s12298" name="Visio" r:id="rId7" imgW="1510674" imgH="6695080" progId="Visio.Drawing.15">
+                <p:oleObj spid="_x0000_s12310" name="Visio" r:id="rId7" imgW="1510674" imgH="6695080" progId="Visio.Drawing.15">
                   <p:embed/>
                 </p:oleObj>
               </mc:Choice>
@@ -19408,7 +20107,7 @@
   <a:extraClrSchemeLst/>
   <a:extLst>
     <a:ext uri="{05A4C25C-085E-4340-85A3-A5531E510DB2}">
-      <thm15:themeFamily xmlns:thm15="http://schemas.microsoft.com/office/thememl/2012/main" xmlns="" name="Office Theme" id="{62F939B6-93AF-4DB8-9C6B-D6C7DFDC589F}" vid="{4A3C46E8-61CC-4603-A589-7422A47A8E4A}"/>
+      <thm15:themeFamily xmlns:thm15="http://schemas.microsoft.com/office/thememl/2012/main" name="Office Theme" id="{62F939B6-93AF-4DB8-9C6B-D6C7DFDC589F}" vid="{4A3C46E8-61CC-4603-A589-7422A47A8E4A}"/>
     </a:ext>
   </a:extLst>
 </a:theme>
@@ -19698,7 +20397,7 @@
   <a:extraClrSchemeLst/>
   <a:extLst>
     <a:ext uri="{05A4C25C-085E-4340-85A3-A5531E510DB2}">
-      <thm15:themeFamily xmlns:thm15="http://schemas.microsoft.com/office/thememl/2012/main" xmlns="" name="Office Theme" id="{62F939B6-93AF-4DB8-9C6B-D6C7DFDC589F}" vid="{4A3C46E8-61CC-4603-A589-7422A47A8E4A}"/>
+      <thm15:themeFamily xmlns:thm15="http://schemas.microsoft.com/office/thememl/2012/main" name="Office Theme" id="{62F939B6-93AF-4DB8-9C6B-D6C7DFDC589F}" vid="{4A3C46E8-61CC-4603-A589-7422A47A8E4A}"/>
     </a:ext>
   </a:extLst>
 </a:theme>
@@ -19988,7 +20687,7 @@
   <a:extraClrSchemeLst/>
   <a:extLst>
     <a:ext uri="{05A4C25C-085E-4340-85A3-A5531E510DB2}">
-      <thm15:themeFamily xmlns:thm15="http://schemas.microsoft.com/office/thememl/2012/main" xmlns="" name="Office Theme" id="{62F939B6-93AF-4DB8-9C6B-D6C7DFDC589F}" vid="{4A3C46E8-61CC-4603-A589-7422A47A8E4A}"/>
+      <thm15:themeFamily xmlns:thm15="http://schemas.microsoft.com/office/thememl/2012/main" name="Office Theme" id="{62F939B6-93AF-4DB8-9C6B-D6C7DFDC589F}" vid="{4A3C46E8-61CC-4603-A589-7422A47A8E4A}"/>
     </a:ext>
   </a:extLst>
 </a:theme>

--- a/受控文档/00-PPT/PRD2018-G11-UML基础4综合应用和问题解答.pptx
+++ b/受控文档/00-PPT/PRD2018-G11-UML基础4综合应用和问题解答.pptx
@@ -5,10 +5,10 @@
     <p:sldMasterId id="2147483648" r:id="rId1"/>
   </p:sldMasterIdLst>
   <p:notesMasterIdLst>
-    <p:notesMasterId r:id="rId24"/>
+    <p:notesMasterId r:id="rId26"/>
   </p:notesMasterIdLst>
   <p:handoutMasterIdLst>
-    <p:handoutMasterId r:id="rId25"/>
+    <p:handoutMasterId r:id="rId27"/>
   </p:handoutMasterIdLst>
   <p:sldIdLst>
     <p:sldId id="370" r:id="rId2"/>
@@ -30,9 +30,11 @@
     <p:sldId id="641" r:id="rId18"/>
     <p:sldId id="648" r:id="rId19"/>
     <p:sldId id="649" r:id="rId20"/>
-    <p:sldId id="455" r:id="rId21"/>
-    <p:sldId id="532" r:id="rId22"/>
-    <p:sldId id="436" r:id="rId23"/>
+    <p:sldId id="650" r:id="rId21"/>
+    <p:sldId id="455" r:id="rId22"/>
+    <p:sldId id="532" r:id="rId23"/>
+    <p:sldId id="651" r:id="rId24"/>
+    <p:sldId id="436" r:id="rId25"/>
   </p:sldIdLst>
   <p:sldSz cx="12190413" cy="6859588"/>
   <p:notesSz cx="6858000" cy="9144000"/>
@@ -133,7 +135,7 @@
   </p:defaultTextStyle>
   <p:extLst>
     <p:ext uri="{EFAFB233-063F-42B5-8137-9DF3F51BA10A}">
-      <p15:sldGuideLst xmlns:p15="http://schemas.microsoft.com/office/powerpoint/2012/main">
+      <p15:sldGuideLst xmlns:p15="http://schemas.microsoft.com/office/powerpoint/2012/main" xmlns="">
         <p15:guide id="1" orient="horz" pos="2228">
           <p15:clr>
             <a:srgbClr val="A4A3A4"/>
@@ -162,7 +164,7 @@
       </p15:sldGuideLst>
     </p:ext>
     <p:ext uri="{2D200454-40CA-4A62-9FC3-DE9A4176ACB9}">
-      <p15:notesGuideLst xmlns:p15="http://schemas.microsoft.com/office/powerpoint/2012/main">
+      <p15:notesGuideLst xmlns:p15="http://schemas.microsoft.com/office/powerpoint/2012/main" xmlns="">
         <p15:guide id="1" orient="horz" pos="2969">
           <p15:clr>
             <a:srgbClr val="A4A3A4"/>
@@ -177,6 +179,1526 @@
     </p:ext>
   </p:extLst>
 </p:presentation>
+</file>
+
+<file path=ppt/charts/chart1.xml><?xml version="1.0" encoding="utf-8"?>
+<c:chartSpace xmlns:c="http://schemas.openxmlformats.org/drawingml/2006/chart" xmlns:a="http://schemas.openxmlformats.org/drawingml/2006/main" xmlns:r="http://schemas.openxmlformats.org/officeDocument/2006/relationships">
+  <c:date1904 val="0"/>
+  <c:lang val="zh-CN"/>
+  <c:roundedCorners val="0"/>
+  <mc:AlternateContent xmlns:mc="http://schemas.openxmlformats.org/markup-compatibility/2006">
+    <mc:Choice xmlns:c14="http://schemas.microsoft.com/office/drawing/2007/8/2/chart" Requires="c14">
+      <c14:style val="102"/>
+    </mc:Choice>
+    <mc:Fallback>
+      <c:style val="2"/>
+    </mc:Fallback>
+  </mc:AlternateContent>
+  <c:chart>
+    <c:autoTitleDeleted val="1"/>
+    <c:plotArea>
+      <c:layout/>
+      <c:radarChart>
+        <c:radarStyle val="marker"/>
+        <c:varyColors val="0"/>
+        <c:ser>
+          <c:idx val="0"/>
+          <c:order val="0"/>
+          <c:tx>
+            <c:strRef>
+              <c:f>Sheet1!$B$1</c:f>
+              <c:strCache>
+                <c:ptCount val="1"/>
+                <c:pt idx="0">
+                  <c:v>平均</c:v>
+                </c:pt>
+              </c:strCache>
+            </c:strRef>
+          </c:tx>
+          <c:spPr>
+            <a:ln w="57150" cap="rnd" cmpd="sng" algn="ctr">
+              <a:solidFill>
+                <a:schemeClr val="accent1">
+                  <a:shade val="95000"/>
+                  <a:satMod val="105000"/>
+                </a:schemeClr>
+              </a:solidFill>
+              <a:prstDash val="solid"/>
+              <a:round/>
+            </a:ln>
+          </c:spPr>
+          <c:marker>
+            <c:symbol val="none"/>
+          </c:marker>
+          <c:cat>
+            <c:strRef>
+              <c:f>Sheet1!$A$2:$A$6</c:f>
+              <c:strCache>
+                <c:ptCount val="5"/>
+                <c:pt idx="0">
+                  <c:v>质量</c:v>
+                </c:pt>
+                <c:pt idx="1">
+                  <c:v>效率</c:v>
+                </c:pt>
+                <c:pt idx="2">
+                  <c:v>态度</c:v>
+                </c:pt>
+                <c:pt idx="3">
+                  <c:v>工作量</c:v>
+                </c:pt>
+                <c:pt idx="4">
+                  <c:v>纪律</c:v>
+                </c:pt>
+              </c:strCache>
+            </c:strRef>
+          </c:cat>
+          <c:val>
+            <c:numRef>
+              <c:f>Sheet1!$B$2:$B$6</c:f>
+              <c:numCache>
+                <c:formatCode>General</c:formatCode>
+                <c:ptCount val="5"/>
+                <c:pt idx="0">
+                  <c:v>8</c:v>
+                </c:pt>
+                <c:pt idx="1">
+                  <c:v>8.6</c:v>
+                </c:pt>
+                <c:pt idx="2">
+                  <c:v>10</c:v>
+                </c:pt>
+                <c:pt idx="3">
+                  <c:v>7.6</c:v>
+                </c:pt>
+                <c:pt idx="4">
+                  <c:v>10</c:v>
+                </c:pt>
+              </c:numCache>
+            </c:numRef>
+          </c:val>
+          <c:extLst xmlns:c16r2="http://schemas.microsoft.com/office/drawing/2015/06/chart">
+            <c:ext xmlns:c16="http://schemas.microsoft.com/office/drawing/2014/chart" uri="{C3380CC4-5D6E-409C-BE32-E72D297353CC}">
+              <c16:uniqueId val="{00000000-0A6B-412A-A426-904E57EA6678}"/>
+            </c:ext>
+          </c:extLst>
+        </c:ser>
+        <c:ser>
+          <c:idx val="1"/>
+          <c:order val="1"/>
+          <c:tx>
+            <c:strRef>
+              <c:f>Sheet1!$C$1</c:f>
+              <c:strCache>
+                <c:ptCount val="1"/>
+                <c:pt idx="0">
+                  <c:v>江亮儒</c:v>
+                </c:pt>
+              </c:strCache>
+            </c:strRef>
+          </c:tx>
+          <c:spPr>
+            <a:ln w="57150" cap="rnd" cmpd="sng" algn="ctr">
+              <a:solidFill>
+                <a:srgbClr val="00B0F0"/>
+              </a:solidFill>
+              <a:prstDash val="solid"/>
+              <a:round/>
+            </a:ln>
+          </c:spPr>
+          <c:marker>
+            <c:symbol val="none"/>
+          </c:marker>
+          <c:cat>
+            <c:strRef>
+              <c:f>Sheet1!$A$2:$A$6</c:f>
+              <c:strCache>
+                <c:ptCount val="5"/>
+                <c:pt idx="0">
+                  <c:v>质量</c:v>
+                </c:pt>
+                <c:pt idx="1">
+                  <c:v>效率</c:v>
+                </c:pt>
+                <c:pt idx="2">
+                  <c:v>态度</c:v>
+                </c:pt>
+                <c:pt idx="3">
+                  <c:v>工作量</c:v>
+                </c:pt>
+                <c:pt idx="4">
+                  <c:v>纪律</c:v>
+                </c:pt>
+              </c:strCache>
+            </c:strRef>
+          </c:cat>
+          <c:val>
+            <c:numRef>
+              <c:f>Sheet1!$C$2:$C$6</c:f>
+              <c:numCache>
+                <c:formatCode>General</c:formatCode>
+                <c:ptCount val="5"/>
+                <c:pt idx="0">
+                  <c:v>8</c:v>
+                </c:pt>
+                <c:pt idx="1">
+                  <c:v>8</c:v>
+                </c:pt>
+                <c:pt idx="2">
+                  <c:v>10</c:v>
+                </c:pt>
+                <c:pt idx="3">
+                  <c:v>8</c:v>
+                </c:pt>
+                <c:pt idx="4">
+                  <c:v>10</c:v>
+                </c:pt>
+              </c:numCache>
+            </c:numRef>
+          </c:val>
+          <c:extLst xmlns:c16r2="http://schemas.microsoft.com/office/drawing/2015/06/chart">
+            <c:ext xmlns:c16="http://schemas.microsoft.com/office/drawing/2014/chart" uri="{C3380CC4-5D6E-409C-BE32-E72D297353CC}">
+              <c16:uniqueId val="{00000001-0A6B-412A-A426-904E57EA6678}"/>
+            </c:ext>
+          </c:extLst>
+        </c:ser>
+        <c:dLbls>
+          <c:showLegendKey val="0"/>
+          <c:showVal val="0"/>
+          <c:showCatName val="0"/>
+          <c:showSerName val="0"/>
+          <c:showPercent val="0"/>
+          <c:showBubbleSize val="0"/>
+        </c:dLbls>
+        <c:axId val="448069120"/>
+        <c:axId val="428583744"/>
+      </c:radarChart>
+      <c:catAx>
+        <c:axId val="448069120"/>
+        <c:scaling>
+          <c:orientation val="minMax"/>
+        </c:scaling>
+        <c:delete val="0"/>
+        <c:axPos val="b"/>
+        <c:majorGridlines/>
+        <c:numFmt formatCode="General" sourceLinked="1"/>
+        <c:majorTickMark val="out"/>
+        <c:minorTickMark val="none"/>
+        <c:tickLblPos val="nextTo"/>
+        <c:txPr>
+          <a:bodyPr rot="-60000000" spcFirstLastPara="0" vertOverflow="ellipsis" vert="horz" wrap="square" anchor="ctr" anchorCtr="1"/>
+          <a:lstStyle/>
+          <a:p>
+            <a:pPr>
+              <a:defRPr lang="zh-CN" sz="1800" b="0" i="0" u="none" strike="noStrike" kern="1200" baseline="0">
+                <a:solidFill>
+                  <a:schemeClr val="tx1"/>
+                </a:solidFill>
+                <a:latin typeface="+mn-lt"/>
+                <a:ea typeface="+mn-ea"/>
+                <a:cs typeface="+mn-cs"/>
+              </a:defRPr>
+            </a:pPr>
+            <a:endParaRPr lang="zh-CN"/>
+          </a:p>
+        </c:txPr>
+        <c:crossAx val="428583744"/>
+        <c:crosses val="autoZero"/>
+        <c:auto val="1"/>
+        <c:lblAlgn val="ctr"/>
+        <c:lblOffset val="100"/>
+        <c:noMultiLvlLbl val="0"/>
+      </c:catAx>
+      <c:valAx>
+        <c:axId val="428583744"/>
+        <c:scaling>
+          <c:orientation val="minMax"/>
+        </c:scaling>
+        <c:delete val="0"/>
+        <c:axPos val="l"/>
+        <c:majorGridlines/>
+        <c:numFmt formatCode="General" sourceLinked="1"/>
+        <c:majorTickMark val="cross"/>
+        <c:minorTickMark val="none"/>
+        <c:tickLblPos val="nextTo"/>
+        <c:txPr>
+          <a:bodyPr rot="-60000000" spcFirstLastPara="0" vertOverflow="ellipsis" vert="horz" wrap="square" anchor="ctr" anchorCtr="1"/>
+          <a:lstStyle/>
+          <a:p>
+            <a:pPr>
+              <a:defRPr lang="zh-CN" sz="1800" b="0" i="0" u="none" strike="noStrike" kern="1200" baseline="0">
+                <a:solidFill>
+                  <a:schemeClr val="tx1"/>
+                </a:solidFill>
+                <a:latin typeface="+mn-lt"/>
+                <a:ea typeface="+mn-ea"/>
+                <a:cs typeface="+mn-cs"/>
+              </a:defRPr>
+            </a:pPr>
+            <a:endParaRPr lang="zh-CN"/>
+          </a:p>
+        </c:txPr>
+        <c:crossAx val="448069120"/>
+        <c:crosses val="autoZero"/>
+        <c:crossBetween val="between"/>
+      </c:valAx>
+    </c:plotArea>
+    <c:legend>
+      <c:legendPos val="r"/>
+      <c:layout/>
+      <c:overlay val="0"/>
+      <c:txPr>
+        <a:bodyPr rot="0" spcFirstLastPara="0" vertOverflow="ellipsis" vert="horz" wrap="square" anchor="ctr" anchorCtr="1"/>
+        <a:lstStyle/>
+        <a:p>
+          <a:pPr>
+            <a:defRPr lang="zh-CN" sz="1800" b="0" i="0" u="none" strike="noStrike" kern="1200" baseline="0">
+              <a:solidFill>
+                <a:schemeClr val="tx1"/>
+              </a:solidFill>
+              <a:latin typeface="+mn-lt"/>
+              <a:ea typeface="+mn-ea"/>
+              <a:cs typeface="+mn-cs"/>
+            </a:defRPr>
+          </a:pPr>
+          <a:endParaRPr lang="zh-CN"/>
+        </a:p>
+      </c:txPr>
+    </c:legend>
+    <c:plotVisOnly val="1"/>
+    <c:dispBlanksAs val="gap"/>
+    <c:showDLblsOverMax val="0"/>
+  </c:chart>
+  <c:txPr>
+    <a:bodyPr/>
+    <a:lstStyle/>
+    <a:p>
+      <a:pPr>
+        <a:defRPr lang="zh-CN" sz="1800"/>
+      </a:pPr>
+      <a:endParaRPr lang="zh-CN"/>
+    </a:p>
+  </c:txPr>
+  <c:externalData r:id="rId1">
+    <c:autoUpdate val="0"/>
+  </c:externalData>
+</c:chartSpace>
+</file>
+
+<file path=ppt/charts/chart2.xml><?xml version="1.0" encoding="utf-8"?>
+<c:chartSpace xmlns:c="http://schemas.openxmlformats.org/drawingml/2006/chart" xmlns:a="http://schemas.openxmlformats.org/drawingml/2006/main" xmlns:r="http://schemas.openxmlformats.org/officeDocument/2006/relationships">
+  <c:date1904 val="0"/>
+  <c:lang val="zh-CN"/>
+  <c:roundedCorners val="0"/>
+  <mc:AlternateContent xmlns:mc="http://schemas.openxmlformats.org/markup-compatibility/2006">
+    <mc:Choice xmlns:c14="http://schemas.microsoft.com/office/drawing/2007/8/2/chart" Requires="c14">
+      <c14:style val="102"/>
+    </mc:Choice>
+    <mc:Fallback>
+      <c:style val="2"/>
+    </mc:Fallback>
+  </mc:AlternateContent>
+  <c:chart>
+    <c:autoTitleDeleted val="1"/>
+    <c:plotArea>
+      <c:layout/>
+      <c:radarChart>
+        <c:radarStyle val="marker"/>
+        <c:varyColors val="0"/>
+        <c:ser>
+          <c:idx val="0"/>
+          <c:order val="0"/>
+          <c:tx>
+            <c:strRef>
+              <c:f>Sheet1!$B$1</c:f>
+              <c:strCache>
+                <c:ptCount val="1"/>
+                <c:pt idx="0">
+                  <c:v>平均</c:v>
+                </c:pt>
+              </c:strCache>
+            </c:strRef>
+          </c:tx>
+          <c:spPr>
+            <a:ln w="57150" cap="rnd" cmpd="sng" algn="ctr">
+              <a:solidFill>
+                <a:schemeClr val="accent1">
+                  <a:shade val="95000"/>
+                  <a:satMod val="105000"/>
+                </a:schemeClr>
+              </a:solidFill>
+              <a:prstDash val="solid"/>
+              <a:round/>
+            </a:ln>
+          </c:spPr>
+          <c:marker>
+            <c:symbol val="none"/>
+          </c:marker>
+          <c:cat>
+            <c:strRef>
+              <c:f>Sheet1!$A$2:$A$6</c:f>
+              <c:strCache>
+                <c:ptCount val="5"/>
+                <c:pt idx="0">
+                  <c:v>质量</c:v>
+                </c:pt>
+                <c:pt idx="1">
+                  <c:v>效率</c:v>
+                </c:pt>
+                <c:pt idx="2">
+                  <c:v>态度</c:v>
+                </c:pt>
+                <c:pt idx="3">
+                  <c:v>工作量</c:v>
+                </c:pt>
+                <c:pt idx="4">
+                  <c:v>纪律</c:v>
+                </c:pt>
+              </c:strCache>
+            </c:strRef>
+          </c:cat>
+          <c:val>
+            <c:numRef>
+              <c:f>Sheet1!$B$2:$B$6</c:f>
+              <c:numCache>
+                <c:formatCode>General</c:formatCode>
+                <c:ptCount val="5"/>
+                <c:pt idx="0">
+                  <c:v>8</c:v>
+                </c:pt>
+                <c:pt idx="1">
+                  <c:v>8.6</c:v>
+                </c:pt>
+                <c:pt idx="2">
+                  <c:v>10</c:v>
+                </c:pt>
+                <c:pt idx="3">
+                  <c:v>7.6</c:v>
+                </c:pt>
+                <c:pt idx="4">
+                  <c:v>10</c:v>
+                </c:pt>
+              </c:numCache>
+            </c:numRef>
+          </c:val>
+          <c:extLst xmlns:c16r2="http://schemas.microsoft.com/office/drawing/2015/06/chart">
+            <c:ext xmlns:c16="http://schemas.microsoft.com/office/drawing/2014/chart" uri="{C3380CC4-5D6E-409C-BE32-E72D297353CC}">
+              <c16:uniqueId val="{00000000-EE54-417E-8722-5022D27C7755}"/>
+            </c:ext>
+          </c:extLst>
+        </c:ser>
+        <c:ser>
+          <c:idx val="1"/>
+          <c:order val="1"/>
+          <c:tx>
+            <c:strRef>
+              <c:f>Sheet1!$C$1</c:f>
+              <c:strCache>
+                <c:ptCount val="1"/>
+                <c:pt idx="0">
+                  <c:v>蔡峰</c:v>
+                </c:pt>
+              </c:strCache>
+            </c:strRef>
+          </c:tx>
+          <c:spPr>
+            <a:ln w="57150" cap="rnd" cmpd="sng" algn="ctr">
+              <a:solidFill>
+                <a:srgbClr val="00B0F0"/>
+              </a:solidFill>
+              <a:prstDash val="solid"/>
+              <a:round/>
+            </a:ln>
+          </c:spPr>
+          <c:marker>
+            <c:symbol val="none"/>
+          </c:marker>
+          <c:cat>
+            <c:strRef>
+              <c:f>Sheet1!$A$2:$A$6</c:f>
+              <c:strCache>
+                <c:ptCount val="5"/>
+                <c:pt idx="0">
+                  <c:v>质量</c:v>
+                </c:pt>
+                <c:pt idx="1">
+                  <c:v>效率</c:v>
+                </c:pt>
+                <c:pt idx="2">
+                  <c:v>态度</c:v>
+                </c:pt>
+                <c:pt idx="3">
+                  <c:v>工作量</c:v>
+                </c:pt>
+                <c:pt idx="4">
+                  <c:v>纪律</c:v>
+                </c:pt>
+              </c:strCache>
+            </c:strRef>
+          </c:cat>
+          <c:val>
+            <c:numRef>
+              <c:f>Sheet1!$C$2:$C$6</c:f>
+              <c:numCache>
+                <c:formatCode>General</c:formatCode>
+                <c:ptCount val="5"/>
+                <c:pt idx="0">
+                  <c:v>7</c:v>
+                </c:pt>
+                <c:pt idx="1">
+                  <c:v>9</c:v>
+                </c:pt>
+                <c:pt idx="2">
+                  <c:v>10</c:v>
+                </c:pt>
+                <c:pt idx="3">
+                  <c:v>7</c:v>
+                </c:pt>
+                <c:pt idx="4">
+                  <c:v>10</c:v>
+                </c:pt>
+              </c:numCache>
+            </c:numRef>
+          </c:val>
+          <c:extLst xmlns:c16r2="http://schemas.microsoft.com/office/drawing/2015/06/chart">
+            <c:ext xmlns:c16="http://schemas.microsoft.com/office/drawing/2014/chart" uri="{C3380CC4-5D6E-409C-BE32-E72D297353CC}">
+              <c16:uniqueId val="{00000001-EE54-417E-8722-5022D27C7755}"/>
+            </c:ext>
+          </c:extLst>
+        </c:ser>
+        <c:dLbls>
+          <c:showLegendKey val="0"/>
+          <c:showVal val="0"/>
+          <c:showCatName val="0"/>
+          <c:showSerName val="0"/>
+          <c:showPercent val="0"/>
+          <c:showBubbleSize val="0"/>
+        </c:dLbls>
+        <c:axId val="408513024"/>
+        <c:axId val="428584896"/>
+      </c:radarChart>
+      <c:catAx>
+        <c:axId val="408513024"/>
+        <c:scaling>
+          <c:orientation val="minMax"/>
+        </c:scaling>
+        <c:delete val="0"/>
+        <c:axPos val="b"/>
+        <c:majorGridlines/>
+        <c:numFmt formatCode="General" sourceLinked="1"/>
+        <c:majorTickMark val="out"/>
+        <c:minorTickMark val="none"/>
+        <c:tickLblPos val="nextTo"/>
+        <c:txPr>
+          <a:bodyPr rot="-60000000" spcFirstLastPara="0" vertOverflow="ellipsis" vert="horz" wrap="square" anchor="ctr" anchorCtr="1"/>
+          <a:lstStyle/>
+          <a:p>
+            <a:pPr>
+              <a:defRPr lang="zh-CN" sz="1800" b="0" i="0" u="none" strike="noStrike" kern="1200" baseline="0">
+                <a:solidFill>
+                  <a:schemeClr val="tx1"/>
+                </a:solidFill>
+                <a:latin typeface="+mn-lt"/>
+                <a:ea typeface="+mn-ea"/>
+                <a:cs typeface="+mn-cs"/>
+              </a:defRPr>
+            </a:pPr>
+            <a:endParaRPr lang="zh-CN"/>
+          </a:p>
+        </c:txPr>
+        <c:crossAx val="428584896"/>
+        <c:crosses val="autoZero"/>
+        <c:auto val="1"/>
+        <c:lblAlgn val="ctr"/>
+        <c:lblOffset val="100"/>
+        <c:noMultiLvlLbl val="0"/>
+      </c:catAx>
+      <c:valAx>
+        <c:axId val="428584896"/>
+        <c:scaling>
+          <c:orientation val="minMax"/>
+        </c:scaling>
+        <c:delete val="0"/>
+        <c:axPos val="l"/>
+        <c:majorGridlines/>
+        <c:numFmt formatCode="General" sourceLinked="1"/>
+        <c:majorTickMark val="cross"/>
+        <c:minorTickMark val="none"/>
+        <c:tickLblPos val="nextTo"/>
+        <c:txPr>
+          <a:bodyPr rot="-60000000" spcFirstLastPara="0" vertOverflow="ellipsis" vert="horz" wrap="square" anchor="ctr" anchorCtr="1"/>
+          <a:lstStyle/>
+          <a:p>
+            <a:pPr>
+              <a:defRPr lang="zh-CN" sz="1800" b="0" i="0" u="none" strike="noStrike" kern="1200" baseline="0">
+                <a:solidFill>
+                  <a:schemeClr val="tx1"/>
+                </a:solidFill>
+                <a:latin typeface="+mn-lt"/>
+                <a:ea typeface="+mn-ea"/>
+                <a:cs typeface="+mn-cs"/>
+              </a:defRPr>
+            </a:pPr>
+            <a:endParaRPr lang="zh-CN"/>
+          </a:p>
+        </c:txPr>
+        <c:crossAx val="408513024"/>
+        <c:crosses val="autoZero"/>
+        <c:crossBetween val="between"/>
+      </c:valAx>
+    </c:plotArea>
+    <c:legend>
+      <c:legendPos val="r"/>
+      <c:layout/>
+      <c:overlay val="0"/>
+      <c:txPr>
+        <a:bodyPr rot="0" spcFirstLastPara="0" vertOverflow="ellipsis" vert="horz" wrap="square" anchor="ctr" anchorCtr="1"/>
+        <a:lstStyle/>
+        <a:p>
+          <a:pPr>
+            <a:defRPr lang="zh-CN" sz="1800" b="0" i="0" u="none" strike="noStrike" kern="1200" baseline="0">
+              <a:solidFill>
+                <a:schemeClr val="tx1"/>
+              </a:solidFill>
+              <a:latin typeface="+mn-lt"/>
+              <a:ea typeface="+mn-ea"/>
+              <a:cs typeface="+mn-cs"/>
+            </a:defRPr>
+          </a:pPr>
+          <a:endParaRPr lang="zh-CN"/>
+        </a:p>
+      </c:txPr>
+    </c:legend>
+    <c:plotVisOnly val="1"/>
+    <c:dispBlanksAs val="gap"/>
+    <c:showDLblsOverMax val="0"/>
+  </c:chart>
+  <c:txPr>
+    <a:bodyPr/>
+    <a:lstStyle/>
+    <a:p>
+      <a:pPr>
+        <a:defRPr lang="zh-CN" sz="1800"/>
+      </a:pPr>
+      <a:endParaRPr lang="zh-CN"/>
+    </a:p>
+  </c:txPr>
+  <c:externalData r:id="rId1">
+    <c:autoUpdate val="0"/>
+  </c:externalData>
+</c:chartSpace>
+</file>
+
+<file path=ppt/charts/chart3.xml><?xml version="1.0" encoding="utf-8"?>
+<c:chartSpace xmlns:c="http://schemas.openxmlformats.org/drawingml/2006/chart" xmlns:a="http://schemas.openxmlformats.org/drawingml/2006/main" xmlns:r="http://schemas.openxmlformats.org/officeDocument/2006/relationships">
+  <c:date1904 val="0"/>
+  <c:lang val="zh-CN"/>
+  <c:roundedCorners val="0"/>
+  <mc:AlternateContent xmlns:mc="http://schemas.openxmlformats.org/markup-compatibility/2006">
+    <mc:Choice xmlns:c14="http://schemas.microsoft.com/office/drawing/2007/8/2/chart" Requires="c14">
+      <c14:style val="102"/>
+    </mc:Choice>
+    <mc:Fallback>
+      <c:style val="2"/>
+    </mc:Fallback>
+  </mc:AlternateContent>
+  <c:chart>
+    <c:autoTitleDeleted val="1"/>
+    <c:plotArea>
+      <c:layout/>
+      <c:radarChart>
+        <c:radarStyle val="marker"/>
+        <c:varyColors val="0"/>
+        <c:ser>
+          <c:idx val="0"/>
+          <c:order val="0"/>
+          <c:tx>
+            <c:strRef>
+              <c:f>Sheet1!$B$1</c:f>
+              <c:strCache>
+                <c:ptCount val="1"/>
+                <c:pt idx="0">
+                  <c:v>平均</c:v>
+                </c:pt>
+              </c:strCache>
+            </c:strRef>
+          </c:tx>
+          <c:spPr>
+            <a:ln w="57150" cap="rnd" cmpd="sng" algn="ctr">
+              <a:solidFill>
+                <a:schemeClr val="accent1">
+                  <a:shade val="95000"/>
+                  <a:satMod val="105000"/>
+                </a:schemeClr>
+              </a:solidFill>
+              <a:prstDash val="solid"/>
+              <a:round/>
+            </a:ln>
+          </c:spPr>
+          <c:marker>
+            <c:symbol val="none"/>
+          </c:marker>
+          <c:cat>
+            <c:strRef>
+              <c:f>Sheet1!$A$2:$A$6</c:f>
+              <c:strCache>
+                <c:ptCount val="5"/>
+                <c:pt idx="0">
+                  <c:v>质量</c:v>
+                </c:pt>
+                <c:pt idx="1">
+                  <c:v>效率</c:v>
+                </c:pt>
+                <c:pt idx="2">
+                  <c:v>态度</c:v>
+                </c:pt>
+                <c:pt idx="3">
+                  <c:v>工作量</c:v>
+                </c:pt>
+                <c:pt idx="4">
+                  <c:v>纪律</c:v>
+                </c:pt>
+              </c:strCache>
+            </c:strRef>
+          </c:cat>
+          <c:val>
+            <c:numRef>
+              <c:f>Sheet1!$B$2:$B$6</c:f>
+              <c:numCache>
+                <c:formatCode>General</c:formatCode>
+                <c:ptCount val="5"/>
+                <c:pt idx="0">
+                  <c:v>8</c:v>
+                </c:pt>
+                <c:pt idx="1">
+                  <c:v>8.6</c:v>
+                </c:pt>
+                <c:pt idx="2">
+                  <c:v>10</c:v>
+                </c:pt>
+                <c:pt idx="3">
+                  <c:v>7.6</c:v>
+                </c:pt>
+                <c:pt idx="4">
+                  <c:v>10</c:v>
+                </c:pt>
+              </c:numCache>
+            </c:numRef>
+          </c:val>
+          <c:extLst xmlns:c16r2="http://schemas.microsoft.com/office/drawing/2015/06/chart">
+            <c:ext xmlns:c16="http://schemas.microsoft.com/office/drawing/2014/chart" uri="{C3380CC4-5D6E-409C-BE32-E72D297353CC}">
+              <c16:uniqueId val="{00000000-65D7-45F0-B077-8C709B5F50DF}"/>
+            </c:ext>
+          </c:extLst>
+        </c:ser>
+        <c:ser>
+          <c:idx val="1"/>
+          <c:order val="1"/>
+          <c:tx>
+            <c:strRef>
+              <c:f>Sheet1!$C$1</c:f>
+              <c:strCache>
+                <c:ptCount val="1"/>
+                <c:pt idx="0">
+                  <c:v>黄为波</c:v>
+                </c:pt>
+              </c:strCache>
+            </c:strRef>
+          </c:tx>
+          <c:spPr>
+            <a:ln w="57150" cap="rnd" cmpd="sng" algn="ctr">
+              <a:solidFill>
+                <a:srgbClr val="00B0F0"/>
+              </a:solidFill>
+              <a:prstDash val="solid"/>
+              <a:round/>
+            </a:ln>
+          </c:spPr>
+          <c:marker>
+            <c:symbol val="none"/>
+          </c:marker>
+          <c:cat>
+            <c:strRef>
+              <c:f>Sheet1!$A$2:$A$6</c:f>
+              <c:strCache>
+                <c:ptCount val="5"/>
+                <c:pt idx="0">
+                  <c:v>质量</c:v>
+                </c:pt>
+                <c:pt idx="1">
+                  <c:v>效率</c:v>
+                </c:pt>
+                <c:pt idx="2">
+                  <c:v>态度</c:v>
+                </c:pt>
+                <c:pt idx="3">
+                  <c:v>工作量</c:v>
+                </c:pt>
+                <c:pt idx="4">
+                  <c:v>纪律</c:v>
+                </c:pt>
+              </c:strCache>
+            </c:strRef>
+          </c:cat>
+          <c:val>
+            <c:numRef>
+              <c:f>Sheet1!$C$2:$C$6</c:f>
+              <c:numCache>
+                <c:formatCode>General</c:formatCode>
+                <c:ptCount val="5"/>
+                <c:pt idx="0">
+                  <c:v>9</c:v>
+                </c:pt>
+                <c:pt idx="1">
+                  <c:v>8</c:v>
+                </c:pt>
+                <c:pt idx="2">
+                  <c:v>10</c:v>
+                </c:pt>
+                <c:pt idx="3">
+                  <c:v>9</c:v>
+                </c:pt>
+                <c:pt idx="4">
+                  <c:v>10</c:v>
+                </c:pt>
+              </c:numCache>
+            </c:numRef>
+          </c:val>
+          <c:extLst xmlns:c16r2="http://schemas.microsoft.com/office/drawing/2015/06/chart">
+            <c:ext xmlns:c16="http://schemas.microsoft.com/office/drawing/2014/chart" uri="{C3380CC4-5D6E-409C-BE32-E72D297353CC}">
+              <c16:uniqueId val="{00000001-65D7-45F0-B077-8C709B5F50DF}"/>
+            </c:ext>
+          </c:extLst>
+        </c:ser>
+        <c:dLbls>
+          <c:showLegendKey val="0"/>
+          <c:showVal val="0"/>
+          <c:showCatName val="0"/>
+          <c:showSerName val="0"/>
+          <c:showPercent val="0"/>
+          <c:showBubbleSize val="0"/>
+        </c:dLbls>
+        <c:axId val="448067072"/>
+        <c:axId val="428586624"/>
+      </c:radarChart>
+      <c:catAx>
+        <c:axId val="448067072"/>
+        <c:scaling>
+          <c:orientation val="minMax"/>
+        </c:scaling>
+        <c:delete val="0"/>
+        <c:axPos val="b"/>
+        <c:majorGridlines/>
+        <c:numFmt formatCode="General" sourceLinked="1"/>
+        <c:majorTickMark val="out"/>
+        <c:minorTickMark val="none"/>
+        <c:tickLblPos val="nextTo"/>
+        <c:txPr>
+          <a:bodyPr rot="-60000000" spcFirstLastPara="0" vertOverflow="ellipsis" vert="horz" wrap="square" anchor="ctr" anchorCtr="1"/>
+          <a:lstStyle/>
+          <a:p>
+            <a:pPr>
+              <a:defRPr lang="zh-CN" sz="1800" b="0" i="0" u="none" strike="noStrike" kern="1200" baseline="0">
+                <a:solidFill>
+                  <a:schemeClr val="tx1"/>
+                </a:solidFill>
+                <a:latin typeface="+mn-lt"/>
+                <a:ea typeface="+mn-ea"/>
+                <a:cs typeface="+mn-cs"/>
+              </a:defRPr>
+            </a:pPr>
+            <a:endParaRPr lang="zh-CN"/>
+          </a:p>
+        </c:txPr>
+        <c:crossAx val="428586624"/>
+        <c:crosses val="autoZero"/>
+        <c:auto val="1"/>
+        <c:lblAlgn val="ctr"/>
+        <c:lblOffset val="100"/>
+        <c:noMultiLvlLbl val="0"/>
+      </c:catAx>
+      <c:valAx>
+        <c:axId val="428586624"/>
+        <c:scaling>
+          <c:orientation val="minMax"/>
+        </c:scaling>
+        <c:delete val="0"/>
+        <c:axPos val="l"/>
+        <c:majorGridlines/>
+        <c:numFmt formatCode="General" sourceLinked="1"/>
+        <c:majorTickMark val="cross"/>
+        <c:minorTickMark val="none"/>
+        <c:tickLblPos val="nextTo"/>
+        <c:txPr>
+          <a:bodyPr rot="-60000000" spcFirstLastPara="0" vertOverflow="ellipsis" vert="horz" wrap="square" anchor="ctr" anchorCtr="1"/>
+          <a:lstStyle/>
+          <a:p>
+            <a:pPr>
+              <a:defRPr lang="zh-CN" sz="1800" b="0" i="0" u="none" strike="noStrike" kern="1200" baseline="0">
+                <a:solidFill>
+                  <a:schemeClr val="tx1"/>
+                </a:solidFill>
+                <a:latin typeface="+mn-lt"/>
+                <a:ea typeface="+mn-ea"/>
+                <a:cs typeface="+mn-cs"/>
+              </a:defRPr>
+            </a:pPr>
+            <a:endParaRPr lang="zh-CN"/>
+          </a:p>
+        </c:txPr>
+        <c:crossAx val="448067072"/>
+        <c:crosses val="autoZero"/>
+        <c:crossBetween val="between"/>
+      </c:valAx>
+    </c:plotArea>
+    <c:legend>
+      <c:legendPos val="r"/>
+      <c:layout/>
+      <c:overlay val="0"/>
+      <c:txPr>
+        <a:bodyPr rot="0" spcFirstLastPara="0" vertOverflow="ellipsis" vert="horz" wrap="square" anchor="ctr" anchorCtr="1"/>
+        <a:lstStyle/>
+        <a:p>
+          <a:pPr>
+            <a:defRPr lang="zh-CN" sz="1800" b="0" i="0" u="none" strike="noStrike" kern="1200" baseline="0">
+              <a:solidFill>
+                <a:schemeClr val="tx1"/>
+              </a:solidFill>
+              <a:latin typeface="+mn-lt"/>
+              <a:ea typeface="+mn-ea"/>
+              <a:cs typeface="+mn-cs"/>
+            </a:defRPr>
+          </a:pPr>
+          <a:endParaRPr lang="zh-CN"/>
+        </a:p>
+      </c:txPr>
+    </c:legend>
+    <c:plotVisOnly val="1"/>
+    <c:dispBlanksAs val="gap"/>
+    <c:showDLblsOverMax val="0"/>
+  </c:chart>
+  <c:txPr>
+    <a:bodyPr/>
+    <a:lstStyle/>
+    <a:p>
+      <a:pPr>
+        <a:defRPr lang="zh-CN" sz="1800"/>
+      </a:pPr>
+      <a:endParaRPr lang="zh-CN"/>
+    </a:p>
+  </c:txPr>
+  <c:externalData r:id="rId1">
+    <c:autoUpdate val="0"/>
+  </c:externalData>
+</c:chartSpace>
+</file>
+
+<file path=ppt/charts/chart4.xml><?xml version="1.0" encoding="utf-8"?>
+<c:chartSpace xmlns:c="http://schemas.openxmlformats.org/drawingml/2006/chart" xmlns:a="http://schemas.openxmlformats.org/drawingml/2006/main" xmlns:r="http://schemas.openxmlformats.org/officeDocument/2006/relationships">
+  <c:date1904 val="0"/>
+  <c:lang val="zh-CN"/>
+  <c:roundedCorners val="0"/>
+  <mc:AlternateContent xmlns:mc="http://schemas.openxmlformats.org/markup-compatibility/2006">
+    <mc:Choice xmlns:c14="http://schemas.microsoft.com/office/drawing/2007/8/2/chart" Requires="c14">
+      <c14:style val="102"/>
+    </mc:Choice>
+    <mc:Fallback>
+      <c:style val="2"/>
+    </mc:Fallback>
+  </mc:AlternateContent>
+  <c:chart>
+    <c:autoTitleDeleted val="1"/>
+    <c:plotArea>
+      <c:layout/>
+      <c:radarChart>
+        <c:radarStyle val="marker"/>
+        <c:varyColors val="0"/>
+        <c:ser>
+          <c:idx val="0"/>
+          <c:order val="0"/>
+          <c:tx>
+            <c:strRef>
+              <c:f>Sheet1!$B$1</c:f>
+              <c:strCache>
+                <c:ptCount val="1"/>
+                <c:pt idx="0">
+                  <c:v>平均</c:v>
+                </c:pt>
+              </c:strCache>
+            </c:strRef>
+          </c:tx>
+          <c:spPr>
+            <a:ln w="57150" cap="rnd" cmpd="sng" algn="ctr">
+              <a:solidFill>
+                <a:schemeClr val="accent1">
+                  <a:shade val="95000"/>
+                  <a:satMod val="105000"/>
+                </a:schemeClr>
+              </a:solidFill>
+              <a:prstDash val="solid"/>
+              <a:round/>
+            </a:ln>
+          </c:spPr>
+          <c:marker>
+            <c:symbol val="none"/>
+          </c:marker>
+          <c:cat>
+            <c:strRef>
+              <c:f>Sheet1!$A$2:$A$6</c:f>
+              <c:strCache>
+                <c:ptCount val="5"/>
+                <c:pt idx="0">
+                  <c:v>质量</c:v>
+                </c:pt>
+                <c:pt idx="1">
+                  <c:v>效率</c:v>
+                </c:pt>
+                <c:pt idx="2">
+                  <c:v>态度</c:v>
+                </c:pt>
+                <c:pt idx="3">
+                  <c:v>工作量</c:v>
+                </c:pt>
+                <c:pt idx="4">
+                  <c:v>纪律</c:v>
+                </c:pt>
+              </c:strCache>
+            </c:strRef>
+          </c:cat>
+          <c:val>
+            <c:numRef>
+              <c:f>Sheet1!$B$2:$B$6</c:f>
+              <c:numCache>
+                <c:formatCode>General</c:formatCode>
+                <c:ptCount val="5"/>
+                <c:pt idx="0">
+                  <c:v>8</c:v>
+                </c:pt>
+                <c:pt idx="1">
+                  <c:v>8.6</c:v>
+                </c:pt>
+                <c:pt idx="2">
+                  <c:v>10</c:v>
+                </c:pt>
+                <c:pt idx="3">
+                  <c:v>7.6</c:v>
+                </c:pt>
+                <c:pt idx="4">
+                  <c:v>10</c:v>
+                </c:pt>
+              </c:numCache>
+            </c:numRef>
+          </c:val>
+          <c:extLst xmlns:c16r2="http://schemas.microsoft.com/office/drawing/2015/06/chart">
+            <c:ext xmlns:c16="http://schemas.microsoft.com/office/drawing/2014/chart" uri="{C3380CC4-5D6E-409C-BE32-E72D297353CC}">
+              <c16:uniqueId val="{00000000-5272-4761-BD34-95ABDF933F67}"/>
+            </c:ext>
+          </c:extLst>
+        </c:ser>
+        <c:ser>
+          <c:idx val="1"/>
+          <c:order val="1"/>
+          <c:tx>
+            <c:strRef>
+              <c:f>Sheet1!$C$1</c:f>
+              <c:strCache>
+                <c:ptCount val="1"/>
+                <c:pt idx="0">
+                  <c:v>陈子卿</c:v>
+                </c:pt>
+              </c:strCache>
+            </c:strRef>
+          </c:tx>
+          <c:spPr>
+            <a:ln w="57150" cap="rnd" cmpd="sng" algn="ctr">
+              <a:solidFill>
+                <a:srgbClr val="00B0F0"/>
+              </a:solidFill>
+              <a:prstDash val="solid"/>
+              <a:round/>
+            </a:ln>
+          </c:spPr>
+          <c:marker>
+            <c:symbol val="none"/>
+          </c:marker>
+          <c:cat>
+            <c:strRef>
+              <c:f>Sheet1!$A$2:$A$6</c:f>
+              <c:strCache>
+                <c:ptCount val="5"/>
+                <c:pt idx="0">
+                  <c:v>质量</c:v>
+                </c:pt>
+                <c:pt idx="1">
+                  <c:v>效率</c:v>
+                </c:pt>
+                <c:pt idx="2">
+                  <c:v>态度</c:v>
+                </c:pt>
+                <c:pt idx="3">
+                  <c:v>工作量</c:v>
+                </c:pt>
+                <c:pt idx="4">
+                  <c:v>纪律</c:v>
+                </c:pt>
+              </c:strCache>
+            </c:strRef>
+          </c:cat>
+          <c:val>
+            <c:numRef>
+              <c:f>Sheet1!$C$2:$C$6</c:f>
+              <c:numCache>
+                <c:formatCode>General</c:formatCode>
+                <c:ptCount val="5"/>
+                <c:pt idx="0">
+                  <c:v>9</c:v>
+                </c:pt>
+                <c:pt idx="1">
+                  <c:v>9</c:v>
+                </c:pt>
+                <c:pt idx="2">
+                  <c:v>10</c:v>
+                </c:pt>
+                <c:pt idx="3">
+                  <c:v>7</c:v>
+                </c:pt>
+                <c:pt idx="4">
+                  <c:v>10</c:v>
+                </c:pt>
+              </c:numCache>
+            </c:numRef>
+          </c:val>
+          <c:extLst xmlns:c16r2="http://schemas.microsoft.com/office/drawing/2015/06/chart">
+            <c:ext xmlns:c16="http://schemas.microsoft.com/office/drawing/2014/chart" uri="{C3380CC4-5D6E-409C-BE32-E72D297353CC}">
+              <c16:uniqueId val="{00000001-5272-4761-BD34-95ABDF933F67}"/>
+            </c:ext>
+          </c:extLst>
+        </c:ser>
+        <c:dLbls>
+          <c:showLegendKey val="0"/>
+          <c:showVal val="0"/>
+          <c:showCatName val="0"/>
+          <c:showSerName val="0"/>
+          <c:showPercent val="0"/>
+          <c:showBubbleSize val="0"/>
+        </c:dLbls>
+        <c:axId val="408910848"/>
+        <c:axId val="428588352"/>
+      </c:radarChart>
+      <c:catAx>
+        <c:axId val="408910848"/>
+        <c:scaling>
+          <c:orientation val="minMax"/>
+        </c:scaling>
+        <c:delete val="0"/>
+        <c:axPos val="b"/>
+        <c:majorGridlines/>
+        <c:numFmt formatCode="General" sourceLinked="1"/>
+        <c:majorTickMark val="out"/>
+        <c:minorTickMark val="none"/>
+        <c:tickLblPos val="nextTo"/>
+        <c:txPr>
+          <a:bodyPr rot="-60000000" spcFirstLastPara="0" vertOverflow="ellipsis" vert="horz" wrap="square" anchor="ctr" anchorCtr="1"/>
+          <a:lstStyle/>
+          <a:p>
+            <a:pPr>
+              <a:defRPr lang="zh-CN" sz="1800" b="0" i="0" u="none" strike="noStrike" kern="1200" baseline="0">
+                <a:solidFill>
+                  <a:schemeClr val="tx1"/>
+                </a:solidFill>
+                <a:latin typeface="+mn-lt"/>
+                <a:ea typeface="+mn-ea"/>
+                <a:cs typeface="+mn-cs"/>
+              </a:defRPr>
+            </a:pPr>
+            <a:endParaRPr lang="zh-CN"/>
+          </a:p>
+        </c:txPr>
+        <c:crossAx val="428588352"/>
+        <c:crosses val="autoZero"/>
+        <c:auto val="1"/>
+        <c:lblAlgn val="ctr"/>
+        <c:lblOffset val="100"/>
+        <c:noMultiLvlLbl val="0"/>
+      </c:catAx>
+      <c:valAx>
+        <c:axId val="428588352"/>
+        <c:scaling>
+          <c:orientation val="minMax"/>
+        </c:scaling>
+        <c:delete val="0"/>
+        <c:axPos val="l"/>
+        <c:majorGridlines/>
+        <c:numFmt formatCode="General" sourceLinked="1"/>
+        <c:majorTickMark val="cross"/>
+        <c:minorTickMark val="none"/>
+        <c:tickLblPos val="nextTo"/>
+        <c:txPr>
+          <a:bodyPr rot="-60000000" spcFirstLastPara="0" vertOverflow="ellipsis" vert="horz" wrap="square" anchor="ctr" anchorCtr="1"/>
+          <a:lstStyle/>
+          <a:p>
+            <a:pPr>
+              <a:defRPr lang="zh-CN" sz="1800" b="0" i="0" u="none" strike="noStrike" kern="1200" baseline="0">
+                <a:solidFill>
+                  <a:schemeClr val="tx1"/>
+                </a:solidFill>
+                <a:latin typeface="+mn-lt"/>
+                <a:ea typeface="+mn-ea"/>
+                <a:cs typeface="+mn-cs"/>
+              </a:defRPr>
+            </a:pPr>
+            <a:endParaRPr lang="zh-CN"/>
+          </a:p>
+        </c:txPr>
+        <c:crossAx val="408910848"/>
+        <c:crosses val="autoZero"/>
+        <c:crossBetween val="between"/>
+      </c:valAx>
+    </c:plotArea>
+    <c:legend>
+      <c:legendPos val="r"/>
+      <c:layout/>
+      <c:overlay val="0"/>
+      <c:txPr>
+        <a:bodyPr rot="0" spcFirstLastPara="0" vertOverflow="ellipsis" vert="horz" wrap="square" anchor="ctr" anchorCtr="1"/>
+        <a:lstStyle/>
+        <a:p>
+          <a:pPr>
+            <a:defRPr lang="zh-CN" sz="1800" b="0" i="0" u="none" strike="noStrike" kern="1200" baseline="0">
+              <a:solidFill>
+                <a:schemeClr val="tx1"/>
+              </a:solidFill>
+              <a:latin typeface="+mn-lt"/>
+              <a:ea typeface="+mn-ea"/>
+              <a:cs typeface="+mn-cs"/>
+            </a:defRPr>
+          </a:pPr>
+          <a:endParaRPr lang="zh-CN"/>
+        </a:p>
+      </c:txPr>
+    </c:legend>
+    <c:plotVisOnly val="1"/>
+    <c:dispBlanksAs val="gap"/>
+    <c:showDLblsOverMax val="0"/>
+  </c:chart>
+  <c:txPr>
+    <a:bodyPr/>
+    <a:lstStyle/>
+    <a:p>
+      <a:pPr>
+        <a:defRPr lang="zh-CN" sz="1800"/>
+      </a:pPr>
+      <a:endParaRPr lang="zh-CN"/>
+    </a:p>
+  </c:txPr>
+  <c:externalData r:id="rId1">
+    <c:autoUpdate val="0"/>
+  </c:externalData>
+</c:chartSpace>
+</file>
+
+<file path=ppt/charts/chart5.xml><?xml version="1.0" encoding="utf-8"?>
+<c:chartSpace xmlns:c="http://schemas.openxmlformats.org/drawingml/2006/chart" xmlns:a="http://schemas.openxmlformats.org/drawingml/2006/main" xmlns:r="http://schemas.openxmlformats.org/officeDocument/2006/relationships">
+  <c:date1904 val="0"/>
+  <c:lang val="zh-CN"/>
+  <c:roundedCorners val="0"/>
+  <mc:AlternateContent xmlns:mc="http://schemas.openxmlformats.org/markup-compatibility/2006">
+    <mc:Choice xmlns:c14="http://schemas.microsoft.com/office/drawing/2007/8/2/chart" Requires="c14">
+      <c14:style val="102"/>
+    </mc:Choice>
+    <mc:Fallback>
+      <c:style val="2"/>
+    </mc:Fallback>
+  </mc:AlternateContent>
+  <c:chart>
+    <c:autoTitleDeleted val="1"/>
+    <c:plotArea>
+      <c:layout/>
+      <c:radarChart>
+        <c:radarStyle val="marker"/>
+        <c:varyColors val="0"/>
+        <c:ser>
+          <c:idx val="0"/>
+          <c:order val="0"/>
+          <c:tx>
+            <c:strRef>
+              <c:f>Sheet1!$B$1</c:f>
+              <c:strCache>
+                <c:ptCount val="1"/>
+                <c:pt idx="0">
+                  <c:v>平均</c:v>
+                </c:pt>
+              </c:strCache>
+            </c:strRef>
+          </c:tx>
+          <c:spPr>
+            <a:ln w="57150" cap="rnd" cmpd="sng" algn="ctr">
+              <a:solidFill>
+                <a:schemeClr val="accent1">
+                  <a:shade val="95000"/>
+                  <a:satMod val="105000"/>
+                </a:schemeClr>
+              </a:solidFill>
+              <a:prstDash val="solid"/>
+              <a:round/>
+            </a:ln>
+          </c:spPr>
+          <c:marker>
+            <c:symbol val="none"/>
+          </c:marker>
+          <c:cat>
+            <c:strRef>
+              <c:f>Sheet1!$A$2:$A$6</c:f>
+              <c:strCache>
+                <c:ptCount val="5"/>
+                <c:pt idx="0">
+                  <c:v>质量</c:v>
+                </c:pt>
+                <c:pt idx="1">
+                  <c:v>效率</c:v>
+                </c:pt>
+                <c:pt idx="2">
+                  <c:v>态度</c:v>
+                </c:pt>
+                <c:pt idx="3">
+                  <c:v>工作量</c:v>
+                </c:pt>
+                <c:pt idx="4">
+                  <c:v>纪律</c:v>
+                </c:pt>
+              </c:strCache>
+            </c:strRef>
+          </c:cat>
+          <c:val>
+            <c:numRef>
+              <c:f>Sheet1!$B$2:$B$6</c:f>
+              <c:numCache>
+                <c:formatCode>General</c:formatCode>
+                <c:ptCount val="5"/>
+                <c:pt idx="0">
+                  <c:v>8</c:v>
+                </c:pt>
+                <c:pt idx="1">
+                  <c:v>8.6</c:v>
+                </c:pt>
+                <c:pt idx="2">
+                  <c:v>10</c:v>
+                </c:pt>
+                <c:pt idx="3">
+                  <c:v>7.6</c:v>
+                </c:pt>
+                <c:pt idx="4">
+                  <c:v>10</c:v>
+                </c:pt>
+              </c:numCache>
+            </c:numRef>
+          </c:val>
+          <c:extLst xmlns:c16r2="http://schemas.microsoft.com/office/drawing/2015/06/chart">
+            <c:ext xmlns:c16="http://schemas.microsoft.com/office/drawing/2014/chart" uri="{C3380CC4-5D6E-409C-BE32-E72D297353CC}">
+              <c16:uniqueId val="{00000000-2773-49ED-8D1A-147913BCABC4}"/>
+            </c:ext>
+          </c:extLst>
+        </c:ser>
+        <c:ser>
+          <c:idx val="1"/>
+          <c:order val="1"/>
+          <c:tx>
+            <c:strRef>
+              <c:f>Sheet1!$C$1</c:f>
+              <c:strCache>
+                <c:ptCount val="1"/>
+                <c:pt idx="0">
+                  <c:v>苏雨豪</c:v>
+                </c:pt>
+              </c:strCache>
+            </c:strRef>
+          </c:tx>
+          <c:spPr>
+            <a:ln w="57150" cap="rnd" cmpd="sng" algn="ctr">
+              <a:solidFill>
+                <a:srgbClr val="00B0F0"/>
+              </a:solidFill>
+              <a:prstDash val="solid"/>
+              <a:round/>
+            </a:ln>
+          </c:spPr>
+          <c:marker>
+            <c:symbol val="none"/>
+          </c:marker>
+          <c:cat>
+            <c:strRef>
+              <c:f>Sheet1!$A$2:$A$6</c:f>
+              <c:strCache>
+                <c:ptCount val="5"/>
+                <c:pt idx="0">
+                  <c:v>质量</c:v>
+                </c:pt>
+                <c:pt idx="1">
+                  <c:v>效率</c:v>
+                </c:pt>
+                <c:pt idx="2">
+                  <c:v>态度</c:v>
+                </c:pt>
+                <c:pt idx="3">
+                  <c:v>工作量</c:v>
+                </c:pt>
+                <c:pt idx="4">
+                  <c:v>纪律</c:v>
+                </c:pt>
+              </c:strCache>
+            </c:strRef>
+          </c:cat>
+          <c:val>
+            <c:numRef>
+              <c:f>Sheet1!$C$2:$C$6</c:f>
+              <c:numCache>
+                <c:formatCode>General</c:formatCode>
+                <c:ptCount val="5"/>
+                <c:pt idx="0">
+                  <c:v>7</c:v>
+                </c:pt>
+                <c:pt idx="1">
+                  <c:v>9</c:v>
+                </c:pt>
+                <c:pt idx="2">
+                  <c:v>10</c:v>
+                </c:pt>
+                <c:pt idx="3">
+                  <c:v>7</c:v>
+                </c:pt>
+                <c:pt idx="4">
+                  <c:v>10</c:v>
+                </c:pt>
+              </c:numCache>
+            </c:numRef>
+          </c:val>
+          <c:extLst xmlns:c16r2="http://schemas.microsoft.com/office/drawing/2015/06/chart">
+            <c:ext xmlns:c16="http://schemas.microsoft.com/office/drawing/2014/chart" uri="{C3380CC4-5D6E-409C-BE32-E72D297353CC}">
+              <c16:uniqueId val="{00000001-2773-49ED-8D1A-147913BCABC4}"/>
+            </c:ext>
+          </c:extLst>
+        </c:ser>
+        <c:dLbls>
+          <c:showLegendKey val="0"/>
+          <c:showVal val="0"/>
+          <c:showCatName val="0"/>
+          <c:showSerName val="0"/>
+          <c:showPercent val="0"/>
+          <c:showBubbleSize val="0"/>
+        </c:dLbls>
+        <c:axId val="408911360"/>
+        <c:axId val="444401920"/>
+      </c:radarChart>
+      <c:catAx>
+        <c:axId val="408911360"/>
+        <c:scaling>
+          <c:orientation val="minMax"/>
+        </c:scaling>
+        <c:delete val="0"/>
+        <c:axPos val="b"/>
+        <c:majorGridlines/>
+        <c:numFmt formatCode="General" sourceLinked="1"/>
+        <c:majorTickMark val="out"/>
+        <c:minorTickMark val="none"/>
+        <c:tickLblPos val="nextTo"/>
+        <c:txPr>
+          <a:bodyPr rot="-60000000" spcFirstLastPara="0" vertOverflow="ellipsis" vert="horz" wrap="square" anchor="ctr" anchorCtr="1"/>
+          <a:lstStyle/>
+          <a:p>
+            <a:pPr>
+              <a:defRPr lang="zh-CN" sz="1800" b="0" i="0" u="none" strike="noStrike" kern="1200" baseline="0">
+                <a:solidFill>
+                  <a:schemeClr val="tx1"/>
+                </a:solidFill>
+                <a:latin typeface="+mn-lt"/>
+                <a:ea typeface="+mn-ea"/>
+                <a:cs typeface="+mn-cs"/>
+              </a:defRPr>
+            </a:pPr>
+            <a:endParaRPr lang="zh-CN"/>
+          </a:p>
+        </c:txPr>
+        <c:crossAx val="444401920"/>
+        <c:crosses val="autoZero"/>
+        <c:auto val="1"/>
+        <c:lblAlgn val="ctr"/>
+        <c:lblOffset val="100"/>
+        <c:noMultiLvlLbl val="0"/>
+      </c:catAx>
+      <c:valAx>
+        <c:axId val="444401920"/>
+        <c:scaling>
+          <c:orientation val="minMax"/>
+        </c:scaling>
+        <c:delete val="0"/>
+        <c:axPos val="l"/>
+        <c:majorGridlines/>
+        <c:numFmt formatCode="General" sourceLinked="1"/>
+        <c:majorTickMark val="cross"/>
+        <c:minorTickMark val="none"/>
+        <c:tickLblPos val="nextTo"/>
+        <c:txPr>
+          <a:bodyPr rot="-60000000" spcFirstLastPara="0" vertOverflow="ellipsis" vert="horz" wrap="square" anchor="ctr" anchorCtr="1"/>
+          <a:lstStyle/>
+          <a:p>
+            <a:pPr>
+              <a:defRPr lang="zh-CN" sz="1800" b="0" i="0" u="none" strike="noStrike" kern="1200" baseline="0">
+                <a:solidFill>
+                  <a:schemeClr val="tx1"/>
+                </a:solidFill>
+                <a:latin typeface="+mn-lt"/>
+                <a:ea typeface="+mn-ea"/>
+                <a:cs typeface="+mn-cs"/>
+              </a:defRPr>
+            </a:pPr>
+            <a:endParaRPr lang="zh-CN"/>
+          </a:p>
+        </c:txPr>
+        <c:crossAx val="408911360"/>
+        <c:crosses val="autoZero"/>
+        <c:crossBetween val="between"/>
+      </c:valAx>
+    </c:plotArea>
+    <c:legend>
+      <c:legendPos val="r"/>
+      <c:layout/>
+      <c:overlay val="0"/>
+      <c:txPr>
+        <a:bodyPr rot="0" spcFirstLastPara="0" vertOverflow="ellipsis" vert="horz" wrap="square" anchor="ctr" anchorCtr="1"/>
+        <a:lstStyle/>
+        <a:p>
+          <a:pPr>
+            <a:defRPr lang="zh-CN" sz="1800" b="0" i="0" u="none" strike="noStrike" kern="1200" baseline="0">
+              <a:solidFill>
+                <a:schemeClr val="tx1"/>
+              </a:solidFill>
+              <a:latin typeface="+mn-lt"/>
+              <a:ea typeface="+mn-ea"/>
+              <a:cs typeface="+mn-cs"/>
+            </a:defRPr>
+          </a:pPr>
+          <a:endParaRPr lang="zh-CN"/>
+        </a:p>
+      </c:txPr>
+    </c:legend>
+    <c:plotVisOnly val="1"/>
+    <c:dispBlanksAs val="gap"/>
+    <c:showDLblsOverMax val="0"/>
+  </c:chart>
+  <c:txPr>
+    <a:bodyPr/>
+    <a:lstStyle/>
+    <a:p>
+      <a:pPr>
+        <a:defRPr lang="zh-CN" sz="1800"/>
+      </a:pPr>
+      <a:endParaRPr lang="zh-CN"/>
+    </a:p>
+  </c:txPr>
+  <c:externalData r:id="rId1">
+    <c:autoUpdate val="0"/>
+  </c:externalData>
+</c:chartSpace>
 </file>
 
 <file path=ppt/handoutMasters/handoutMaster1.xml><?xml version="1.0" encoding="utf-8"?>
@@ -261,7 +1783,7 @@
           <a:p>
             <a:fld id="{5D1C15E6-6BD2-4E4B-B1D4-218C26E1B228}" type="datetimeFigureOut">
               <a:rPr lang="zh-CN" altLang="en-US" smtClean="0"/>
-              <a:t>2018/12/23</a:t>
+              <a:t>2018/12/28</a:t>
             </a:fld>
             <a:endParaRPr lang="zh-CN" altLang="en-US"/>
           </a:p>
@@ -426,7 +1948,7 @@
           <a:p>
             <a:fld id="{0B17430C-5A66-4BD0-A971-34190B6C6019}" type="datetimeFigureOut">
               <a:rPr lang="zh-CN" altLang="en-US" smtClean="0"/>
-              <a:t>2018/12/23</a:t>
+              <a:t>2018/12/28</a:t>
             </a:fld>
             <a:endParaRPr lang="zh-CN" altLang="en-US"/>
           </a:p>
@@ -917,7 +2439,7 @@
           <a:p>
             <a:fld id="{74AC173A-3DA8-4893-B28A-1E15F55C330A}" type="slidenum">
               <a:rPr lang="zh-CN" altLang="en-US" smtClean="0"/>
-              <a:t>20</a:t>
+              <a:t>21</a:t>
             </a:fld>
             <a:endParaRPr lang="zh-CN" altLang="en-US"/>
           </a:p>
@@ -996,7 +2518,7 @@
           <a:p>
             <a:fld id="{74AC173A-3DA8-4893-B28A-1E15F55C330A}" type="slidenum">
               <a:rPr lang="zh-CN" altLang="en-US" smtClean="0"/>
-              <a:t>21</a:t>
+              <a:t>22</a:t>
             </a:fld>
             <a:endParaRPr lang="zh-CN" altLang="en-US"/>
           </a:p>
@@ -1075,7 +2597,86 @@
           <a:p>
             <a:fld id="{74AC173A-3DA8-4893-B28A-1E15F55C330A}" type="slidenum">
               <a:rPr lang="zh-CN" altLang="en-US" smtClean="0"/>
-              <a:t>22</a:t>
+              <a:t>23</a:t>
+            </a:fld>
+            <a:endParaRPr lang="zh-CN" altLang="en-US"/>
+          </a:p>
+        </p:txBody>
+      </p:sp>
+    </p:spTree>
+  </p:cSld>
+  <p:clrMapOvr>
+    <a:masterClrMapping/>
+  </p:clrMapOvr>
+</p:notes>
+</file>
+
+<file path=ppt/notesSlides/notesSlide6.xml><?xml version="1.0" encoding="utf-8"?>
+<p:notes xmlns:a="http://schemas.openxmlformats.org/drawingml/2006/main" xmlns:r="http://schemas.openxmlformats.org/officeDocument/2006/relationships" xmlns:p="http://schemas.openxmlformats.org/presentationml/2006/main">
+  <p:cSld>
+    <p:spTree>
+      <p:nvGrpSpPr>
+        <p:cNvPr id="1" name=""/>
+        <p:cNvGrpSpPr/>
+        <p:nvPr/>
+      </p:nvGrpSpPr>
+      <p:grpSpPr>
+        <a:xfrm>
+          <a:off x="0" y="0"/>
+          <a:ext cx="0" cy="0"/>
+          <a:chOff x="0" y="0"/>
+          <a:chExt cx="0" cy="0"/>
+        </a:xfrm>
+      </p:grpSpPr>
+      <p:sp>
+        <p:nvSpPr>
+          <p:cNvPr id="2" name="幻灯片图像占位符 1"/>
+          <p:cNvSpPr>
+            <a:spLocks noGrp="1" noRot="1" noChangeAspect="1"/>
+          </p:cNvSpPr>
+          <p:nvPr>
+            <p:ph type="sldImg"/>
+          </p:nvPr>
+        </p:nvSpPr>
+        <p:spPr/>
+      </p:sp>
+      <p:sp>
+        <p:nvSpPr>
+          <p:cNvPr id="3" name="备注占位符 2"/>
+          <p:cNvSpPr>
+            <a:spLocks noGrp="1"/>
+          </p:cNvSpPr>
+          <p:nvPr>
+            <p:ph type="body" idx="1"/>
+          </p:nvPr>
+        </p:nvSpPr>
+        <p:spPr/>
+        <p:txBody>
+          <a:bodyPr/>
+          <a:lstStyle/>
+          <a:p>
+            <a:endParaRPr lang="zh-CN" altLang="en-US"/>
+          </a:p>
+        </p:txBody>
+      </p:sp>
+      <p:sp>
+        <p:nvSpPr>
+          <p:cNvPr id="4" name="灯片编号占位符 3"/>
+          <p:cNvSpPr>
+            <a:spLocks noGrp="1"/>
+          </p:cNvSpPr>
+          <p:nvPr>
+            <p:ph type="sldNum" sz="quarter" idx="10"/>
+          </p:nvPr>
+        </p:nvSpPr>
+        <p:spPr/>
+        <p:txBody>
+          <a:bodyPr/>
+          <a:lstStyle/>
+          <a:p>
+            <a:fld id="{74AC173A-3DA8-4893-B28A-1E15F55C330A}" type="slidenum">
+              <a:rPr lang="zh-CN" altLang="en-US" smtClean="0"/>
+              <a:t>24</a:t>
             </a:fld>
             <a:endParaRPr lang="zh-CN" altLang="en-US"/>
           </a:p>
@@ -2217,7 +3818,7 @@
           <a:p>
             <a:fld id="{530820CF-B880-4189-942D-D702A7CBA730}" type="datetimeFigureOut">
               <a:rPr lang="zh-CN" altLang="en-US" smtClean="0"/>
-              <a:t>2018/12/23</a:t>
+              <a:t>2018/12/28</a:t>
             </a:fld>
             <a:endParaRPr lang="zh-CN" altLang="en-US"/>
           </a:p>
@@ -2334,7 +3935,7 @@
           <a:p>
             <a:fld id="{530820CF-B880-4189-942D-D702A7CBA730}" type="datetimeFigureOut">
               <a:rPr lang="zh-CN" altLang="en-US" smtClean="0"/>
-              <a:t>2018/12/23</a:t>
+              <a:t>2018/12/28</a:t>
             </a:fld>
             <a:endParaRPr lang="zh-CN" altLang="en-US"/>
           </a:p>
@@ -9145,6 +10746,334 @@
       </p:grpSpPr>
       <p:sp>
         <p:nvSpPr>
+          <p:cNvPr id="2" name="矩形 1"/>
+          <p:cNvSpPr/>
+          <p:nvPr/>
+        </p:nvSpPr>
+        <p:spPr>
+          <a:xfrm>
+            <a:off x="237030" y="1171"/>
+            <a:ext cx="1608415" cy="135446"/>
+          </a:xfrm>
+          <a:prstGeom prst="rect">
+            <a:avLst/>
+          </a:prstGeom>
+          <a:solidFill>
+            <a:srgbClr val="183A5D"/>
+          </a:solidFill>
+          <a:ln>
+            <a:noFill/>
+          </a:ln>
+        </p:spPr>
+        <p:style>
+          <a:lnRef idx="2">
+            <a:schemeClr val="accent1">
+              <a:shade val="50000"/>
+            </a:schemeClr>
+          </a:lnRef>
+          <a:fillRef idx="1">
+            <a:schemeClr val="accent1"/>
+          </a:fillRef>
+          <a:effectRef idx="0">
+            <a:schemeClr val="accent1"/>
+          </a:effectRef>
+          <a:fontRef idx="minor">
+            <a:schemeClr val="lt1"/>
+          </a:fontRef>
+        </p:style>
+        <p:txBody>
+          <a:bodyPr rtlCol="0" anchor="ctr"/>
+          <a:lstStyle/>
+          <a:p>
+            <a:pPr algn="ctr"/>
+            <a:endParaRPr lang="zh-CN" altLang="en-US" sz="2800">
+              <a:solidFill>
+                <a:prstClr val="white"/>
+              </a:solidFill>
+            </a:endParaRPr>
+          </a:p>
+        </p:txBody>
+      </p:sp>
+      <p:sp>
+        <p:nvSpPr>
+          <p:cNvPr id="3" name="矩形 2"/>
+          <p:cNvSpPr/>
+          <p:nvPr/>
+        </p:nvSpPr>
+        <p:spPr>
+          <a:xfrm>
+            <a:off x="237030" y="255131"/>
+            <a:ext cx="1608415" cy="406336"/>
+          </a:xfrm>
+          <a:prstGeom prst="rect">
+            <a:avLst/>
+          </a:prstGeom>
+          <a:solidFill>
+            <a:srgbClr val="183A5D"/>
+          </a:solidFill>
+          <a:ln>
+            <a:noFill/>
+          </a:ln>
+        </p:spPr>
+        <p:style>
+          <a:lnRef idx="2">
+            <a:schemeClr val="accent1">
+              <a:shade val="50000"/>
+            </a:schemeClr>
+          </a:lnRef>
+          <a:fillRef idx="1">
+            <a:schemeClr val="accent1"/>
+          </a:fillRef>
+          <a:effectRef idx="0">
+            <a:schemeClr val="accent1"/>
+          </a:effectRef>
+          <a:fontRef idx="minor">
+            <a:schemeClr val="lt1"/>
+          </a:fontRef>
+        </p:style>
+        <p:txBody>
+          <a:bodyPr rtlCol="0" anchor="ctr"/>
+          <a:lstStyle/>
+          <a:p>
+            <a:pPr algn="ctr"/>
+            <a:r>
+              <a:rPr lang="zh-CN" altLang="en-US" sz="2400" dirty="0">
+                <a:solidFill>
+                  <a:prstClr val="white"/>
+                </a:solidFill>
+              </a:rPr>
+              <a:t>提问</a:t>
+            </a:r>
+            <a:endParaRPr lang="en-US" sz="2400" dirty="0">
+              <a:solidFill>
+                <a:prstClr val="white"/>
+              </a:solidFill>
+            </a:endParaRPr>
+          </a:p>
+        </p:txBody>
+      </p:sp>
+      <p:sp>
+        <p:nvSpPr>
+          <p:cNvPr id="4" name="文本框 3"/>
+          <p:cNvSpPr txBox="1"/>
+          <p:nvPr/>
+        </p:nvSpPr>
+        <p:spPr>
+          <a:xfrm>
+            <a:off x="2236548" y="136356"/>
+            <a:ext cx="6052718" cy="501650"/>
+          </a:xfrm>
+          <a:prstGeom prst="rect">
+            <a:avLst/>
+          </a:prstGeom>
+          <a:noFill/>
+        </p:spPr>
+        <p:txBody>
+          <a:bodyPr wrap="square" rtlCol="0">
+            <a:spAutoFit/>
+          </a:bodyPr>
+          <a:lstStyle/>
+          <a:p>
+            <a:endParaRPr lang="zh-CN" altLang="en-US" sz="2665" dirty="0">
+              <a:solidFill>
+                <a:srgbClr val="183A5D"/>
+              </a:solidFill>
+              <a:latin typeface="微软雅黑" panose="020B0503020204020204" pitchFamily="34" charset="-122"/>
+              <a:ea typeface="微软雅黑" panose="020B0503020204020204" pitchFamily="34" charset="-122"/>
+            </a:endParaRPr>
+          </a:p>
+        </p:txBody>
+      </p:sp>
+      <p:sp>
+        <p:nvSpPr>
+          <p:cNvPr id="9" name="TextBox 8"/>
+          <p:cNvSpPr txBox="1"/>
+          <p:nvPr/>
+        </p:nvSpPr>
+        <p:spPr>
+          <a:xfrm>
+            <a:off x="898923" y="2205658"/>
+            <a:ext cx="9145016" cy="2970044"/>
+          </a:xfrm>
+          <a:prstGeom prst="rect">
+            <a:avLst/>
+          </a:prstGeom>
+          <a:noFill/>
+        </p:spPr>
+        <p:txBody>
+          <a:bodyPr wrap="square" rtlCol="0">
+            <a:spAutoFit/>
+          </a:bodyPr>
+          <a:lstStyle/>
+          <a:p>
+            <a:r>
+              <a:rPr lang="en-US" altLang="zh-CN" sz="2400" dirty="0">
+                <a:solidFill>
+                  <a:srgbClr val="000000"/>
+                </a:solidFill>
+                <a:latin typeface="Verdana" panose="020B0604030504040204" pitchFamily="34" charset="0"/>
+              </a:rPr>
+              <a:t>1.</a:t>
+            </a:r>
+            <a:r>
+              <a:rPr lang="zh-CN" altLang="en-US" sz="2400" dirty="0">
+                <a:solidFill>
+                  <a:srgbClr val="000000"/>
+                </a:solidFill>
+                <a:latin typeface="Verdana" panose="020B0604030504040204" pitchFamily="34" charset="0"/>
+              </a:rPr>
+              <a:t>包之间的关系有三种，分别是哪三种</a:t>
+            </a:r>
+            <a:r>
+              <a:rPr lang="zh-CN" altLang="en-US" sz="2400" dirty="0" smtClean="0">
+                <a:solidFill>
+                  <a:srgbClr val="000000"/>
+                </a:solidFill>
+                <a:latin typeface="Verdana" panose="020B0604030504040204" pitchFamily="34" charset="0"/>
+              </a:rPr>
+              <a:t>？</a:t>
+            </a:r>
+            <a:endParaRPr lang="en-US" altLang="zh-CN" sz="2400" dirty="0" smtClean="0">
+              <a:solidFill>
+                <a:srgbClr val="000000"/>
+              </a:solidFill>
+              <a:latin typeface="Verdana" panose="020B0604030504040204" pitchFamily="34" charset="0"/>
+            </a:endParaRPr>
+          </a:p>
+          <a:p>
+            <a:endParaRPr lang="en-US" altLang="zh-CN" sz="2400" dirty="0">
+              <a:solidFill>
+                <a:srgbClr val="000000"/>
+              </a:solidFill>
+              <a:latin typeface="Verdana" panose="020B0604030504040204" pitchFamily="34" charset="0"/>
+            </a:endParaRPr>
+          </a:p>
+          <a:p>
+            <a:endParaRPr lang="en-US" altLang="zh-CN" sz="2400" dirty="0" smtClean="0">
+              <a:solidFill>
+                <a:srgbClr val="000000"/>
+              </a:solidFill>
+              <a:latin typeface="Verdana" panose="020B0604030504040204" pitchFamily="34" charset="0"/>
+            </a:endParaRPr>
+          </a:p>
+          <a:p>
+            <a:pPr lvl="0"/>
+            <a:r>
+              <a:rPr lang="en-US" altLang="zh-CN" sz="2400" dirty="0" smtClean="0">
+                <a:solidFill>
+                  <a:srgbClr val="000000"/>
+                </a:solidFill>
+                <a:latin typeface="Verdana" panose="020B0604030504040204" pitchFamily="34" charset="0"/>
+                <a:ea typeface="宋体" panose="02010600030101010101" pitchFamily="2" charset="-122"/>
+              </a:rPr>
+              <a:t>2.</a:t>
+            </a:r>
+            <a:r>
+              <a:rPr lang="zh-CN" altLang="en-US" sz="2400" dirty="0" smtClean="0">
+                <a:solidFill>
+                  <a:srgbClr val="000000"/>
+                </a:solidFill>
+                <a:latin typeface="Verdana" panose="020B0604030504040204" pitchFamily="34" charset="0"/>
+                <a:ea typeface="宋体" panose="02010600030101010101" pitchFamily="2" charset="-122"/>
+              </a:rPr>
+              <a:t>什么</a:t>
+            </a:r>
+            <a:r>
+              <a:rPr lang="zh-CN" altLang="en-US" sz="2400" dirty="0">
+                <a:solidFill>
+                  <a:srgbClr val="000000"/>
+                </a:solidFill>
+                <a:latin typeface="Verdana" panose="020B0604030504040204" pitchFamily="34" charset="0"/>
+                <a:ea typeface="宋体" panose="02010600030101010101" pitchFamily="2" charset="-122"/>
+              </a:rPr>
+              <a:t>是构件图？</a:t>
+            </a:r>
+            <a:endParaRPr lang="en-US" altLang="zh-CN" sz="2400" dirty="0">
+              <a:solidFill>
+                <a:srgbClr val="000000"/>
+              </a:solidFill>
+              <a:latin typeface="Verdana" panose="020B0604030504040204" pitchFamily="34" charset="0"/>
+              <a:ea typeface="宋体" panose="02010600030101010101" pitchFamily="2" charset="-122"/>
+            </a:endParaRPr>
+          </a:p>
+          <a:p>
+            <a:endParaRPr lang="en-US" altLang="zh-CN" dirty="0" smtClean="0"/>
+          </a:p>
+          <a:p>
+            <a:endParaRPr lang="en-US" altLang="zh-CN" dirty="0"/>
+          </a:p>
+          <a:p>
+            <a:pPr lvl="0"/>
+            <a:r>
+              <a:rPr lang="en-US" altLang="zh-CN" dirty="0" smtClean="0"/>
+              <a:t>3.</a:t>
+            </a:r>
+            <a:r>
+              <a:rPr lang="zh-CN" altLang="en-US" sz="2400" dirty="0">
+                <a:solidFill>
+                  <a:srgbClr val="000000"/>
+                </a:solidFill>
+                <a:latin typeface="Verdana" panose="020B0604030504040204" pitchFamily="34" charset="0"/>
+                <a:ea typeface="宋体" panose="02010600030101010101" pitchFamily="2" charset="-122"/>
+                <a:sym typeface="+mn-ea"/>
+              </a:rPr>
+              <a:t>构件图的组成部分有哪些？</a:t>
+            </a:r>
+            <a:endParaRPr lang="zh-CN" altLang="en-US" sz="2400" dirty="0">
+              <a:solidFill>
+                <a:srgbClr val="000000"/>
+              </a:solidFill>
+              <a:latin typeface="Verdana" panose="020B0604030504040204" pitchFamily="34" charset="0"/>
+              <a:ea typeface="宋体" panose="02010600030101010101" pitchFamily="2" charset="-122"/>
+            </a:endParaRPr>
+          </a:p>
+          <a:p>
+            <a:endParaRPr lang="zh-CN" altLang="en-US" dirty="0"/>
+          </a:p>
+        </p:txBody>
+      </p:sp>
+    </p:spTree>
+    <p:extLst>
+      <p:ext uri="{BB962C8B-B14F-4D97-AF65-F5344CB8AC3E}">
+        <p14:creationId xmlns:p14="http://schemas.microsoft.com/office/powerpoint/2010/main" val="3576606770"/>
+      </p:ext>
+    </p:extLst>
+  </p:cSld>
+  <p:clrMapOvr>
+    <a:masterClrMapping/>
+  </p:clrMapOvr>
+  <p:transition spd="slow" advClick="0" advTm="0">
+    <p:wipe/>
+  </p:transition>
+  <p:timing>
+    <p:tnLst>
+      <p:par>
+        <p:cTn id="1" dur="indefinite" restart="never" nodeType="tmRoot"/>
+      </p:par>
+    </p:tnLst>
+  </p:timing>
+</p:sld>
+</file>
+
+<file path=ppt/slides/slide21.xml><?xml version="1.0" encoding="utf-8"?>
+<p:sld xmlns:a="http://schemas.openxmlformats.org/drawingml/2006/main" xmlns:r="http://schemas.openxmlformats.org/officeDocument/2006/relationships" xmlns:p="http://schemas.openxmlformats.org/presentationml/2006/main">
+  <p:cSld>
+    <p:spTree>
+      <p:nvGrpSpPr>
+        <p:cNvPr id="1" name=""/>
+        <p:cNvGrpSpPr/>
+        <p:nvPr/>
+      </p:nvGrpSpPr>
+      <p:grpSpPr>
+        <a:xfrm>
+          <a:off x="0" y="0"/>
+          <a:ext cx="0" cy="0"/>
+          <a:chOff x="0" y="0"/>
+          <a:chExt cx="0" cy="0"/>
+        </a:xfrm>
+      </p:grpSpPr>
+      <p:sp>
+        <p:nvSpPr>
           <p:cNvPr id="36" name="矩形 35"/>
           <p:cNvSpPr/>
           <p:nvPr/>
@@ -9731,7 +11660,7 @@
 </p:sld>
 </file>
 
-<file path=ppt/slides/slide21.xml><?xml version="1.0" encoding="utf-8"?>
+<file path=ppt/slides/slide22.xml><?xml version="1.0" encoding="utf-8"?>
 <p:sld xmlns:a="http://schemas.openxmlformats.org/drawingml/2006/main" xmlns:r="http://schemas.openxmlformats.org/officeDocument/2006/relationships" xmlns:p="http://schemas.openxmlformats.org/presentationml/2006/main">
   <p:cSld>
     <p:spTree>
@@ -9815,7 +11744,7 @@
         <p:spPr>
           <a:xfrm>
             <a:off x="311150" y="2922270"/>
-            <a:ext cx="2220595" cy="1106805"/>
+            <a:ext cx="2220595" cy="615579"/>
           </a:xfrm>
           <a:prstGeom prst="rect">
             <a:avLst/>
@@ -9839,8 +11768,15 @@
                 <a:latin typeface="微软雅黑" panose="020B0503020204020204" pitchFamily="34" charset="-122"/>
                 <a:ea typeface="微软雅黑" panose="020B0503020204020204" pitchFamily="34" charset="-122"/>
               </a:rPr>
-              <a:t>绩效考评与分工</a:t>
+              <a:t>分工</a:t>
             </a:r>
+            <a:endParaRPr lang="zh-CN" altLang="en-US" sz="3200" b="1" dirty="0" smtClean="0">
+              <a:solidFill>
+                <a:schemeClr val="bg1"/>
+              </a:solidFill>
+              <a:latin typeface="微软雅黑" panose="020B0503020204020204" pitchFamily="34" charset="-122"/>
+              <a:ea typeface="微软雅黑" panose="020B0503020204020204" pitchFamily="34" charset="-122"/>
+            </a:endParaRPr>
           </a:p>
         </p:txBody>
       </p:sp>
@@ -9870,21 +11806,21 @@
                 <a:gridCol w="1895475">
                   <a:extLst>
                     <a:ext uri="{9D8B030D-6E8A-4147-A177-3AD203B41FA5}">
-                      <a16:colId xmlns:a16="http://schemas.microsoft.com/office/drawing/2014/main" val="20000"/>
+                      <a16:colId xmlns:a16="http://schemas.microsoft.com/office/drawing/2014/main" xmlns="" val="20000"/>
                     </a:ext>
                   </a:extLst>
                 </a:gridCol>
                 <a:gridCol w="2937510">
                   <a:extLst>
                     <a:ext uri="{9D8B030D-6E8A-4147-A177-3AD203B41FA5}">
-                      <a16:colId xmlns:a16="http://schemas.microsoft.com/office/drawing/2014/main" val="20001"/>
+                      <a16:colId xmlns:a16="http://schemas.microsoft.com/office/drawing/2014/main" xmlns="" val="20001"/>
                     </a:ext>
                   </a:extLst>
                 </a:gridCol>
                 <a:gridCol w="2938145">
                   <a:extLst>
                     <a:ext uri="{9D8B030D-6E8A-4147-A177-3AD203B41FA5}">
-                      <a16:colId xmlns:a16="http://schemas.microsoft.com/office/drawing/2014/main" val="20002"/>
+                      <a16:colId xmlns:a16="http://schemas.microsoft.com/office/drawing/2014/main" xmlns="" val="20002"/>
                     </a:ext>
                   </a:extLst>
                 </a:gridCol>
@@ -9995,7 +11931,7 @@
                 </a:tc>
                 <a:extLst>
                   <a:ext uri="{0D108BD9-81ED-4DB2-BD59-A6C34878D82A}">
-                    <a16:rowId xmlns:a16="http://schemas.microsoft.com/office/drawing/2014/main" val="10000"/>
+                    <a16:rowId xmlns:a16="http://schemas.microsoft.com/office/drawing/2014/main" xmlns="" val="10000"/>
                   </a:ext>
                 </a:extLst>
               </a:tr>
@@ -10078,7 +12014,7 @@
                 </a:tc>
                 <a:extLst>
                   <a:ext uri="{0D108BD9-81ED-4DB2-BD59-A6C34878D82A}">
-                    <a16:rowId xmlns:a16="http://schemas.microsoft.com/office/drawing/2014/main" val="10001"/>
+                    <a16:rowId xmlns:a16="http://schemas.microsoft.com/office/drawing/2014/main" xmlns="" val="10001"/>
                   </a:ext>
                 </a:extLst>
               </a:tr>
@@ -10182,7 +12118,7 @@
                 </a:tc>
                 <a:extLst>
                   <a:ext uri="{0D108BD9-81ED-4DB2-BD59-A6C34878D82A}">
-                    <a16:rowId xmlns:a16="http://schemas.microsoft.com/office/drawing/2014/main" val="10002"/>
+                    <a16:rowId xmlns:a16="http://schemas.microsoft.com/office/drawing/2014/main" xmlns="" val="10002"/>
                   </a:ext>
                 </a:extLst>
               </a:tr>
@@ -10303,7 +12239,7 @@
                 </a:tc>
                 <a:extLst>
                   <a:ext uri="{0D108BD9-81ED-4DB2-BD59-A6C34878D82A}">
-                    <a16:rowId xmlns:a16="http://schemas.microsoft.com/office/drawing/2014/main" val="10003"/>
+                    <a16:rowId xmlns:a16="http://schemas.microsoft.com/office/drawing/2014/main" xmlns="" val="10003"/>
                   </a:ext>
                 </a:extLst>
               </a:tr>
@@ -10419,7 +12355,7 @@
                 </a:tc>
                 <a:extLst>
                   <a:ext uri="{0D108BD9-81ED-4DB2-BD59-A6C34878D82A}">
-                    <a16:rowId xmlns:a16="http://schemas.microsoft.com/office/drawing/2014/main" val="10004"/>
+                    <a16:rowId xmlns:a16="http://schemas.microsoft.com/office/drawing/2014/main" xmlns="" val="10004"/>
                   </a:ext>
                 </a:extLst>
               </a:tr>
@@ -10706,7 +12642,486 @@
 </p:sld>
 </file>
 
-<file path=ppt/slides/slide22.xml><?xml version="1.0" encoding="utf-8"?>
+<file path=ppt/slides/slide23.xml><?xml version="1.0" encoding="utf-8"?>
+<p:sld xmlns:a="http://schemas.openxmlformats.org/drawingml/2006/main" xmlns:r="http://schemas.openxmlformats.org/officeDocument/2006/relationships" xmlns:p="http://schemas.openxmlformats.org/presentationml/2006/main">
+  <p:cSld>
+    <p:spTree>
+      <p:nvGrpSpPr>
+        <p:cNvPr id="1" name=""/>
+        <p:cNvGrpSpPr/>
+        <p:nvPr/>
+      </p:nvGrpSpPr>
+      <p:grpSpPr>
+        <a:xfrm>
+          <a:off x="0" y="0"/>
+          <a:ext cx="0" cy="0"/>
+          <a:chOff x="0" y="0"/>
+          <a:chExt cx="0" cy="0"/>
+        </a:xfrm>
+      </p:grpSpPr>
+      <p:sp>
+        <p:nvSpPr>
+          <p:cNvPr id="36" name="矩形 35"/>
+          <p:cNvSpPr/>
+          <p:nvPr/>
+        </p:nvSpPr>
+        <p:spPr>
+          <a:xfrm>
+            <a:off x="-106680" y="0"/>
+            <a:ext cx="2938780" cy="6859270"/>
+          </a:xfrm>
+          <a:prstGeom prst="rect">
+            <a:avLst/>
+          </a:prstGeom>
+          <a:solidFill>
+            <a:srgbClr val="38B1BF"/>
+          </a:solidFill>
+          <a:ln>
+            <a:noFill/>
+          </a:ln>
+          <a:effectLst>
+            <a:outerShdw blurRad="50800" dist="38100" dir="2700000" algn="tl" rotWithShape="0">
+              <a:prstClr val="black">
+                <a:alpha val="40000"/>
+              </a:prstClr>
+            </a:outerShdw>
+          </a:effectLst>
+          <a:scene3d>
+            <a:camera prst="orthographicFront"/>
+            <a:lightRig rig="threePt" dir="t"/>
+          </a:scene3d>
+          <a:sp3d/>
+        </p:spPr>
+        <p:style>
+          <a:lnRef idx="1">
+            <a:schemeClr val="accent1"/>
+          </a:lnRef>
+          <a:fillRef idx="0">
+            <a:schemeClr val="accent1"/>
+          </a:fillRef>
+          <a:effectRef idx="0">
+            <a:schemeClr val="accent1"/>
+          </a:effectRef>
+          <a:fontRef idx="minor">
+            <a:schemeClr val="tx1"/>
+          </a:fontRef>
+        </p:style>
+        <p:txBody>
+          <a:bodyPr rot="0" spcFirstLastPara="0" vertOverflow="overflow" horzOverflow="overflow" vert="horz" wrap="square" lIns="91440" tIns="45720" rIns="91440" bIns="45720" numCol="1" spcCol="0" rtlCol="0" fromWordArt="0" anchor="ctr" anchorCtr="0" forceAA="0" compatLnSpc="1">
+            <a:noAutofit/>
+          </a:bodyPr>
+          <a:lstStyle/>
+          <a:p>
+            <a:pPr algn="ctr"/>
+            <a:endParaRPr lang="zh-CN" altLang="en-US"/>
+          </a:p>
+        </p:txBody>
+      </p:sp>
+      <p:sp>
+        <p:nvSpPr>
+          <p:cNvPr id="37" name="TextBox 36"/>
+          <p:cNvSpPr txBox="1"/>
+          <p:nvPr/>
+        </p:nvSpPr>
+        <p:spPr>
+          <a:xfrm>
+            <a:off x="-276651" y="2922512"/>
+            <a:ext cx="2808312" cy="614045"/>
+          </a:xfrm>
+          <a:prstGeom prst="rect">
+            <a:avLst/>
+          </a:prstGeom>
+          <a:noFill/>
+        </p:spPr>
+        <p:txBody>
+          <a:bodyPr wrap="square" lIns="121948" tIns="60973" rIns="121948" bIns="60973">
+            <a:spAutoFit/>
+          </a:bodyPr>
+          <a:lstStyle/>
+          <a:p>
+            <a:pPr algn="r">
+              <a:defRPr/>
+            </a:pPr>
+            <a:r>
+              <a:rPr lang="zh-CN" sz="3200" b="1" dirty="0">
+                <a:solidFill>
+                  <a:schemeClr val="bg1"/>
+                </a:solidFill>
+                <a:latin typeface="微软雅黑" panose="020B0503020204020204" pitchFamily="34" charset="-122"/>
+                <a:ea typeface="微软雅黑" panose="020B0503020204020204" pitchFamily="34" charset="-122"/>
+              </a:rPr>
+              <a:t>考评</a:t>
+            </a:r>
+          </a:p>
+        </p:txBody>
+      </p:sp>
+      <p:graphicFrame>
+        <p:nvGraphicFramePr>
+          <p:cNvPr id="2" name="图表 1"/>
+          <p:cNvGraphicFramePr/>
+          <p:nvPr/>
+        </p:nvGraphicFramePr>
+        <p:xfrm>
+          <a:off x="7258413" y="-1178718"/>
+          <a:ext cx="4932000" cy="5184000"/>
+        </p:xfrm>
+        <a:graphic>
+          <a:graphicData uri="http://schemas.openxmlformats.org/drawingml/2006/chart">
+            <c:chart xmlns:c="http://schemas.openxmlformats.org/drawingml/2006/chart" xmlns:r="http://schemas.openxmlformats.org/officeDocument/2006/relationships" r:id="rId3"/>
+          </a:graphicData>
+        </a:graphic>
+      </p:graphicFrame>
+      <p:graphicFrame>
+        <p:nvGraphicFramePr>
+          <p:cNvPr id="6" name="图表 5"/>
+          <p:cNvGraphicFramePr/>
+          <p:nvPr/>
+        </p:nvGraphicFramePr>
+        <p:xfrm>
+          <a:off x="2638822" y="3141762"/>
+          <a:ext cx="4932000" cy="5184000"/>
+        </p:xfrm>
+        <a:graphic>
+          <a:graphicData uri="http://schemas.openxmlformats.org/drawingml/2006/chart">
+            <c:chart xmlns:c="http://schemas.openxmlformats.org/drawingml/2006/chart" xmlns:r="http://schemas.openxmlformats.org/officeDocument/2006/relationships" r:id="rId4"/>
+          </a:graphicData>
+        </a:graphic>
+      </p:graphicFrame>
+      <p:graphicFrame>
+        <p:nvGraphicFramePr>
+          <p:cNvPr id="7" name="图表 6" title="总评：97"/>
+          <p:cNvGraphicFramePr>
+            <a:graphicFrameLocks noChangeAspect="1"/>
+          </p:cNvGraphicFramePr>
+          <p:nvPr/>
+        </p:nvGraphicFramePr>
+        <p:xfrm>
+          <a:off x="2638822" y="-1106710"/>
+          <a:ext cx="4931697" cy="5184576"/>
+        </p:xfrm>
+        <a:graphic>
+          <a:graphicData uri="http://schemas.openxmlformats.org/drawingml/2006/chart">
+            <c:chart xmlns:c="http://schemas.openxmlformats.org/drawingml/2006/chart" xmlns:r="http://schemas.openxmlformats.org/officeDocument/2006/relationships" r:id="rId5"/>
+          </a:graphicData>
+        </a:graphic>
+      </p:graphicFrame>
+      <p:graphicFrame>
+        <p:nvGraphicFramePr>
+          <p:cNvPr id="8" name="图表 7"/>
+          <p:cNvGraphicFramePr/>
+          <p:nvPr/>
+        </p:nvGraphicFramePr>
+        <p:xfrm>
+          <a:off x="5015086" y="944557"/>
+          <a:ext cx="4932000" cy="5184000"/>
+        </p:xfrm>
+        <a:graphic>
+          <a:graphicData uri="http://schemas.openxmlformats.org/drawingml/2006/chart">
+            <c:chart xmlns:c="http://schemas.openxmlformats.org/drawingml/2006/chart" xmlns:r="http://schemas.openxmlformats.org/officeDocument/2006/relationships" r:id="rId6"/>
+          </a:graphicData>
+        </a:graphic>
+      </p:graphicFrame>
+      <p:graphicFrame>
+        <p:nvGraphicFramePr>
+          <p:cNvPr id="9" name="图表 8"/>
+          <p:cNvGraphicFramePr/>
+          <p:nvPr/>
+        </p:nvGraphicFramePr>
+        <p:xfrm>
+          <a:off x="7258413" y="3229534"/>
+          <a:ext cx="4932000" cy="5184000"/>
+        </p:xfrm>
+        <a:graphic>
+          <a:graphicData uri="http://schemas.openxmlformats.org/drawingml/2006/chart">
+            <c:chart xmlns:c="http://schemas.openxmlformats.org/drawingml/2006/chart" xmlns:r="http://schemas.openxmlformats.org/officeDocument/2006/relationships" r:id="rId7"/>
+          </a:graphicData>
+        </a:graphic>
+      </p:graphicFrame>
+    </p:spTree>
+    <p:extLst>
+      <p:ext uri="{BB962C8B-B14F-4D97-AF65-F5344CB8AC3E}">
+        <p14:creationId xmlns:p14="http://schemas.microsoft.com/office/powerpoint/2010/main" val="979217917"/>
+      </p:ext>
+    </p:extLst>
+  </p:cSld>
+  <p:clrMapOvr>
+    <a:masterClrMapping/>
+  </p:clrMapOvr>
+  <mc:AlternateContent xmlns:mc="http://schemas.openxmlformats.org/markup-compatibility/2006" xmlns:p14="http://schemas.microsoft.com/office/powerpoint/2010/main">
+    <mc:Choice Requires="p14">
+      <p:transition spd="slow" p14:dur="1200" advClick="0" advTm="0">
+        <p14:prism/>
+      </p:transition>
+    </mc:Choice>
+    <mc:Fallback xmlns="">
+      <p:transition spd="slow" advClick="0" advTm="0">
+        <p:fade/>
+      </p:transition>
+    </mc:Fallback>
+  </mc:AlternateContent>
+  <p:timing>
+    <p:tnLst>
+      <p:par>
+        <p:cTn id="1" dur="indefinite" restart="never" nodeType="tmRoot">
+          <p:childTnLst>
+            <p:seq concurrent="1" nextAc="seek">
+              <p:cTn id="2" dur="indefinite" nodeType="mainSeq">
+                <p:childTnLst>
+                  <p:par>
+                    <p:cTn id="3" fill="hold">
+                      <p:stCondLst>
+                        <p:cond delay="indefinite"/>
+                        <p:cond evt="onBegin" delay="0">
+                          <p:tn val="2"/>
+                        </p:cond>
+                      </p:stCondLst>
+                      <p:childTnLst>
+                        <p:par>
+                          <p:cTn id="4" fill="hold">
+                            <p:stCondLst>
+                              <p:cond delay="0"/>
+                            </p:stCondLst>
+                            <p:childTnLst>
+                              <p:par>
+                                <p:cTn id="5" presetID="2" presetClass="entr" presetSubtype="8" fill="hold" grpId="0" nodeType="afterEffect">
+                                  <p:stCondLst>
+                                    <p:cond delay="0"/>
+                                  </p:stCondLst>
+                                  <p:childTnLst>
+                                    <p:set>
+                                      <p:cBhvr>
+                                        <p:cTn id="6" dur="1" fill="hold">
+                                          <p:stCondLst>
+                                            <p:cond delay="0"/>
+                                          </p:stCondLst>
+                                        </p:cTn>
+                                        <p:tgtEl>
+                                          <p:spTgt spid="36"/>
+                                        </p:tgtEl>
+                                        <p:attrNameLst>
+                                          <p:attrName>style.visibility</p:attrName>
+                                        </p:attrNameLst>
+                                      </p:cBhvr>
+                                      <p:to>
+                                        <p:strVal val="visible"/>
+                                      </p:to>
+                                    </p:set>
+                                    <p:anim calcmode="lin" valueType="num">
+                                      <p:cBhvr additive="base">
+                                        <p:cTn id="7" dur="500" fill="hold"/>
+                                        <p:tgtEl>
+                                          <p:spTgt spid="36"/>
+                                        </p:tgtEl>
+                                        <p:attrNameLst>
+                                          <p:attrName>ppt_x</p:attrName>
+                                        </p:attrNameLst>
+                                      </p:cBhvr>
+                                      <p:tavLst>
+                                        <p:tav tm="0">
+                                          <p:val>
+                                            <p:strVal val="0-#ppt_w/2"/>
+                                          </p:val>
+                                        </p:tav>
+                                        <p:tav tm="100000">
+                                          <p:val>
+                                            <p:strVal val="#ppt_x"/>
+                                          </p:val>
+                                        </p:tav>
+                                      </p:tavLst>
+                                    </p:anim>
+                                    <p:anim calcmode="lin" valueType="num">
+                                      <p:cBhvr additive="base">
+                                        <p:cTn id="8" dur="500" fill="hold"/>
+                                        <p:tgtEl>
+                                          <p:spTgt spid="36"/>
+                                        </p:tgtEl>
+                                        <p:attrNameLst>
+                                          <p:attrName>ppt_y</p:attrName>
+                                        </p:attrNameLst>
+                                      </p:cBhvr>
+                                      <p:tavLst>
+                                        <p:tav tm="0">
+                                          <p:val>
+                                            <p:strVal val="#ppt_y"/>
+                                          </p:val>
+                                        </p:tav>
+                                        <p:tav tm="100000">
+                                          <p:val>
+                                            <p:strVal val="#ppt_y"/>
+                                          </p:val>
+                                        </p:tav>
+                                      </p:tavLst>
+                                    </p:anim>
+                                  </p:childTnLst>
+                                </p:cTn>
+                              </p:par>
+                            </p:childTnLst>
+                          </p:cTn>
+                        </p:par>
+                        <p:par>
+                          <p:cTn id="9" fill="hold">
+                            <p:stCondLst>
+                              <p:cond delay="500"/>
+                            </p:stCondLst>
+                            <p:childTnLst>
+                              <p:par>
+                                <p:cTn id="10" presetID="17" presetClass="entr" presetSubtype="1" fill="hold" grpId="0" nodeType="afterEffect">
+                                  <p:stCondLst>
+                                    <p:cond delay="0"/>
+                                  </p:stCondLst>
+                                  <p:iterate type="lt">
+                                    <p:tmPct val="40000"/>
+                                  </p:iterate>
+                                  <p:childTnLst>
+                                    <p:set>
+                                      <p:cBhvr>
+                                        <p:cTn id="11" dur="1" fill="hold">
+                                          <p:stCondLst>
+                                            <p:cond delay="0"/>
+                                          </p:stCondLst>
+                                        </p:cTn>
+                                        <p:tgtEl>
+                                          <p:spTgt spid="37"/>
+                                        </p:tgtEl>
+                                        <p:attrNameLst>
+                                          <p:attrName>style.visibility</p:attrName>
+                                        </p:attrNameLst>
+                                      </p:cBhvr>
+                                      <p:to>
+                                        <p:strVal val="visible"/>
+                                      </p:to>
+                                    </p:set>
+                                    <p:anim calcmode="lin" valueType="num">
+                                      <p:cBhvr>
+                                        <p:cTn id="12" dur="250" fill="hold"/>
+                                        <p:tgtEl>
+                                          <p:spTgt spid="37"/>
+                                        </p:tgtEl>
+                                        <p:attrNameLst>
+                                          <p:attrName>ppt_x</p:attrName>
+                                        </p:attrNameLst>
+                                      </p:cBhvr>
+                                      <p:tavLst>
+                                        <p:tav tm="0">
+                                          <p:val>
+                                            <p:strVal val="#ppt_x"/>
+                                          </p:val>
+                                        </p:tav>
+                                        <p:tav tm="100000">
+                                          <p:val>
+                                            <p:strVal val="#ppt_x"/>
+                                          </p:val>
+                                        </p:tav>
+                                      </p:tavLst>
+                                    </p:anim>
+                                    <p:anim calcmode="lin" valueType="num">
+                                      <p:cBhvr>
+                                        <p:cTn id="13" dur="250" fill="hold"/>
+                                        <p:tgtEl>
+                                          <p:spTgt spid="37"/>
+                                        </p:tgtEl>
+                                        <p:attrNameLst>
+                                          <p:attrName>ppt_y</p:attrName>
+                                        </p:attrNameLst>
+                                      </p:cBhvr>
+                                      <p:tavLst>
+                                        <p:tav tm="0">
+                                          <p:val>
+                                            <p:strVal val="#ppt_y-#ppt_h/2"/>
+                                          </p:val>
+                                        </p:tav>
+                                        <p:tav tm="100000">
+                                          <p:val>
+                                            <p:strVal val="#ppt_y"/>
+                                          </p:val>
+                                        </p:tav>
+                                      </p:tavLst>
+                                    </p:anim>
+                                    <p:anim calcmode="lin" valueType="num">
+                                      <p:cBhvr>
+                                        <p:cTn id="14" dur="250" fill="hold"/>
+                                        <p:tgtEl>
+                                          <p:spTgt spid="37"/>
+                                        </p:tgtEl>
+                                        <p:attrNameLst>
+                                          <p:attrName>ppt_w</p:attrName>
+                                        </p:attrNameLst>
+                                      </p:cBhvr>
+                                      <p:tavLst>
+                                        <p:tav tm="0">
+                                          <p:val>
+                                            <p:strVal val="#ppt_w"/>
+                                          </p:val>
+                                        </p:tav>
+                                        <p:tav tm="100000">
+                                          <p:val>
+                                            <p:strVal val="#ppt_w"/>
+                                          </p:val>
+                                        </p:tav>
+                                      </p:tavLst>
+                                    </p:anim>
+                                    <p:anim calcmode="lin" valueType="num">
+                                      <p:cBhvr>
+                                        <p:cTn id="15" dur="250" fill="hold"/>
+                                        <p:tgtEl>
+                                          <p:spTgt spid="37"/>
+                                        </p:tgtEl>
+                                        <p:attrNameLst>
+                                          <p:attrName>ppt_h</p:attrName>
+                                        </p:attrNameLst>
+                                      </p:cBhvr>
+                                      <p:tavLst>
+                                        <p:tav tm="0">
+                                          <p:val>
+                                            <p:fltVal val="0"/>
+                                          </p:val>
+                                        </p:tav>
+                                        <p:tav tm="100000">
+                                          <p:val>
+                                            <p:strVal val="#ppt_h"/>
+                                          </p:val>
+                                        </p:tav>
+                                      </p:tavLst>
+                                    </p:anim>
+                                  </p:childTnLst>
+                                </p:cTn>
+                              </p:par>
+                            </p:childTnLst>
+                          </p:cTn>
+                        </p:par>
+                      </p:childTnLst>
+                    </p:cTn>
+                  </p:par>
+                </p:childTnLst>
+              </p:cTn>
+              <p:prevCondLst>
+                <p:cond evt="onPrev" delay="0">
+                  <p:tgtEl>
+                    <p:sldTgt/>
+                  </p:tgtEl>
+                </p:cond>
+              </p:prevCondLst>
+              <p:nextCondLst>
+                <p:cond evt="onNext" delay="0">
+                  <p:tgtEl>
+                    <p:sldTgt/>
+                  </p:tgtEl>
+                </p:cond>
+              </p:nextCondLst>
+            </p:seq>
+          </p:childTnLst>
+        </p:cTn>
+      </p:par>
+    </p:tnLst>
+    <p:bldLst>
+      <p:bldP spid="36" grpId="0" bldLvl="0" animBg="1"/>
+      <p:bldP spid="37" grpId="0"/>
+    </p:bldLst>
+  </p:timing>
+</p:sld>
+</file>
+
+<file path=ppt/slides/slide24.xml><?xml version="1.0" encoding="utf-8"?>
 <p:sld xmlns:a="http://schemas.openxmlformats.org/drawingml/2006/main" xmlns:r="http://schemas.openxmlformats.org/officeDocument/2006/relationships" xmlns:p="http://schemas.openxmlformats.org/presentationml/2006/main">
   <p:cSld>
     <p:spTree>
@@ -13328,21 +15743,21 @@
                 <a:gridCol w="3746953">
                   <a:extLst>
                     <a:ext uri="{9D8B030D-6E8A-4147-A177-3AD203B41FA5}">
-                      <a16:colId xmlns:a16="http://schemas.microsoft.com/office/drawing/2014/main" val="20000"/>
+                      <a16:colId xmlns:a16="http://schemas.microsoft.com/office/drawing/2014/main" xmlns="" val="20000"/>
                     </a:ext>
                   </a:extLst>
                 </a:gridCol>
                 <a:gridCol w="3746953">
                   <a:extLst>
                     <a:ext uri="{9D8B030D-6E8A-4147-A177-3AD203B41FA5}">
-                      <a16:colId xmlns:a16="http://schemas.microsoft.com/office/drawing/2014/main" val="20001"/>
+                      <a16:colId xmlns:a16="http://schemas.microsoft.com/office/drawing/2014/main" xmlns="" val="20001"/>
                     </a:ext>
                   </a:extLst>
                 </a:gridCol>
                 <a:gridCol w="3739342">
                   <a:extLst>
                     <a:ext uri="{9D8B030D-6E8A-4147-A177-3AD203B41FA5}">
-                      <a16:colId xmlns:a16="http://schemas.microsoft.com/office/drawing/2014/main" val="20002"/>
+                      <a16:colId xmlns:a16="http://schemas.microsoft.com/office/drawing/2014/main" xmlns="" val="20002"/>
                     </a:ext>
                   </a:extLst>
                 </a:gridCol>
@@ -13557,7 +15972,7 @@
                 </a:tc>
                 <a:extLst>
                   <a:ext uri="{0D108BD9-81ED-4DB2-BD59-A6C34878D82A}">
-                    <a16:rowId xmlns:a16="http://schemas.microsoft.com/office/drawing/2014/main" val="10000"/>
+                    <a16:rowId xmlns:a16="http://schemas.microsoft.com/office/drawing/2014/main" xmlns="" val="10000"/>
                   </a:ext>
                 </a:extLst>
               </a:tr>
@@ -13762,7 +16177,7 @@
                 </a:tc>
                 <a:extLst>
                   <a:ext uri="{0D108BD9-81ED-4DB2-BD59-A6C34878D82A}">
-                    <a16:rowId xmlns:a16="http://schemas.microsoft.com/office/drawing/2014/main" val="10001"/>
+                    <a16:rowId xmlns:a16="http://schemas.microsoft.com/office/drawing/2014/main" xmlns="" val="10001"/>
                   </a:ext>
                 </a:extLst>
               </a:tr>
@@ -14001,7 +16416,7 @@
                 </a:tc>
                 <a:extLst>
                   <a:ext uri="{0D108BD9-81ED-4DB2-BD59-A6C34878D82A}">
-                    <a16:rowId xmlns:a16="http://schemas.microsoft.com/office/drawing/2014/main" val="10002"/>
+                    <a16:rowId xmlns:a16="http://schemas.microsoft.com/office/drawing/2014/main" xmlns="" val="10002"/>
                   </a:ext>
                 </a:extLst>
               </a:tr>
@@ -14206,7 +16621,7 @@
                 </a:tc>
                 <a:extLst>
                   <a:ext uri="{0D108BD9-81ED-4DB2-BD59-A6C34878D82A}">
-                    <a16:rowId xmlns:a16="http://schemas.microsoft.com/office/drawing/2014/main" val="10003"/>
+                    <a16:rowId xmlns:a16="http://schemas.microsoft.com/office/drawing/2014/main" xmlns="" val="10003"/>
                   </a:ext>
                 </a:extLst>
               </a:tr>
@@ -14447,7 +16862,7 @@
                 </a:tc>
                 <a:extLst>
                   <a:ext uri="{0D108BD9-81ED-4DB2-BD59-A6C34878D82A}">
-                    <a16:rowId xmlns:a16="http://schemas.microsoft.com/office/drawing/2014/main" val="10004"/>
+                    <a16:rowId xmlns:a16="http://schemas.microsoft.com/office/drawing/2014/main" xmlns="" val="10004"/>
                   </a:ext>
                 </a:extLst>
               </a:tr>
@@ -14661,7 +17076,7 @@
                 </a:tc>
                 <a:extLst>
                   <a:ext uri="{0D108BD9-81ED-4DB2-BD59-A6C34878D82A}">
-                    <a16:rowId xmlns:a16="http://schemas.microsoft.com/office/drawing/2014/main" val="10005"/>
+                    <a16:rowId xmlns:a16="http://schemas.microsoft.com/office/drawing/2014/main" xmlns="" val="10005"/>
                   </a:ext>
                 </a:extLst>
               </a:tr>
@@ -14900,7 +17315,7 @@
                 </a:tc>
                 <a:extLst>
                   <a:ext uri="{0D108BD9-81ED-4DB2-BD59-A6C34878D82A}">
-                    <a16:rowId xmlns:a16="http://schemas.microsoft.com/office/drawing/2014/main" val="10006"/>
+                    <a16:rowId xmlns:a16="http://schemas.microsoft.com/office/drawing/2014/main" xmlns="" val="10006"/>
                   </a:ext>
                 </a:extLst>
               </a:tr>
@@ -15114,7 +17529,7 @@
                 </a:tc>
                 <a:extLst>
                   <a:ext uri="{0D108BD9-81ED-4DB2-BD59-A6C34878D82A}">
-                    <a16:rowId xmlns:a16="http://schemas.microsoft.com/office/drawing/2014/main" val="10007"/>
+                    <a16:rowId xmlns:a16="http://schemas.microsoft.com/office/drawing/2014/main" xmlns="" val="10007"/>
                   </a:ext>
                 </a:extLst>
               </a:tr>
@@ -15353,7 +17768,7 @@
                 </a:tc>
                 <a:extLst>
                   <a:ext uri="{0D108BD9-81ED-4DB2-BD59-A6C34878D82A}">
-                    <a16:rowId xmlns:a16="http://schemas.microsoft.com/office/drawing/2014/main" val="10008"/>
+                    <a16:rowId xmlns:a16="http://schemas.microsoft.com/office/drawing/2014/main" xmlns="" val="10008"/>
                   </a:ext>
                 </a:extLst>
               </a:tr>
@@ -15567,7 +17982,7 @@
                 </a:tc>
                 <a:extLst>
                   <a:ext uri="{0D108BD9-81ED-4DB2-BD59-A6C34878D82A}">
-                    <a16:rowId xmlns:a16="http://schemas.microsoft.com/office/drawing/2014/main" val="10009"/>
+                    <a16:rowId xmlns:a16="http://schemas.microsoft.com/office/drawing/2014/main" xmlns="" val="10009"/>
                   </a:ext>
                 </a:extLst>
               </a:tr>
@@ -16916,21 +19331,21 @@
                 <a:gridCol w="3921620">
                   <a:extLst>
                     <a:ext uri="{9D8B030D-6E8A-4147-A177-3AD203B41FA5}">
-                      <a16:colId xmlns:a16="http://schemas.microsoft.com/office/drawing/2014/main" val="20000"/>
+                      <a16:colId xmlns:a16="http://schemas.microsoft.com/office/drawing/2014/main" xmlns="" val="20000"/>
                     </a:ext>
                   </a:extLst>
                 </a:gridCol>
                 <a:gridCol w="3744260">
                   <a:extLst>
                     <a:ext uri="{9D8B030D-6E8A-4147-A177-3AD203B41FA5}">
-                      <a16:colId xmlns:a16="http://schemas.microsoft.com/office/drawing/2014/main" val="20001"/>
+                      <a16:colId xmlns:a16="http://schemas.microsoft.com/office/drawing/2014/main" xmlns="" val="20001"/>
                     </a:ext>
                   </a:extLst>
                 </a:gridCol>
                 <a:gridCol w="3744260">
                   <a:extLst>
                     <a:ext uri="{9D8B030D-6E8A-4147-A177-3AD203B41FA5}">
-                      <a16:colId xmlns:a16="http://schemas.microsoft.com/office/drawing/2014/main" val="20002"/>
+                      <a16:colId xmlns:a16="http://schemas.microsoft.com/office/drawing/2014/main" xmlns="" val="20002"/>
                     </a:ext>
                   </a:extLst>
                 </a:gridCol>
@@ -17116,7 +19531,7 @@
                 </a:tc>
                 <a:extLst>
                   <a:ext uri="{0D108BD9-81ED-4DB2-BD59-A6C34878D82A}">
-                    <a16:rowId xmlns:a16="http://schemas.microsoft.com/office/drawing/2014/main" val="10000"/>
+                    <a16:rowId xmlns:a16="http://schemas.microsoft.com/office/drawing/2014/main" xmlns="" val="10000"/>
                   </a:ext>
                 </a:extLst>
               </a:tr>
@@ -17294,7 +19709,7 @@
                 </a:tc>
                 <a:extLst>
                   <a:ext uri="{0D108BD9-81ED-4DB2-BD59-A6C34878D82A}">
-                    <a16:rowId xmlns:a16="http://schemas.microsoft.com/office/drawing/2014/main" val="10001"/>
+                    <a16:rowId xmlns:a16="http://schemas.microsoft.com/office/drawing/2014/main" xmlns="" val="10001"/>
                   </a:ext>
                 </a:extLst>
               </a:tr>
@@ -17425,7 +19840,7 @@
                 </a:tc>
                 <a:extLst>
                   <a:ext uri="{0D108BD9-81ED-4DB2-BD59-A6C34878D82A}">
-                    <a16:rowId xmlns:a16="http://schemas.microsoft.com/office/drawing/2014/main" val="10002"/>
+                    <a16:rowId xmlns:a16="http://schemas.microsoft.com/office/drawing/2014/main" xmlns="" val="10002"/>
                   </a:ext>
                 </a:extLst>
               </a:tr>
@@ -17603,7 +20018,7 @@
                 </a:tc>
                 <a:extLst>
                   <a:ext uri="{0D108BD9-81ED-4DB2-BD59-A6C34878D82A}">
-                    <a16:rowId xmlns:a16="http://schemas.microsoft.com/office/drawing/2014/main" val="10003"/>
+                    <a16:rowId xmlns:a16="http://schemas.microsoft.com/office/drawing/2014/main" xmlns="" val="10003"/>
                   </a:ext>
                 </a:extLst>
               </a:tr>
@@ -17734,7 +20149,7 @@
                 </a:tc>
                 <a:extLst>
                   <a:ext uri="{0D108BD9-81ED-4DB2-BD59-A6C34878D82A}">
-                    <a16:rowId xmlns:a16="http://schemas.microsoft.com/office/drawing/2014/main" val="10004"/>
+                    <a16:rowId xmlns:a16="http://schemas.microsoft.com/office/drawing/2014/main" xmlns="" val="10004"/>
                   </a:ext>
                 </a:extLst>
               </a:tr>
@@ -19653,7 +22068,7 @@
           <a:graphicData uri="http://schemas.openxmlformats.org/presentationml/2006/ole">
             <mc:AlternateContent xmlns:mc="http://schemas.openxmlformats.org/markup-compatibility/2006">
               <mc:Choice xmlns:v="urn:schemas-microsoft-com:vml" Requires="v">
-                <p:oleObj spid="_x0000_s12308" name="Visio" r:id="rId3" imgW="2147074" imgH="4707139" progId="Visio.Drawing.15">
+                <p:oleObj spid="_x0000_s12314" name="Visio" r:id="rId3" imgW="2147074" imgH="4707139" progId="Visio.Drawing.15">
                   <p:embed/>
                 </p:oleObj>
               </mc:Choice>
@@ -19710,7 +22125,7 @@
           <a:graphicData uri="http://schemas.openxmlformats.org/presentationml/2006/ole">
             <mc:AlternateContent xmlns:mc="http://schemas.openxmlformats.org/markup-compatibility/2006">
               <mc:Choice xmlns:v="urn:schemas-microsoft-com:vml" Requires="v">
-                <p:oleObj spid="_x0000_s12309" name="Visio" r:id="rId5" imgW="1137000" imgH="3633713" progId="Visio.Drawing.15">
+                <p:oleObj spid="_x0000_s12315" name="Visio" r:id="rId5" imgW="1137000" imgH="3633713" progId="Visio.Drawing.15">
                   <p:embed/>
                 </p:oleObj>
               </mc:Choice>
@@ -19767,7 +22182,7 @@
           <a:graphicData uri="http://schemas.openxmlformats.org/presentationml/2006/ole">
             <mc:AlternateContent xmlns:mc="http://schemas.openxmlformats.org/markup-compatibility/2006">
               <mc:Choice xmlns:v="urn:schemas-microsoft-com:vml" Requires="v">
-                <p:oleObj spid="_x0000_s12310" name="Visio" r:id="rId7" imgW="1510674" imgH="6695080" progId="Visio.Drawing.15">
+                <p:oleObj spid="_x0000_s12316" name="Visio" r:id="rId7" imgW="1510674" imgH="6695080" progId="Visio.Drawing.15">
                   <p:embed/>
                 </p:oleObj>
               </mc:Choice>
@@ -20107,7 +22522,7 @@
   <a:extraClrSchemeLst/>
   <a:extLst>
     <a:ext uri="{05A4C25C-085E-4340-85A3-A5531E510DB2}">
-      <thm15:themeFamily xmlns:thm15="http://schemas.microsoft.com/office/thememl/2012/main" name="Office Theme" id="{62F939B6-93AF-4DB8-9C6B-D6C7DFDC589F}" vid="{4A3C46E8-61CC-4603-A589-7422A47A8E4A}"/>
+      <thm15:themeFamily xmlns:thm15="http://schemas.microsoft.com/office/thememl/2012/main" xmlns="" name="Office Theme" id="{62F939B6-93AF-4DB8-9C6B-D6C7DFDC589F}" vid="{4A3C46E8-61CC-4603-A589-7422A47A8E4A}"/>
     </a:ext>
   </a:extLst>
 </a:theme>
@@ -20397,7 +22812,7 @@
   <a:extraClrSchemeLst/>
   <a:extLst>
     <a:ext uri="{05A4C25C-085E-4340-85A3-A5531E510DB2}">
-      <thm15:themeFamily xmlns:thm15="http://schemas.microsoft.com/office/thememl/2012/main" name="Office Theme" id="{62F939B6-93AF-4DB8-9C6B-D6C7DFDC589F}" vid="{4A3C46E8-61CC-4603-A589-7422A47A8E4A}"/>
+      <thm15:themeFamily xmlns:thm15="http://schemas.microsoft.com/office/thememl/2012/main" xmlns="" name="Office Theme" id="{62F939B6-93AF-4DB8-9C6B-D6C7DFDC589F}" vid="{4A3C46E8-61CC-4603-A589-7422A47A8E4A}"/>
     </a:ext>
   </a:extLst>
 </a:theme>
@@ -20687,7 +23102,7 @@
   <a:extraClrSchemeLst/>
   <a:extLst>
     <a:ext uri="{05A4C25C-085E-4340-85A3-A5531E510DB2}">
-      <thm15:themeFamily xmlns:thm15="http://schemas.microsoft.com/office/thememl/2012/main" name="Office Theme" id="{62F939B6-93AF-4DB8-9C6B-D6C7DFDC589F}" vid="{4A3C46E8-61CC-4603-A589-7422A47A8E4A}"/>
+      <thm15:themeFamily xmlns:thm15="http://schemas.microsoft.com/office/thememl/2012/main" xmlns="" name="Office Theme" id="{62F939B6-93AF-4DB8-9C6B-D6C7DFDC589F}" vid="{4A3C46E8-61CC-4603-A589-7422A47A8E4A}"/>
     </a:ext>
   </a:extLst>
 </a:theme>
